--- a/Presentations/Mid Semester Review/Individual_Slides/Tyler/Slide template.pptx
+++ b/Presentations/Mid Semester Review/Individual_Slides/Tyler/Slide template.pptx
@@ -6,6 +6,8 @@
   </p:sldMasterIdLst>
   <p:sldIdLst>
     <p:sldId id="256" r:id="rId2"/>
+    <p:sldId id="257" r:id="rId3"/>
+    <p:sldId id="258" r:id="rId4"/>
   </p:sldIdLst>
   <p:sldSz cx="9144000" cy="6858000" type="screen4x3"/>
   <p:notesSz cx="6858000" cy="9144000"/>
@@ -288,7 +290,7 @@
           <a:p>
             <a:fld id="{A8193F1D-56DB-E44D-9849-55B52730CCEA}" type="datetimeFigureOut">
               <a:rPr lang="en-US" smtClean="0"/>
-              <a:t>10/11/15</a:t>
+              <a:t>10/12/2015</a:t>
             </a:fld>
             <a:endParaRPr lang="en-US"/>
           </a:p>
@@ -458,7 +460,7 @@
           <a:p>
             <a:fld id="{A8193F1D-56DB-E44D-9849-55B52730CCEA}" type="datetimeFigureOut">
               <a:rPr lang="en-US" smtClean="0"/>
-              <a:t>10/11/15</a:t>
+              <a:t>10/12/2015</a:t>
             </a:fld>
             <a:endParaRPr lang="en-US"/>
           </a:p>
@@ -638,7 +640,7 @@
           <a:p>
             <a:fld id="{A8193F1D-56DB-E44D-9849-55B52730CCEA}" type="datetimeFigureOut">
               <a:rPr lang="en-US" smtClean="0"/>
-              <a:t>10/11/15</a:t>
+              <a:t>10/12/2015</a:t>
             </a:fld>
             <a:endParaRPr lang="en-US"/>
           </a:p>
@@ -808,7 +810,7 @@
           <a:p>
             <a:fld id="{A8193F1D-56DB-E44D-9849-55B52730CCEA}" type="datetimeFigureOut">
               <a:rPr lang="en-US" smtClean="0"/>
-              <a:t>10/11/15</a:t>
+              <a:t>10/12/2015</a:t>
             </a:fld>
             <a:endParaRPr lang="en-US"/>
           </a:p>
@@ -1054,7 +1056,7 @@
           <a:p>
             <a:fld id="{A8193F1D-56DB-E44D-9849-55B52730CCEA}" type="datetimeFigureOut">
               <a:rPr lang="en-US" smtClean="0"/>
-              <a:t>10/11/15</a:t>
+              <a:t>10/12/2015</a:t>
             </a:fld>
             <a:endParaRPr lang="en-US"/>
           </a:p>
@@ -1342,7 +1344,7 @@
           <a:p>
             <a:fld id="{A8193F1D-56DB-E44D-9849-55B52730CCEA}" type="datetimeFigureOut">
               <a:rPr lang="en-US" smtClean="0"/>
-              <a:t>10/11/15</a:t>
+              <a:t>10/12/2015</a:t>
             </a:fld>
             <a:endParaRPr lang="en-US"/>
           </a:p>
@@ -1764,7 +1766,7 @@
           <a:p>
             <a:fld id="{A8193F1D-56DB-E44D-9849-55B52730CCEA}" type="datetimeFigureOut">
               <a:rPr lang="en-US" smtClean="0"/>
-              <a:t>10/11/15</a:t>
+              <a:t>10/12/2015</a:t>
             </a:fld>
             <a:endParaRPr lang="en-US"/>
           </a:p>
@@ -1882,7 +1884,7 @@
           <a:p>
             <a:fld id="{A8193F1D-56DB-E44D-9849-55B52730CCEA}" type="datetimeFigureOut">
               <a:rPr lang="en-US" smtClean="0"/>
-              <a:t>10/11/15</a:t>
+              <a:t>10/12/2015</a:t>
             </a:fld>
             <a:endParaRPr lang="en-US"/>
           </a:p>
@@ -1977,7 +1979,7 @@
           <a:p>
             <a:fld id="{A8193F1D-56DB-E44D-9849-55B52730CCEA}" type="datetimeFigureOut">
               <a:rPr lang="en-US" smtClean="0"/>
-              <a:t>10/11/15</a:t>
+              <a:t>10/12/2015</a:t>
             </a:fld>
             <a:endParaRPr lang="en-US"/>
           </a:p>
@@ -2254,7 +2256,7 @@
           <a:p>
             <a:fld id="{A8193F1D-56DB-E44D-9849-55B52730CCEA}" type="datetimeFigureOut">
               <a:rPr lang="en-US" smtClean="0"/>
-              <a:t>10/11/15</a:t>
+              <a:t>10/12/2015</a:t>
             </a:fld>
             <a:endParaRPr lang="en-US"/>
           </a:p>
@@ -2507,7 +2509,7 @@
           <a:p>
             <a:fld id="{A8193F1D-56DB-E44D-9849-55B52730CCEA}" type="datetimeFigureOut">
               <a:rPr lang="en-US" smtClean="0"/>
-              <a:t>10/11/15</a:t>
+              <a:t>10/12/2015</a:t>
             </a:fld>
             <a:endParaRPr lang="en-US"/>
           </a:p>
@@ -2720,7 +2722,7 @@
           <a:p>
             <a:fld id="{A8193F1D-56DB-E44D-9849-55B52730CCEA}" type="datetimeFigureOut">
               <a:rPr lang="en-US" smtClean="0"/>
-              <a:t>10/11/15</a:t>
+              <a:t>10/12/2015</a:t>
             </a:fld>
             <a:endParaRPr lang="en-US"/>
           </a:p>
@@ -3320,10 +3322,874 @@
           </p:txBody>
         </p:sp>
       </p:grpSp>
+      <p:graphicFrame>
+        <p:nvGraphicFramePr>
+          <p:cNvPr id="2" name="Table 1"/>
+          <p:cNvGraphicFramePr>
+            <a:graphicFrameLocks noGrp="1"/>
+          </p:cNvGraphicFramePr>
+          <p:nvPr>
+            <p:extLst>
+              <p:ext uri="{D42A27DB-BD31-4B8C-83A1-F6EECF244321}">
+                <p14:modId xmlns:p14="http://schemas.microsoft.com/office/powerpoint/2010/main" val="1314002031"/>
+              </p:ext>
+            </p:extLst>
+          </p:nvPr>
+        </p:nvGraphicFramePr>
+        <p:xfrm>
+          <a:off x="1025303" y="1494971"/>
+          <a:ext cx="7203512" cy="2021840"/>
+        </p:xfrm>
+        <a:graphic>
+          <a:graphicData uri="http://schemas.openxmlformats.org/drawingml/2006/table">
+            <a:tbl>
+              <a:tblPr firstRow="1" bandRow="1">
+                <a:tableStyleId>{5C22544A-7EE6-4342-B048-85BDC9FD1C3A}</a:tableStyleId>
+              </a:tblPr>
+              <a:tblGrid>
+                <a:gridCol w="1800878"/>
+                <a:gridCol w="1541040"/>
+                <a:gridCol w="1709057"/>
+                <a:gridCol w="2152537"/>
+              </a:tblGrid>
+              <a:tr h="370840">
+                <a:tc>
+                  <a:txBody>
+                    <a:bodyPr/>
+                    <a:lstStyle/>
+                    <a:p>
+                      <a:pPr algn="ctr"/>
+                      <a:r>
+                        <a:rPr lang="en-US" dirty="0" smtClean="0"/>
+                        <a:t>System</a:t>
+                      </a:r>
+                      <a:endParaRPr lang="en-US" dirty="0"/>
+                    </a:p>
+                  </a:txBody>
+                  <a:tcPr/>
+                </a:tc>
+                <a:tc>
+                  <a:txBody>
+                    <a:bodyPr/>
+                    <a:lstStyle/>
+                    <a:p>
+                      <a:pPr algn="ctr"/>
+                      <a:r>
+                        <a:rPr lang="en-US" dirty="0" smtClean="0"/>
+                        <a:t>Mass [kg]</a:t>
+                      </a:r>
+                      <a:endParaRPr lang="en-US" dirty="0"/>
+                    </a:p>
+                  </a:txBody>
+                  <a:tcPr/>
+                </a:tc>
+                <a:tc>
+                  <a:txBody>
+                    <a:bodyPr/>
+                    <a:lstStyle/>
+                    <a:p>
+                      <a:pPr algn="ctr"/>
+                      <a:r>
+                        <a:rPr lang="en-US" dirty="0" smtClean="0"/>
+                        <a:t>Power [W]</a:t>
+                      </a:r>
+                      <a:endParaRPr lang="en-US" dirty="0"/>
+                    </a:p>
+                  </a:txBody>
+                  <a:tcPr/>
+                </a:tc>
+                <a:tc>
+                  <a:txBody>
+                    <a:bodyPr/>
+                    <a:lstStyle/>
+                    <a:p>
+                      <a:pPr algn="ctr"/>
+                      <a:r>
+                        <a:rPr lang="en-US" dirty="0" smtClean="0"/>
+                        <a:t>Est.</a:t>
+                      </a:r>
+                      <a:r>
+                        <a:rPr lang="en-US" baseline="0" dirty="0" smtClean="0"/>
+                        <a:t> Endurance [min]</a:t>
+                      </a:r>
+                      <a:endParaRPr lang="en-US" dirty="0"/>
+                    </a:p>
+                  </a:txBody>
+                  <a:tcPr/>
+                </a:tc>
+              </a:tr>
+              <a:tr h="370840">
+                <a:tc>
+                  <a:txBody>
+                    <a:bodyPr/>
+                    <a:lstStyle/>
+                    <a:p>
+                      <a:pPr algn="l"/>
+                      <a:r>
+                        <a:rPr lang="en-US" b="1" dirty="0" smtClean="0"/>
+                        <a:t>M100</a:t>
+                      </a:r>
+                      <a:endParaRPr lang="en-US" b="1" dirty="0"/>
+                    </a:p>
+                  </a:txBody>
+                  <a:tcPr/>
+                </a:tc>
+                <a:tc>
+                  <a:txBody>
+                    <a:bodyPr/>
+                    <a:lstStyle/>
+                    <a:p>
+                      <a:pPr algn="ctr"/>
+                      <a:r>
+                        <a:rPr lang="en-US" dirty="0" smtClean="0"/>
+                        <a:t>2.71</a:t>
+                      </a:r>
+                      <a:endParaRPr lang="en-US" dirty="0"/>
+                    </a:p>
+                  </a:txBody>
+                  <a:tcPr/>
+                </a:tc>
+                <a:tc>
+                  <a:txBody>
+                    <a:bodyPr/>
+                    <a:lstStyle/>
+                    <a:p>
+                      <a:pPr algn="ctr"/>
+                      <a:r>
+                        <a:rPr lang="en-US" dirty="0" smtClean="0"/>
+                        <a:t>16</a:t>
+                      </a:r>
+                      <a:endParaRPr lang="en-US" dirty="0"/>
+                    </a:p>
+                  </a:txBody>
+                  <a:tcPr/>
+                </a:tc>
+                <a:tc>
+                  <a:txBody>
+                    <a:bodyPr/>
+                    <a:lstStyle/>
+                    <a:p>
+                      <a:pPr algn="ctr"/>
+                      <a:r>
+                        <a:rPr lang="en-US" dirty="0" smtClean="0"/>
+                        <a:t>12.7</a:t>
+                      </a:r>
+                      <a:endParaRPr lang="en-US" dirty="0"/>
+                    </a:p>
+                  </a:txBody>
+                  <a:tcPr/>
+                </a:tc>
+              </a:tr>
+              <a:tr h="370840">
+                <a:tc>
+                  <a:txBody>
+                    <a:bodyPr/>
+                    <a:lstStyle/>
+                    <a:p>
+                      <a:pPr algn="l"/>
+                      <a:r>
+                        <a:rPr lang="en-US" b="1" dirty="0" err="1" smtClean="0"/>
+                        <a:t>AlienBee</a:t>
+                      </a:r>
+                      <a:r>
+                        <a:rPr lang="en-US" b="1" baseline="0" dirty="0" smtClean="0"/>
+                        <a:t> w/ RGBD</a:t>
+                      </a:r>
+                      <a:endParaRPr lang="en-US" b="1" dirty="0"/>
+                    </a:p>
+                  </a:txBody>
+                  <a:tcPr/>
+                </a:tc>
+                <a:tc>
+                  <a:txBody>
+                    <a:bodyPr/>
+                    <a:lstStyle/>
+                    <a:p>
+                      <a:pPr algn="ctr"/>
+                      <a:r>
+                        <a:rPr lang="en-US" dirty="0" smtClean="0"/>
+                        <a:t>1.52</a:t>
+                      </a:r>
+                      <a:endParaRPr lang="en-US" dirty="0"/>
+                    </a:p>
+                  </a:txBody>
+                  <a:tcPr/>
+                </a:tc>
+                <a:tc>
+                  <a:txBody>
+                    <a:bodyPr/>
+                    <a:lstStyle/>
+                    <a:p>
+                      <a:pPr algn="ctr"/>
+                      <a:r>
+                        <a:rPr lang="en-US" dirty="0" smtClean="0"/>
+                        <a:t>8.1</a:t>
+                      </a:r>
+                      <a:endParaRPr lang="en-US" dirty="0"/>
+                    </a:p>
+                  </a:txBody>
+                  <a:tcPr/>
+                </a:tc>
+                <a:tc>
+                  <a:txBody>
+                    <a:bodyPr/>
+                    <a:lstStyle/>
+                    <a:p>
+                      <a:pPr algn="ctr"/>
+                      <a:r>
+                        <a:rPr lang="en-US" dirty="0" smtClean="0"/>
+                        <a:t>24.2</a:t>
+                      </a:r>
+                      <a:endParaRPr lang="en-US" dirty="0"/>
+                    </a:p>
+                  </a:txBody>
+                  <a:tcPr/>
+                </a:tc>
+              </a:tr>
+              <a:tr h="370840">
+                <a:tc>
+                  <a:txBody>
+                    <a:bodyPr/>
+                    <a:lstStyle/>
+                    <a:p>
+                      <a:pPr algn="l"/>
+                      <a:r>
+                        <a:rPr lang="en-US" b="1" dirty="0" err="1" smtClean="0"/>
+                        <a:t>AlienBee</a:t>
+                      </a:r>
+                      <a:r>
+                        <a:rPr lang="en-US" b="1" dirty="0" smtClean="0"/>
+                        <a:t> w/ Guidance</a:t>
+                      </a:r>
+                      <a:endParaRPr lang="en-US" b="1" dirty="0"/>
+                    </a:p>
+                  </a:txBody>
+                  <a:tcPr/>
+                </a:tc>
+                <a:tc>
+                  <a:txBody>
+                    <a:bodyPr/>
+                    <a:lstStyle/>
+                    <a:p>
+                      <a:pPr algn="ctr"/>
+                      <a:r>
+                        <a:rPr lang="en-US" dirty="0" smtClean="0"/>
+                        <a:t>1.63</a:t>
+                      </a:r>
+                      <a:endParaRPr lang="en-US" dirty="0"/>
+                    </a:p>
+                  </a:txBody>
+                  <a:tcPr/>
+                </a:tc>
+                <a:tc>
+                  <a:txBody>
+                    <a:bodyPr/>
+                    <a:lstStyle/>
+                    <a:p>
+                      <a:pPr algn="ctr"/>
+                      <a:r>
+                        <a:rPr lang="en-US" dirty="0" smtClean="0"/>
+                        <a:t>17.1</a:t>
+                      </a:r>
+                      <a:endParaRPr lang="en-US" dirty="0"/>
+                    </a:p>
+                  </a:txBody>
+                  <a:tcPr/>
+                </a:tc>
+                <a:tc>
+                  <a:txBody>
+                    <a:bodyPr/>
+                    <a:lstStyle/>
+                    <a:p>
+                      <a:pPr algn="ctr"/>
+                      <a:r>
+                        <a:rPr lang="en-US" dirty="0" smtClean="0"/>
+                        <a:t>18.4</a:t>
+                      </a:r>
+                      <a:endParaRPr lang="en-US" dirty="0"/>
+                    </a:p>
+                  </a:txBody>
+                  <a:tcPr/>
+                </a:tc>
+              </a:tr>
+            </a:tbl>
+          </a:graphicData>
+        </a:graphic>
+      </p:graphicFrame>
     </p:spTree>
     <p:extLst>
       <p:ext uri="{BB962C8B-B14F-4D97-AF65-F5344CB8AC3E}">
         <p14:creationId xmlns:p14="http://schemas.microsoft.com/office/powerpoint/2010/main" val="4104887601"/>
+      </p:ext>
+    </p:extLst>
+  </p:cSld>
+  <p:clrMapOvr>
+    <a:masterClrMapping/>
+  </p:clrMapOvr>
+</p:sld>
+</file>
+
+<file path=ppt/slides/slide2.xml><?xml version="1.0" encoding="utf-8"?>
+<p:sld xmlns:a="http://schemas.openxmlformats.org/drawingml/2006/main" xmlns:r="http://schemas.openxmlformats.org/officeDocument/2006/relationships" xmlns:p="http://schemas.openxmlformats.org/presentationml/2006/main">
+  <p:cSld>
+    <p:spTree>
+      <p:nvGrpSpPr>
+        <p:cNvPr id="1" name=""/>
+        <p:cNvGrpSpPr/>
+        <p:nvPr/>
+      </p:nvGrpSpPr>
+      <p:grpSpPr>
+        <a:xfrm>
+          <a:off x="0" y="0"/>
+          <a:ext cx="0" cy="0"/>
+          <a:chOff x="0" y="0"/>
+          <a:chExt cx="0" cy="0"/>
+        </a:xfrm>
+      </p:grpSpPr>
+      <p:grpSp>
+        <p:nvGrpSpPr>
+          <p:cNvPr id="4" name="Group 3"/>
+          <p:cNvGrpSpPr/>
+          <p:nvPr/>
+        </p:nvGrpSpPr>
+        <p:grpSpPr>
+          <a:xfrm>
+            <a:off x="0" y="1"/>
+            <a:ext cx="9144000" cy="844012"/>
+            <a:chOff x="0" y="1"/>
+            <a:chExt cx="9144000" cy="844012"/>
+          </a:xfrm>
+        </p:grpSpPr>
+        <p:cxnSp>
+          <p:nvCxnSpPr>
+            <p:cNvPr id="5" name="Straight Connector 4"/>
+            <p:cNvCxnSpPr/>
+            <p:nvPr/>
+          </p:nvCxnSpPr>
+          <p:spPr>
+            <a:xfrm>
+              <a:off x="0" y="844013"/>
+              <a:ext cx="9144000" cy="0"/>
+            </a:xfrm>
+            <a:prstGeom prst="line">
+              <a:avLst/>
+            </a:prstGeom>
+            <a:ln>
+              <a:solidFill>
+                <a:schemeClr val="tx1"/>
+              </a:solidFill>
+            </a:ln>
+            <a:effectLst/>
+          </p:spPr>
+          <p:style>
+            <a:lnRef idx="2">
+              <a:schemeClr val="accent1"/>
+            </a:lnRef>
+            <a:fillRef idx="0">
+              <a:schemeClr val="accent1"/>
+            </a:fillRef>
+            <a:effectRef idx="1">
+              <a:schemeClr val="accent1"/>
+            </a:effectRef>
+            <a:fontRef idx="minor">
+              <a:schemeClr val="tx1"/>
+            </a:fontRef>
+          </p:style>
+        </p:cxnSp>
+        <p:pic>
+          <p:nvPicPr>
+            <p:cNvPr id="6" name="Picture 5" descr="Screen Shot 2015-10-11 at 11.16.20 AM.png"/>
+            <p:cNvPicPr>
+              <a:picLocks noChangeAspect="1"/>
+            </p:cNvPicPr>
+            <p:nvPr/>
+          </p:nvPicPr>
+          <p:blipFill>
+            <a:blip r:embed="rId2">
+              <a:extLst>
+                <a:ext uri="{28A0092B-C50C-407E-A947-70E740481C1C}">
+                  <a14:useLocalDpi xmlns:a14="http://schemas.microsoft.com/office/drawing/2010/main" val="0"/>
+                </a:ext>
+              </a:extLst>
+            </a:blip>
+            <a:stretch>
+              <a:fillRect/>
+            </a:stretch>
+          </p:blipFill>
+          <p:spPr>
+            <a:xfrm>
+              <a:off x="0" y="1"/>
+              <a:ext cx="1151748" cy="844012"/>
+            </a:xfrm>
+            <a:prstGeom prst="rect">
+              <a:avLst/>
+            </a:prstGeom>
+          </p:spPr>
+        </p:pic>
+        <p:sp>
+          <p:nvSpPr>
+            <p:cNvPr id="7" name="Rectangle 6"/>
+            <p:cNvSpPr/>
+            <p:nvPr/>
+          </p:nvSpPr>
+          <p:spPr>
+            <a:xfrm>
+              <a:off x="1151748" y="2283"/>
+              <a:ext cx="7992252" cy="832104"/>
+            </a:xfrm>
+            <a:prstGeom prst="rect">
+              <a:avLst/>
+            </a:prstGeom>
+            <a:solidFill>
+              <a:schemeClr val="tx1"/>
+            </a:solidFill>
+            <a:ln>
+              <a:solidFill>
+                <a:schemeClr val="tx1"/>
+              </a:solidFill>
+            </a:ln>
+            <a:effectLst/>
+          </p:spPr>
+          <p:style>
+            <a:lnRef idx="1">
+              <a:schemeClr val="accent1"/>
+            </a:lnRef>
+            <a:fillRef idx="3">
+              <a:schemeClr val="accent1"/>
+            </a:fillRef>
+            <a:effectRef idx="2">
+              <a:schemeClr val="accent1"/>
+            </a:effectRef>
+            <a:fontRef idx="minor">
+              <a:schemeClr val="lt1"/>
+            </a:fontRef>
+          </p:style>
+          <p:txBody>
+            <a:bodyPr rtlCol="0" anchor="ctr"/>
+            <a:lstStyle/>
+            <a:p>
+              <a:pPr algn="ctr"/>
+              <a:endParaRPr lang="en-US"/>
+            </a:p>
+          </p:txBody>
+        </p:sp>
+        <p:pic>
+          <p:nvPicPr>
+            <p:cNvPr id="8" name="Picture 7"/>
+            <p:cNvPicPr>
+              <a:picLocks noChangeAspect="1"/>
+            </p:cNvPicPr>
+            <p:nvPr/>
+          </p:nvPicPr>
+          <p:blipFill>
+            <a:blip r:embed="rId3"/>
+            <a:stretch>
+              <a:fillRect/>
+            </a:stretch>
+          </p:blipFill>
+          <p:spPr>
+            <a:xfrm>
+              <a:off x="8311013" y="2283"/>
+              <a:ext cx="832987" cy="832987"/>
+            </a:xfrm>
+            <a:prstGeom prst="rect">
+              <a:avLst/>
+            </a:prstGeom>
+          </p:spPr>
+        </p:pic>
+        <p:sp>
+          <p:nvSpPr>
+            <p:cNvPr id="9" name="TextBox 8"/>
+            <p:cNvSpPr txBox="1"/>
+            <p:nvPr/>
+          </p:nvSpPr>
+          <p:spPr>
+            <a:xfrm>
+              <a:off x="1202040" y="188621"/>
+              <a:ext cx="6983237" cy="461665"/>
+            </a:xfrm>
+            <a:prstGeom prst="rect">
+              <a:avLst/>
+            </a:prstGeom>
+            <a:noFill/>
+          </p:spPr>
+          <p:txBody>
+            <a:bodyPr wrap="square" rtlCol="0">
+              <a:spAutoFit/>
+            </a:bodyPr>
+            <a:lstStyle/>
+            <a:p>
+              <a:pPr algn="ctr"/>
+              <a:r>
+                <a:rPr lang="en-US" sz="2400" dirty="0" err="1" smtClean="0">
+                  <a:solidFill>
+                    <a:srgbClr val="FFFFFF"/>
+                  </a:solidFill>
+                  <a:latin typeface="Candara"/>
+                  <a:cs typeface="Candara"/>
+                </a:rPr>
+                <a:t>FlyNet</a:t>
+              </a:r>
+              <a:r>
+                <a:rPr lang="en-US" sz="2400" dirty="0" smtClean="0">
+                  <a:solidFill>
+                    <a:srgbClr val="FFFFFF"/>
+                  </a:solidFill>
+                  <a:latin typeface="Candara"/>
+                  <a:cs typeface="Candara"/>
+                </a:rPr>
+                <a:t>: Autonomous </a:t>
+              </a:r>
+              <a:r>
+                <a:rPr lang="en-US" sz="2400" dirty="0" err="1" smtClean="0">
+                  <a:solidFill>
+                    <a:srgbClr val="FFFFFF"/>
+                  </a:solidFill>
+                  <a:latin typeface="Candara"/>
+                  <a:cs typeface="Candara"/>
+                </a:rPr>
+                <a:t>Quadcopter</a:t>
+              </a:r>
+              <a:r>
+                <a:rPr lang="en-US" sz="2400" dirty="0" smtClean="0">
+                  <a:solidFill>
+                    <a:srgbClr val="FFFFFF"/>
+                  </a:solidFill>
+                  <a:latin typeface="Candara"/>
+                  <a:cs typeface="Candara"/>
+                </a:rPr>
+                <a:t> Search and Rescue</a:t>
+              </a:r>
+              <a:endParaRPr lang="en-US" sz="2400" dirty="0">
+                <a:solidFill>
+                  <a:srgbClr val="FFFFFF"/>
+                </a:solidFill>
+                <a:latin typeface="Candara"/>
+                <a:cs typeface="Candara"/>
+              </a:endParaRPr>
+            </a:p>
+          </p:txBody>
+        </p:sp>
+      </p:grpSp>
+      <p:pic>
+        <p:nvPicPr>
+          <p:cNvPr id="3" name="Picture 2"/>
+          <p:cNvPicPr>
+            <a:picLocks noChangeAspect="1"/>
+          </p:cNvPicPr>
+          <p:nvPr/>
+        </p:nvPicPr>
+        <p:blipFill>
+          <a:blip r:embed="rId4">
+            <a:extLst>
+              <a:ext uri="{28A0092B-C50C-407E-A947-70E740481C1C}">
+                <a14:useLocalDpi xmlns:a14="http://schemas.microsoft.com/office/drawing/2010/main" val="0"/>
+              </a:ext>
+            </a:extLst>
+          </a:blip>
+          <a:stretch>
+            <a:fillRect/>
+          </a:stretch>
+        </p:blipFill>
+        <p:spPr>
+          <a:xfrm>
+            <a:off x="1093658" y="1078028"/>
+            <a:ext cx="7200000" cy="5485715"/>
+          </a:xfrm>
+          <a:prstGeom prst="rect">
+            <a:avLst/>
+          </a:prstGeom>
+        </p:spPr>
+      </p:pic>
+    </p:spTree>
+    <p:extLst>
+      <p:ext uri="{BB962C8B-B14F-4D97-AF65-F5344CB8AC3E}">
+        <p14:creationId xmlns:p14="http://schemas.microsoft.com/office/powerpoint/2010/main" val="2046975385"/>
+      </p:ext>
+    </p:extLst>
+  </p:cSld>
+  <p:clrMapOvr>
+    <a:masterClrMapping/>
+  </p:clrMapOvr>
+</p:sld>
+</file>
+
+<file path=ppt/slides/slide3.xml><?xml version="1.0" encoding="utf-8"?>
+<p:sld xmlns:a="http://schemas.openxmlformats.org/drawingml/2006/main" xmlns:r="http://schemas.openxmlformats.org/officeDocument/2006/relationships" xmlns:p="http://schemas.openxmlformats.org/presentationml/2006/main">
+  <p:cSld>
+    <p:spTree>
+      <p:nvGrpSpPr>
+        <p:cNvPr id="1" name=""/>
+        <p:cNvGrpSpPr/>
+        <p:nvPr/>
+      </p:nvGrpSpPr>
+      <p:grpSpPr>
+        <a:xfrm>
+          <a:off x="0" y="0"/>
+          <a:ext cx="0" cy="0"/>
+          <a:chOff x="0" y="0"/>
+          <a:chExt cx="0" cy="0"/>
+        </a:xfrm>
+      </p:grpSpPr>
+      <p:grpSp>
+        <p:nvGrpSpPr>
+          <p:cNvPr id="4" name="Group 3"/>
+          <p:cNvGrpSpPr/>
+          <p:nvPr/>
+        </p:nvGrpSpPr>
+        <p:grpSpPr>
+          <a:xfrm>
+            <a:off x="0" y="1"/>
+            <a:ext cx="9144000" cy="844012"/>
+            <a:chOff x="0" y="1"/>
+            <a:chExt cx="9144000" cy="844012"/>
+          </a:xfrm>
+        </p:grpSpPr>
+        <p:cxnSp>
+          <p:nvCxnSpPr>
+            <p:cNvPr id="5" name="Straight Connector 4"/>
+            <p:cNvCxnSpPr/>
+            <p:nvPr/>
+          </p:nvCxnSpPr>
+          <p:spPr>
+            <a:xfrm>
+              <a:off x="0" y="844013"/>
+              <a:ext cx="9144000" cy="0"/>
+            </a:xfrm>
+            <a:prstGeom prst="line">
+              <a:avLst/>
+            </a:prstGeom>
+            <a:ln>
+              <a:solidFill>
+                <a:schemeClr val="tx1"/>
+              </a:solidFill>
+            </a:ln>
+            <a:effectLst/>
+          </p:spPr>
+          <p:style>
+            <a:lnRef idx="2">
+              <a:schemeClr val="accent1"/>
+            </a:lnRef>
+            <a:fillRef idx="0">
+              <a:schemeClr val="accent1"/>
+            </a:fillRef>
+            <a:effectRef idx="1">
+              <a:schemeClr val="accent1"/>
+            </a:effectRef>
+            <a:fontRef idx="minor">
+              <a:schemeClr val="tx1"/>
+            </a:fontRef>
+          </p:style>
+        </p:cxnSp>
+        <p:pic>
+          <p:nvPicPr>
+            <p:cNvPr id="6" name="Picture 5" descr="Screen Shot 2015-10-11 at 11.16.20 AM.png"/>
+            <p:cNvPicPr>
+              <a:picLocks noChangeAspect="1"/>
+            </p:cNvPicPr>
+            <p:nvPr/>
+          </p:nvPicPr>
+          <p:blipFill>
+            <a:blip r:embed="rId2">
+              <a:extLst>
+                <a:ext uri="{28A0092B-C50C-407E-A947-70E740481C1C}">
+                  <a14:useLocalDpi xmlns:a14="http://schemas.microsoft.com/office/drawing/2010/main" val="0"/>
+                </a:ext>
+              </a:extLst>
+            </a:blip>
+            <a:stretch>
+              <a:fillRect/>
+            </a:stretch>
+          </p:blipFill>
+          <p:spPr>
+            <a:xfrm>
+              <a:off x="0" y="1"/>
+              <a:ext cx="1151748" cy="844012"/>
+            </a:xfrm>
+            <a:prstGeom prst="rect">
+              <a:avLst/>
+            </a:prstGeom>
+          </p:spPr>
+        </p:pic>
+        <p:sp>
+          <p:nvSpPr>
+            <p:cNvPr id="7" name="Rectangle 6"/>
+            <p:cNvSpPr/>
+            <p:nvPr/>
+          </p:nvSpPr>
+          <p:spPr>
+            <a:xfrm>
+              <a:off x="1151748" y="2283"/>
+              <a:ext cx="7992252" cy="832104"/>
+            </a:xfrm>
+            <a:prstGeom prst="rect">
+              <a:avLst/>
+            </a:prstGeom>
+            <a:solidFill>
+              <a:schemeClr val="tx1"/>
+            </a:solidFill>
+            <a:ln>
+              <a:solidFill>
+                <a:schemeClr val="tx1"/>
+              </a:solidFill>
+            </a:ln>
+            <a:effectLst/>
+          </p:spPr>
+          <p:style>
+            <a:lnRef idx="1">
+              <a:schemeClr val="accent1"/>
+            </a:lnRef>
+            <a:fillRef idx="3">
+              <a:schemeClr val="accent1"/>
+            </a:fillRef>
+            <a:effectRef idx="2">
+              <a:schemeClr val="accent1"/>
+            </a:effectRef>
+            <a:fontRef idx="minor">
+              <a:schemeClr val="lt1"/>
+            </a:fontRef>
+          </p:style>
+          <p:txBody>
+            <a:bodyPr rtlCol="0" anchor="ctr"/>
+            <a:lstStyle/>
+            <a:p>
+              <a:pPr algn="ctr"/>
+              <a:endParaRPr lang="en-US"/>
+            </a:p>
+          </p:txBody>
+        </p:sp>
+        <p:pic>
+          <p:nvPicPr>
+            <p:cNvPr id="8" name="Picture 7"/>
+            <p:cNvPicPr>
+              <a:picLocks noChangeAspect="1"/>
+            </p:cNvPicPr>
+            <p:nvPr/>
+          </p:nvPicPr>
+          <p:blipFill>
+            <a:blip r:embed="rId3"/>
+            <a:stretch>
+              <a:fillRect/>
+            </a:stretch>
+          </p:blipFill>
+          <p:spPr>
+            <a:xfrm>
+              <a:off x="8311013" y="2283"/>
+              <a:ext cx="832987" cy="832987"/>
+            </a:xfrm>
+            <a:prstGeom prst="rect">
+              <a:avLst/>
+            </a:prstGeom>
+          </p:spPr>
+        </p:pic>
+        <p:sp>
+          <p:nvSpPr>
+            <p:cNvPr id="9" name="TextBox 8"/>
+            <p:cNvSpPr txBox="1"/>
+            <p:nvPr/>
+          </p:nvSpPr>
+          <p:spPr>
+            <a:xfrm>
+              <a:off x="1202040" y="188621"/>
+              <a:ext cx="6983237" cy="461665"/>
+            </a:xfrm>
+            <a:prstGeom prst="rect">
+              <a:avLst/>
+            </a:prstGeom>
+            <a:noFill/>
+          </p:spPr>
+          <p:txBody>
+            <a:bodyPr wrap="square" rtlCol="0">
+              <a:spAutoFit/>
+            </a:bodyPr>
+            <a:lstStyle/>
+            <a:p>
+              <a:pPr algn="ctr"/>
+              <a:r>
+                <a:rPr lang="en-US" sz="2400" dirty="0" err="1" smtClean="0">
+                  <a:solidFill>
+                    <a:srgbClr val="FFFFFF"/>
+                  </a:solidFill>
+                  <a:latin typeface="Candara"/>
+                  <a:cs typeface="Candara"/>
+                </a:rPr>
+                <a:t>FlyNet</a:t>
+              </a:r>
+              <a:r>
+                <a:rPr lang="en-US" sz="2400" dirty="0" smtClean="0">
+                  <a:solidFill>
+                    <a:srgbClr val="FFFFFF"/>
+                  </a:solidFill>
+                  <a:latin typeface="Candara"/>
+                  <a:cs typeface="Candara"/>
+                </a:rPr>
+                <a:t>: Autonomous </a:t>
+              </a:r>
+              <a:r>
+                <a:rPr lang="en-US" sz="2400" dirty="0" err="1" smtClean="0">
+                  <a:solidFill>
+                    <a:srgbClr val="FFFFFF"/>
+                  </a:solidFill>
+                  <a:latin typeface="Candara"/>
+                  <a:cs typeface="Candara"/>
+                </a:rPr>
+                <a:t>Quadcopter</a:t>
+              </a:r>
+              <a:r>
+                <a:rPr lang="en-US" sz="2400" dirty="0" smtClean="0">
+                  <a:solidFill>
+                    <a:srgbClr val="FFFFFF"/>
+                  </a:solidFill>
+                  <a:latin typeface="Candara"/>
+                  <a:cs typeface="Candara"/>
+                </a:rPr>
+                <a:t> Search and Rescue</a:t>
+              </a:r>
+              <a:endParaRPr lang="en-US" sz="2400" dirty="0">
+                <a:solidFill>
+                  <a:srgbClr val="FFFFFF"/>
+                </a:solidFill>
+                <a:latin typeface="Candara"/>
+                <a:cs typeface="Candara"/>
+              </a:endParaRPr>
+            </a:p>
+          </p:txBody>
+        </p:sp>
+      </p:grpSp>
+      <p:pic>
+        <p:nvPicPr>
+          <p:cNvPr id="10" name="Picture 9"/>
+          <p:cNvPicPr>
+            <a:picLocks noChangeAspect="1"/>
+          </p:cNvPicPr>
+          <p:nvPr/>
+        </p:nvPicPr>
+        <p:blipFill>
+          <a:blip r:embed="rId4">
+            <a:extLst>
+              <a:ext uri="{28A0092B-C50C-407E-A947-70E740481C1C}">
+                <a14:useLocalDpi xmlns:a14="http://schemas.microsoft.com/office/drawing/2010/main" val="0"/>
+              </a:ext>
+            </a:extLst>
+          </a:blip>
+          <a:stretch>
+            <a:fillRect/>
+          </a:stretch>
+        </p:blipFill>
+        <p:spPr>
+          <a:xfrm>
+            <a:off x="1434822" y="1021190"/>
+            <a:ext cx="6876191" cy="5333334"/>
+          </a:xfrm>
+          <a:prstGeom prst="rect">
+            <a:avLst/>
+          </a:prstGeom>
+        </p:spPr>
+      </p:pic>
+    </p:spTree>
+    <p:extLst>
+      <p:ext uri="{BB962C8B-B14F-4D97-AF65-F5344CB8AC3E}">
+        <p14:creationId xmlns:p14="http://schemas.microsoft.com/office/powerpoint/2010/main" val="3263740133"/>
       </p:ext>
     </p:extLst>
   </p:cSld>

--- a/Presentations/Mid Semester Review/Individual_Slides/Tyler/Slide template.pptx
+++ b/Presentations/Mid Semester Review/Individual_Slides/Tyler/Slide template.pptx
@@ -4,10 +4,15 @@
   <p:sldMasterIdLst>
     <p:sldMasterId id="2147483648" r:id="rId1"/>
   </p:sldMasterIdLst>
+  <p:notesMasterIdLst>
+    <p:notesMasterId r:id="rId7"/>
+  </p:notesMasterIdLst>
   <p:sldIdLst>
-    <p:sldId id="256" r:id="rId2"/>
+    <p:sldId id="260" r:id="rId2"/>
     <p:sldId id="257" r:id="rId3"/>
     <p:sldId id="258" r:id="rId4"/>
+    <p:sldId id="256" r:id="rId5"/>
+    <p:sldId id="259" r:id="rId6"/>
   </p:sldIdLst>
   <p:sldSz cx="9144000" cy="6858000" type="screen4x3"/>
   <p:notesSz cx="6858000" cy="9144000"/>
@@ -107,6 +112,440 @@
     </a:lvl9pPr>
   </p:defaultTextStyle>
 </p:presentation>
+</file>
+
+<file path=ppt/notesMasters/notesMaster1.xml><?xml version="1.0" encoding="utf-8"?>
+<p:notesMaster xmlns:a="http://schemas.openxmlformats.org/drawingml/2006/main" xmlns:r="http://schemas.openxmlformats.org/officeDocument/2006/relationships" xmlns:p="http://schemas.openxmlformats.org/presentationml/2006/main">
+  <p:cSld>
+    <p:bg>
+      <p:bgRef idx="1001">
+        <a:schemeClr val="bg1"/>
+      </p:bgRef>
+    </p:bg>
+    <p:spTree>
+      <p:nvGrpSpPr>
+        <p:cNvPr id="1" name=""/>
+        <p:cNvGrpSpPr/>
+        <p:nvPr/>
+      </p:nvGrpSpPr>
+      <p:grpSpPr>
+        <a:xfrm>
+          <a:off x="0" y="0"/>
+          <a:ext cx="0" cy="0"/>
+          <a:chOff x="0" y="0"/>
+          <a:chExt cx="0" cy="0"/>
+        </a:xfrm>
+      </p:grpSpPr>
+      <p:sp>
+        <p:nvSpPr>
+          <p:cNvPr id="2" name="Header Placeholder 1"/>
+          <p:cNvSpPr>
+            <a:spLocks noGrp="1"/>
+          </p:cNvSpPr>
+          <p:nvPr>
+            <p:ph type="hdr" sz="quarter"/>
+          </p:nvPr>
+        </p:nvSpPr>
+        <p:spPr>
+          <a:xfrm>
+            <a:off x="0" y="0"/>
+            <a:ext cx="2971800" cy="457200"/>
+          </a:xfrm>
+          <a:prstGeom prst="rect">
+            <a:avLst/>
+          </a:prstGeom>
+        </p:spPr>
+        <p:txBody>
+          <a:bodyPr vert="horz" lIns="91440" tIns="45720" rIns="91440" bIns="45720" rtlCol="0"/>
+          <a:lstStyle>
+            <a:lvl1pPr algn="l">
+              <a:defRPr sz="1200"/>
+            </a:lvl1pPr>
+          </a:lstStyle>
+          <a:p>
+            <a:endParaRPr lang="en-US"/>
+          </a:p>
+        </p:txBody>
+      </p:sp>
+      <p:sp>
+        <p:nvSpPr>
+          <p:cNvPr id="3" name="Date Placeholder 2"/>
+          <p:cNvSpPr>
+            <a:spLocks noGrp="1"/>
+          </p:cNvSpPr>
+          <p:nvPr>
+            <p:ph type="dt" idx="1"/>
+          </p:nvPr>
+        </p:nvSpPr>
+        <p:spPr>
+          <a:xfrm>
+            <a:off x="3884613" y="0"/>
+            <a:ext cx="2971800" cy="457200"/>
+          </a:xfrm>
+          <a:prstGeom prst="rect">
+            <a:avLst/>
+          </a:prstGeom>
+        </p:spPr>
+        <p:txBody>
+          <a:bodyPr vert="horz" lIns="91440" tIns="45720" rIns="91440" bIns="45720" rtlCol="0"/>
+          <a:lstStyle>
+            <a:lvl1pPr algn="r">
+              <a:defRPr sz="1200"/>
+            </a:lvl1pPr>
+          </a:lstStyle>
+          <a:p>
+            <a:fld id="{51E4185F-0EA7-4BA8-A08E-5754056CFC72}" type="datetimeFigureOut">
+              <a:rPr lang="en-US" smtClean="0"/>
+              <a:t>10/14/2015</a:t>
+            </a:fld>
+            <a:endParaRPr lang="en-US"/>
+          </a:p>
+        </p:txBody>
+      </p:sp>
+      <p:sp>
+        <p:nvSpPr>
+          <p:cNvPr id="4" name="Slide Image Placeholder 3"/>
+          <p:cNvSpPr>
+            <a:spLocks noGrp="1" noRot="1" noChangeAspect="1"/>
+          </p:cNvSpPr>
+          <p:nvPr>
+            <p:ph type="sldImg" idx="2"/>
+          </p:nvPr>
+        </p:nvSpPr>
+        <p:spPr>
+          <a:xfrm>
+            <a:off x="1143000" y="685800"/>
+            <a:ext cx="4572000" cy="3429000"/>
+          </a:xfrm>
+          <a:prstGeom prst="rect">
+            <a:avLst/>
+          </a:prstGeom>
+          <a:noFill/>
+          <a:ln w="12700">
+            <a:solidFill>
+              <a:prstClr val="black"/>
+            </a:solidFill>
+          </a:ln>
+        </p:spPr>
+        <p:txBody>
+          <a:bodyPr vert="horz" lIns="91440" tIns="45720" rIns="91440" bIns="45720" rtlCol="0" anchor="ctr"/>
+          <a:lstStyle/>
+          <a:p>
+            <a:endParaRPr lang="en-US"/>
+          </a:p>
+        </p:txBody>
+      </p:sp>
+      <p:sp>
+        <p:nvSpPr>
+          <p:cNvPr id="5" name="Notes Placeholder 4"/>
+          <p:cNvSpPr>
+            <a:spLocks noGrp="1"/>
+          </p:cNvSpPr>
+          <p:nvPr>
+            <p:ph type="body" sz="quarter" idx="3"/>
+          </p:nvPr>
+        </p:nvSpPr>
+        <p:spPr>
+          <a:xfrm>
+            <a:off x="685800" y="4343400"/>
+            <a:ext cx="5486400" cy="4114800"/>
+          </a:xfrm>
+          <a:prstGeom prst="rect">
+            <a:avLst/>
+          </a:prstGeom>
+        </p:spPr>
+        <p:txBody>
+          <a:bodyPr vert="horz" lIns="91440" tIns="45720" rIns="91440" bIns="45720" rtlCol="0"/>
+          <a:lstStyle/>
+          <a:p>
+            <a:pPr lvl="0"/>
+            <a:r>
+              <a:rPr lang="en-US" smtClean="0"/>
+              <a:t>Click to edit Master text styles</a:t>
+            </a:r>
+          </a:p>
+          <a:p>
+            <a:pPr lvl="1"/>
+            <a:r>
+              <a:rPr lang="en-US" smtClean="0"/>
+              <a:t>Second level</a:t>
+            </a:r>
+          </a:p>
+          <a:p>
+            <a:pPr lvl="2"/>
+            <a:r>
+              <a:rPr lang="en-US" smtClean="0"/>
+              <a:t>Third level</a:t>
+            </a:r>
+          </a:p>
+          <a:p>
+            <a:pPr lvl="3"/>
+            <a:r>
+              <a:rPr lang="en-US" smtClean="0"/>
+              <a:t>Fourth level</a:t>
+            </a:r>
+          </a:p>
+          <a:p>
+            <a:pPr lvl="4"/>
+            <a:r>
+              <a:rPr lang="en-US" smtClean="0"/>
+              <a:t>Fifth level</a:t>
+            </a:r>
+            <a:endParaRPr lang="en-US"/>
+          </a:p>
+        </p:txBody>
+      </p:sp>
+      <p:sp>
+        <p:nvSpPr>
+          <p:cNvPr id="6" name="Footer Placeholder 5"/>
+          <p:cNvSpPr>
+            <a:spLocks noGrp="1"/>
+          </p:cNvSpPr>
+          <p:nvPr>
+            <p:ph type="ftr" sz="quarter" idx="4"/>
+          </p:nvPr>
+        </p:nvSpPr>
+        <p:spPr>
+          <a:xfrm>
+            <a:off x="0" y="8685213"/>
+            <a:ext cx="2971800" cy="457200"/>
+          </a:xfrm>
+          <a:prstGeom prst="rect">
+            <a:avLst/>
+          </a:prstGeom>
+        </p:spPr>
+        <p:txBody>
+          <a:bodyPr vert="horz" lIns="91440" tIns="45720" rIns="91440" bIns="45720" rtlCol="0" anchor="b"/>
+          <a:lstStyle>
+            <a:lvl1pPr algn="l">
+              <a:defRPr sz="1200"/>
+            </a:lvl1pPr>
+          </a:lstStyle>
+          <a:p>
+            <a:endParaRPr lang="en-US"/>
+          </a:p>
+        </p:txBody>
+      </p:sp>
+      <p:sp>
+        <p:nvSpPr>
+          <p:cNvPr id="7" name="Slide Number Placeholder 6"/>
+          <p:cNvSpPr>
+            <a:spLocks noGrp="1"/>
+          </p:cNvSpPr>
+          <p:nvPr>
+            <p:ph type="sldNum" sz="quarter" idx="5"/>
+          </p:nvPr>
+        </p:nvSpPr>
+        <p:spPr>
+          <a:xfrm>
+            <a:off x="3884613" y="8685213"/>
+            <a:ext cx="2971800" cy="457200"/>
+          </a:xfrm>
+          <a:prstGeom prst="rect">
+            <a:avLst/>
+          </a:prstGeom>
+        </p:spPr>
+        <p:txBody>
+          <a:bodyPr vert="horz" lIns="91440" tIns="45720" rIns="91440" bIns="45720" rtlCol="0" anchor="b"/>
+          <a:lstStyle>
+            <a:lvl1pPr algn="r">
+              <a:defRPr sz="1200"/>
+            </a:lvl1pPr>
+          </a:lstStyle>
+          <a:p>
+            <a:fld id="{CC3B56EF-EB95-49F2-A5A6-537DEE8FE14C}" type="slidenum">
+              <a:rPr lang="en-US" smtClean="0"/>
+              <a:t>‹#›</a:t>
+            </a:fld>
+            <a:endParaRPr lang="en-US"/>
+          </a:p>
+        </p:txBody>
+      </p:sp>
+    </p:spTree>
+    <p:extLst>
+      <p:ext uri="{BB962C8B-B14F-4D97-AF65-F5344CB8AC3E}">
+        <p14:creationId xmlns:p14="http://schemas.microsoft.com/office/powerpoint/2010/main" val="732286112"/>
+      </p:ext>
+    </p:extLst>
+  </p:cSld>
+  <p:clrMap bg1="lt1" tx1="dk1" bg2="lt2" tx2="dk2" accent1="accent1" accent2="accent2" accent3="accent3" accent4="accent4" accent5="accent5" accent6="accent6" hlink="hlink" folHlink="folHlink"/>
+  <p:notesStyle>
+    <a:lvl1pPr marL="0" algn="l" defTabSz="914400" rtl="0" eaLnBrk="1" latinLnBrk="0" hangingPunct="1">
+      <a:defRPr sz="1200" kern="1200">
+        <a:solidFill>
+          <a:schemeClr val="tx1"/>
+        </a:solidFill>
+        <a:latin typeface="+mn-lt"/>
+        <a:ea typeface="+mn-ea"/>
+        <a:cs typeface="+mn-cs"/>
+      </a:defRPr>
+    </a:lvl1pPr>
+    <a:lvl2pPr marL="457200" algn="l" defTabSz="914400" rtl="0" eaLnBrk="1" latinLnBrk="0" hangingPunct="1">
+      <a:defRPr sz="1200" kern="1200">
+        <a:solidFill>
+          <a:schemeClr val="tx1"/>
+        </a:solidFill>
+        <a:latin typeface="+mn-lt"/>
+        <a:ea typeface="+mn-ea"/>
+        <a:cs typeface="+mn-cs"/>
+      </a:defRPr>
+    </a:lvl2pPr>
+    <a:lvl3pPr marL="914400" algn="l" defTabSz="914400" rtl="0" eaLnBrk="1" latinLnBrk="0" hangingPunct="1">
+      <a:defRPr sz="1200" kern="1200">
+        <a:solidFill>
+          <a:schemeClr val="tx1"/>
+        </a:solidFill>
+        <a:latin typeface="+mn-lt"/>
+        <a:ea typeface="+mn-ea"/>
+        <a:cs typeface="+mn-cs"/>
+      </a:defRPr>
+    </a:lvl3pPr>
+    <a:lvl4pPr marL="1371600" algn="l" defTabSz="914400" rtl="0" eaLnBrk="1" latinLnBrk="0" hangingPunct="1">
+      <a:defRPr sz="1200" kern="1200">
+        <a:solidFill>
+          <a:schemeClr val="tx1"/>
+        </a:solidFill>
+        <a:latin typeface="+mn-lt"/>
+        <a:ea typeface="+mn-ea"/>
+        <a:cs typeface="+mn-cs"/>
+      </a:defRPr>
+    </a:lvl4pPr>
+    <a:lvl5pPr marL="1828800" algn="l" defTabSz="914400" rtl="0" eaLnBrk="1" latinLnBrk="0" hangingPunct="1">
+      <a:defRPr sz="1200" kern="1200">
+        <a:solidFill>
+          <a:schemeClr val="tx1"/>
+        </a:solidFill>
+        <a:latin typeface="+mn-lt"/>
+        <a:ea typeface="+mn-ea"/>
+        <a:cs typeface="+mn-cs"/>
+      </a:defRPr>
+    </a:lvl5pPr>
+    <a:lvl6pPr marL="2286000" algn="l" defTabSz="914400" rtl="0" eaLnBrk="1" latinLnBrk="0" hangingPunct="1">
+      <a:defRPr sz="1200" kern="1200">
+        <a:solidFill>
+          <a:schemeClr val="tx1"/>
+        </a:solidFill>
+        <a:latin typeface="+mn-lt"/>
+        <a:ea typeface="+mn-ea"/>
+        <a:cs typeface="+mn-cs"/>
+      </a:defRPr>
+    </a:lvl6pPr>
+    <a:lvl7pPr marL="2743200" algn="l" defTabSz="914400" rtl="0" eaLnBrk="1" latinLnBrk="0" hangingPunct="1">
+      <a:defRPr sz="1200" kern="1200">
+        <a:solidFill>
+          <a:schemeClr val="tx1"/>
+        </a:solidFill>
+        <a:latin typeface="+mn-lt"/>
+        <a:ea typeface="+mn-ea"/>
+        <a:cs typeface="+mn-cs"/>
+      </a:defRPr>
+    </a:lvl7pPr>
+    <a:lvl8pPr marL="3200400" algn="l" defTabSz="914400" rtl="0" eaLnBrk="1" latinLnBrk="0" hangingPunct="1">
+      <a:defRPr sz="1200" kern="1200">
+        <a:solidFill>
+          <a:schemeClr val="tx1"/>
+        </a:solidFill>
+        <a:latin typeface="+mn-lt"/>
+        <a:ea typeface="+mn-ea"/>
+        <a:cs typeface="+mn-cs"/>
+      </a:defRPr>
+    </a:lvl8pPr>
+    <a:lvl9pPr marL="3657600" algn="l" defTabSz="914400" rtl="0" eaLnBrk="1" latinLnBrk="0" hangingPunct="1">
+      <a:defRPr sz="1200" kern="1200">
+        <a:solidFill>
+          <a:schemeClr val="tx1"/>
+        </a:solidFill>
+        <a:latin typeface="+mn-lt"/>
+        <a:ea typeface="+mn-ea"/>
+        <a:cs typeface="+mn-cs"/>
+      </a:defRPr>
+    </a:lvl9pPr>
+  </p:notesStyle>
+</p:notesMaster>
+</file>
+
+<file path=ppt/notesSlides/notesSlide1.xml><?xml version="1.0" encoding="utf-8"?>
+<p:notes xmlns:a="http://schemas.openxmlformats.org/drawingml/2006/main" xmlns:r="http://schemas.openxmlformats.org/officeDocument/2006/relationships" xmlns:p="http://schemas.openxmlformats.org/presentationml/2006/main">
+  <p:cSld>
+    <p:spTree>
+      <p:nvGrpSpPr>
+        <p:cNvPr id="1" name=""/>
+        <p:cNvGrpSpPr/>
+        <p:nvPr/>
+      </p:nvGrpSpPr>
+      <p:grpSpPr>
+        <a:xfrm>
+          <a:off x="0" y="0"/>
+          <a:ext cx="0" cy="0"/>
+          <a:chOff x="0" y="0"/>
+          <a:chExt cx="0" cy="0"/>
+        </a:xfrm>
+      </p:grpSpPr>
+      <p:sp>
+        <p:nvSpPr>
+          <p:cNvPr id="2" name="Slide Image Placeholder 1"/>
+          <p:cNvSpPr>
+            <a:spLocks noGrp="1" noRot="1" noChangeAspect="1"/>
+          </p:cNvSpPr>
+          <p:nvPr>
+            <p:ph type="sldImg"/>
+          </p:nvPr>
+        </p:nvSpPr>
+        <p:spPr/>
+      </p:sp>
+      <p:sp>
+        <p:nvSpPr>
+          <p:cNvPr id="3" name="Notes Placeholder 2"/>
+          <p:cNvSpPr>
+            <a:spLocks noGrp="1"/>
+          </p:cNvSpPr>
+          <p:nvPr>
+            <p:ph type="body" idx="1"/>
+          </p:nvPr>
+        </p:nvSpPr>
+        <p:spPr/>
+        <p:txBody>
+          <a:bodyPr/>
+          <a:lstStyle/>
+          <a:p>
+            <a:endParaRPr lang="en-US" dirty="0"/>
+          </a:p>
+        </p:txBody>
+      </p:sp>
+      <p:sp>
+        <p:nvSpPr>
+          <p:cNvPr id="4" name="Slide Number Placeholder 3"/>
+          <p:cNvSpPr>
+            <a:spLocks noGrp="1"/>
+          </p:cNvSpPr>
+          <p:nvPr>
+            <p:ph type="sldNum" sz="quarter" idx="10"/>
+          </p:nvPr>
+        </p:nvSpPr>
+        <p:spPr/>
+        <p:txBody>
+          <a:bodyPr/>
+          <a:lstStyle/>
+          <a:p>
+            <a:fld id="{CC3B56EF-EB95-49F2-A5A6-537DEE8FE14C}" type="slidenum">
+              <a:rPr lang="en-US" smtClean="0"/>
+              <a:t>4</a:t>
+            </a:fld>
+            <a:endParaRPr lang="en-US"/>
+          </a:p>
+        </p:txBody>
+      </p:sp>
+    </p:spTree>
+    <p:extLst>
+      <p:ext uri="{BB962C8B-B14F-4D97-AF65-F5344CB8AC3E}">
+        <p14:creationId xmlns:p14="http://schemas.microsoft.com/office/powerpoint/2010/main" val="2204395151"/>
+      </p:ext>
+    </p:extLst>
+  </p:cSld>
+  <p:clrMapOvr>
+    <a:masterClrMapping/>
+  </p:clrMapOvr>
+</p:notes>
 </file>
 
 <file path=ppt/slideLayouts/slideLayout1.xml><?xml version="1.0" encoding="utf-8"?>
@@ -290,7 +729,7 @@
           <a:p>
             <a:fld id="{A8193F1D-56DB-E44D-9849-55B52730CCEA}" type="datetimeFigureOut">
               <a:rPr lang="en-US" smtClean="0"/>
-              <a:t>10/12/2015</a:t>
+              <a:t>10/14/2015</a:t>
             </a:fld>
             <a:endParaRPr lang="en-US"/>
           </a:p>
@@ -460,7 +899,7 @@
           <a:p>
             <a:fld id="{A8193F1D-56DB-E44D-9849-55B52730CCEA}" type="datetimeFigureOut">
               <a:rPr lang="en-US" smtClean="0"/>
-              <a:t>10/12/2015</a:t>
+              <a:t>10/14/2015</a:t>
             </a:fld>
             <a:endParaRPr lang="en-US"/>
           </a:p>
@@ -640,7 +1079,7 @@
           <a:p>
             <a:fld id="{A8193F1D-56DB-E44D-9849-55B52730CCEA}" type="datetimeFigureOut">
               <a:rPr lang="en-US" smtClean="0"/>
-              <a:t>10/12/2015</a:t>
+              <a:t>10/14/2015</a:t>
             </a:fld>
             <a:endParaRPr lang="en-US"/>
           </a:p>
@@ -810,7 +1249,7 @@
           <a:p>
             <a:fld id="{A8193F1D-56DB-E44D-9849-55B52730CCEA}" type="datetimeFigureOut">
               <a:rPr lang="en-US" smtClean="0"/>
-              <a:t>10/12/2015</a:t>
+              <a:t>10/14/2015</a:t>
             </a:fld>
             <a:endParaRPr lang="en-US"/>
           </a:p>
@@ -1056,7 +1495,7 @@
           <a:p>
             <a:fld id="{A8193F1D-56DB-E44D-9849-55B52730CCEA}" type="datetimeFigureOut">
               <a:rPr lang="en-US" smtClean="0"/>
-              <a:t>10/12/2015</a:t>
+              <a:t>10/14/2015</a:t>
             </a:fld>
             <a:endParaRPr lang="en-US"/>
           </a:p>
@@ -1344,7 +1783,7 @@
           <a:p>
             <a:fld id="{A8193F1D-56DB-E44D-9849-55B52730CCEA}" type="datetimeFigureOut">
               <a:rPr lang="en-US" smtClean="0"/>
-              <a:t>10/12/2015</a:t>
+              <a:t>10/14/2015</a:t>
             </a:fld>
             <a:endParaRPr lang="en-US"/>
           </a:p>
@@ -1766,7 +2205,7 @@
           <a:p>
             <a:fld id="{A8193F1D-56DB-E44D-9849-55B52730CCEA}" type="datetimeFigureOut">
               <a:rPr lang="en-US" smtClean="0"/>
-              <a:t>10/12/2015</a:t>
+              <a:t>10/14/2015</a:t>
             </a:fld>
             <a:endParaRPr lang="en-US"/>
           </a:p>
@@ -1884,7 +2323,7 @@
           <a:p>
             <a:fld id="{A8193F1D-56DB-E44D-9849-55B52730CCEA}" type="datetimeFigureOut">
               <a:rPr lang="en-US" smtClean="0"/>
-              <a:t>10/12/2015</a:t>
+              <a:t>10/14/2015</a:t>
             </a:fld>
             <a:endParaRPr lang="en-US"/>
           </a:p>
@@ -1979,7 +2418,7 @@
           <a:p>
             <a:fld id="{A8193F1D-56DB-E44D-9849-55B52730CCEA}" type="datetimeFigureOut">
               <a:rPr lang="en-US" smtClean="0"/>
-              <a:t>10/12/2015</a:t>
+              <a:t>10/14/2015</a:t>
             </a:fld>
             <a:endParaRPr lang="en-US"/>
           </a:p>
@@ -2256,7 +2695,7 @@
           <a:p>
             <a:fld id="{A8193F1D-56DB-E44D-9849-55B52730CCEA}" type="datetimeFigureOut">
               <a:rPr lang="en-US" smtClean="0"/>
-              <a:t>10/12/2015</a:t>
+              <a:t>10/14/2015</a:t>
             </a:fld>
             <a:endParaRPr lang="en-US"/>
           </a:p>
@@ -2509,7 +2948,7 @@
           <a:p>
             <a:fld id="{A8193F1D-56DB-E44D-9849-55B52730CCEA}" type="datetimeFigureOut">
               <a:rPr lang="en-US" smtClean="0"/>
-              <a:t>10/12/2015</a:t>
+              <a:t>10/14/2015</a:t>
             </a:fld>
             <a:endParaRPr lang="en-US"/>
           </a:p>
@@ -2722,7 +3161,7 @@
           <a:p>
             <a:fld id="{A8193F1D-56DB-E44D-9849-55B52730CCEA}" type="datetimeFigureOut">
               <a:rPr lang="en-US" smtClean="0"/>
-              <a:t>10/12/2015</a:t>
+              <a:t>10/14/2015</a:t>
             </a:fld>
             <a:endParaRPr lang="en-US"/>
           </a:p>
@@ -3279,7 +3718,7 @@
                   <a:latin typeface="Candara"/>
                   <a:cs typeface="Candara"/>
                 </a:rPr>
-                <a:t>FlyNet</a:t>
+                <a:t>AlienBee</a:t>
               </a:r>
               <a:r>
                 <a:rPr lang="en-US" sz="2400" dirty="0" smtClean="0">
@@ -3289,27 +3728,7 @@
                   <a:latin typeface="Candara"/>
                   <a:cs typeface="Candara"/>
                 </a:rPr>
-                <a:t>: Autonomous </a:t>
-              </a:r>
-              <a:r>
-                <a:rPr lang="en-US" sz="2400" dirty="0" err="1" smtClean="0">
-                  <a:solidFill>
-                    <a:srgbClr val="FFFFFF"/>
-                  </a:solidFill>
-                  <a:latin typeface="Candara"/>
-                  <a:cs typeface="Candara"/>
-                </a:rPr>
-                <a:t>Quadcopter</a:t>
-              </a:r>
-              <a:r>
-                <a:rPr lang="en-US" sz="2400" dirty="0" smtClean="0">
-                  <a:solidFill>
-                    <a:srgbClr val="FFFFFF"/>
-                  </a:solidFill>
-                  <a:latin typeface="Candara"/>
-                  <a:cs typeface="Candara"/>
-                </a:rPr>
-                <a:t> Search and Rescue</a:t>
+                <a:t> Power and Mass Budgets</a:t>
               </a:r>
               <a:endParaRPr lang="en-US" sz="2400" dirty="0">
                 <a:solidFill>
@@ -3324,292 +3743,2356 @@
       </p:grpSp>
       <p:graphicFrame>
         <p:nvGraphicFramePr>
-          <p:cNvPr id="2" name="Table 1"/>
+          <p:cNvPr id="11" name="Table 10"/>
           <p:cNvGraphicFramePr>
             <a:graphicFrameLocks noGrp="1"/>
           </p:cNvGraphicFramePr>
           <p:nvPr>
             <p:extLst>
               <p:ext uri="{D42A27DB-BD31-4B8C-83A1-F6EECF244321}">
-                <p14:modId xmlns:p14="http://schemas.microsoft.com/office/powerpoint/2010/main" val="1314002031"/>
+                <p14:modId xmlns:p14="http://schemas.microsoft.com/office/powerpoint/2010/main" val="141099236"/>
               </p:ext>
             </p:extLst>
           </p:nvPr>
         </p:nvGraphicFramePr>
         <p:xfrm>
-          <a:off x="1025303" y="1494971"/>
-          <a:ext cx="7203512" cy="2021840"/>
+          <a:off x="1829194" y="1274578"/>
+          <a:ext cx="6209022" cy="4730336"/>
         </p:xfrm>
         <a:graphic>
           <a:graphicData uri="http://schemas.openxmlformats.org/drawingml/2006/table">
             <a:tbl>
-              <a:tblPr firstRow="1" bandRow="1">
+              <a:tblPr>
                 <a:tableStyleId>{5C22544A-7EE6-4342-B048-85BDC9FD1C3A}</a:tableStyleId>
               </a:tblPr>
               <a:tblGrid>
-                <a:gridCol w="1800878"/>
-                <a:gridCol w="1541040"/>
-                <a:gridCol w="1709057"/>
-                <a:gridCol w="2152537"/>
+                <a:gridCol w="2834266"/>
+                <a:gridCol w="843689"/>
+                <a:gridCol w="843689"/>
+                <a:gridCol w="843689"/>
+                <a:gridCol w="843689"/>
               </a:tblGrid>
-              <a:tr h="370840">
-                <a:tc>
-                  <a:txBody>
-                    <a:bodyPr/>
-                    <a:lstStyle/>
-                    <a:p>
-                      <a:pPr algn="ctr"/>
-                      <a:r>
-                        <a:rPr lang="en-US" dirty="0" smtClean="0"/>
-                        <a:t>System</a:t>
-                      </a:r>
-                      <a:endParaRPr lang="en-US" dirty="0"/>
-                    </a:p>
-                  </a:txBody>
-                  <a:tcPr/>
-                </a:tc>
-                <a:tc>
-                  <a:txBody>
-                    <a:bodyPr/>
-                    <a:lstStyle/>
-                    <a:p>
-                      <a:pPr algn="ctr"/>
-                      <a:r>
-                        <a:rPr lang="en-US" dirty="0" smtClean="0"/>
-                        <a:t>Mass [kg]</a:t>
-                      </a:r>
-                      <a:endParaRPr lang="en-US" dirty="0"/>
-                    </a:p>
-                  </a:txBody>
-                  <a:tcPr/>
-                </a:tc>
-                <a:tc>
-                  <a:txBody>
-                    <a:bodyPr/>
-                    <a:lstStyle/>
-                    <a:p>
-                      <a:pPr algn="ctr"/>
-                      <a:r>
-                        <a:rPr lang="en-US" dirty="0" smtClean="0"/>
-                        <a:t>Power [W]</a:t>
-                      </a:r>
-                      <a:endParaRPr lang="en-US" dirty="0"/>
-                    </a:p>
-                  </a:txBody>
-                  <a:tcPr/>
-                </a:tc>
-                <a:tc>
-                  <a:txBody>
-                    <a:bodyPr/>
-                    <a:lstStyle/>
-                    <a:p>
-                      <a:pPr algn="ctr"/>
-                      <a:r>
-                        <a:rPr lang="en-US" dirty="0" smtClean="0"/>
-                        <a:t>Est.</a:t>
-                      </a:r>
-                      <a:r>
-                        <a:rPr lang="en-US" baseline="0" dirty="0" smtClean="0"/>
-                        <a:t> Endurance [min]</a:t>
-                      </a:r>
-                      <a:endParaRPr lang="en-US" dirty="0"/>
-                    </a:p>
-                  </a:txBody>
-                  <a:tcPr/>
+              <a:tr h="295646">
+                <a:tc>
+                  <a:txBody>
+                    <a:bodyPr/>
+                    <a:lstStyle/>
+                    <a:p>
+                      <a:pPr algn="ctr" fontAlgn="b"/>
+                      <a:r>
+                        <a:rPr lang="en-US" sz="1400" b="1" i="0" u="none" strike="noStrike" dirty="0" smtClean="0">
+                          <a:solidFill>
+                            <a:srgbClr val="000000"/>
+                          </a:solidFill>
+                          <a:effectLst/>
+                          <a:latin typeface="Calibri"/>
+                        </a:rPr>
+                        <a:t>Item</a:t>
+                      </a:r>
+                      <a:endParaRPr lang="en-US" sz="1400" b="1" i="0" u="none" strike="noStrike" dirty="0">
+                        <a:solidFill>
+                          <a:srgbClr val="000000"/>
+                        </a:solidFill>
+                        <a:effectLst/>
+                        <a:latin typeface="Calibri"/>
+                      </a:endParaRPr>
+                    </a:p>
+                  </a:txBody>
+                  <a:tcPr marL="9525" marR="9525" marT="9525" marB="0" anchor="ctr"/>
+                </a:tc>
+                <a:tc>
+                  <a:txBody>
+                    <a:bodyPr/>
+                    <a:lstStyle/>
+                    <a:p>
+                      <a:pPr algn="ctr" fontAlgn="b"/>
+                      <a:r>
+                        <a:rPr lang="en-US" sz="1400" b="1" i="0" u="none" strike="noStrike" dirty="0" smtClean="0">
+                          <a:solidFill>
+                            <a:srgbClr val="000000"/>
+                          </a:solidFill>
+                          <a:effectLst/>
+                          <a:latin typeface="Calibri"/>
+                        </a:rPr>
+                        <a:t>QTY</a:t>
+                      </a:r>
+                      <a:endParaRPr lang="en-US" sz="1400" b="1" i="0" u="none" strike="noStrike" dirty="0">
+                        <a:solidFill>
+                          <a:srgbClr val="000000"/>
+                        </a:solidFill>
+                        <a:effectLst/>
+                        <a:latin typeface="Calibri"/>
+                      </a:endParaRPr>
+                    </a:p>
+                  </a:txBody>
+                  <a:tcPr marL="9525" marR="9525" marT="9525" marB="0" anchor="ctr"/>
+                </a:tc>
+                <a:tc>
+                  <a:txBody>
+                    <a:bodyPr/>
+                    <a:lstStyle/>
+                    <a:p>
+                      <a:pPr algn="ctr" fontAlgn="b"/>
+                      <a:r>
+                        <a:rPr lang="en-US" sz="1400" b="1" i="0" u="none" strike="noStrike" dirty="0" smtClean="0">
+                          <a:solidFill>
+                            <a:srgbClr val="000000"/>
+                          </a:solidFill>
+                          <a:effectLst/>
+                          <a:latin typeface="Calibri"/>
+                        </a:rPr>
+                        <a:t>Mass</a:t>
+                      </a:r>
+                      <a:r>
+                        <a:rPr lang="en-US" sz="1400" b="1" i="0" u="none" strike="noStrike" baseline="0" dirty="0" smtClean="0">
+                          <a:solidFill>
+                            <a:srgbClr val="000000"/>
+                          </a:solidFill>
+                          <a:effectLst/>
+                          <a:latin typeface="Calibri"/>
+                        </a:rPr>
+                        <a:t> [g]</a:t>
+                      </a:r>
+                      <a:endParaRPr lang="en-US" sz="1400" b="1" i="0" u="none" strike="noStrike" dirty="0">
+                        <a:solidFill>
+                          <a:srgbClr val="000000"/>
+                        </a:solidFill>
+                        <a:effectLst/>
+                        <a:latin typeface="Calibri"/>
+                      </a:endParaRPr>
+                    </a:p>
+                  </a:txBody>
+                  <a:tcPr marL="9525" marR="9525" marT="9525" marB="0" anchor="ctr"/>
+                </a:tc>
+                <a:tc>
+                  <a:txBody>
+                    <a:bodyPr/>
+                    <a:lstStyle/>
+                    <a:p>
+                      <a:pPr algn="ctr" fontAlgn="b"/>
+                      <a:r>
+                        <a:rPr lang="en-US" sz="1400" b="1" i="0" u="none" strike="noStrike" dirty="0" err="1" smtClean="0">
+                          <a:solidFill>
+                            <a:srgbClr val="000000"/>
+                          </a:solidFill>
+                          <a:effectLst/>
+                          <a:latin typeface="Calibri"/>
+                        </a:rPr>
+                        <a:t>Curr</a:t>
+                      </a:r>
+                      <a:r>
+                        <a:rPr lang="en-US" sz="1400" b="1" i="0" u="none" strike="noStrike" dirty="0" smtClean="0">
+                          <a:solidFill>
+                            <a:srgbClr val="000000"/>
+                          </a:solidFill>
+                          <a:effectLst/>
+                          <a:latin typeface="Calibri"/>
+                        </a:rPr>
+                        <a:t> [mA]</a:t>
+                      </a:r>
+                      <a:endParaRPr lang="en-US" sz="1400" b="1" i="0" u="none" strike="noStrike" dirty="0">
+                        <a:solidFill>
+                          <a:srgbClr val="000000"/>
+                        </a:solidFill>
+                        <a:effectLst/>
+                        <a:latin typeface="Calibri"/>
+                      </a:endParaRPr>
+                    </a:p>
+                  </a:txBody>
+                  <a:tcPr marL="9525" marR="9525" marT="9525" marB="0" anchor="ctr"/>
+                </a:tc>
+                <a:tc>
+                  <a:txBody>
+                    <a:bodyPr/>
+                    <a:lstStyle/>
+                    <a:p>
+                      <a:pPr algn="ctr" fontAlgn="b"/>
+                      <a:r>
+                        <a:rPr lang="en-US" sz="1400" b="1" i="0" u="none" strike="noStrike" dirty="0" smtClean="0">
+                          <a:solidFill>
+                            <a:srgbClr val="000000"/>
+                          </a:solidFill>
+                          <a:effectLst/>
+                          <a:latin typeface="Calibri"/>
+                        </a:rPr>
+                        <a:t>[</a:t>
+                      </a:r>
+                      <a:r>
+                        <a:rPr lang="en-US" sz="1400" b="1" i="0" u="none" strike="noStrike" dirty="0" err="1" smtClean="0">
+                          <a:solidFill>
+                            <a:srgbClr val="000000"/>
+                          </a:solidFill>
+                          <a:effectLst/>
+                          <a:latin typeface="Calibri"/>
+                        </a:rPr>
+                        <a:t>mW</a:t>
+                      </a:r>
+                      <a:r>
+                        <a:rPr lang="en-US" sz="1400" b="1" i="0" u="none" strike="noStrike" dirty="0" smtClean="0">
+                          <a:solidFill>
+                            <a:srgbClr val="000000"/>
+                          </a:solidFill>
+                          <a:effectLst/>
+                          <a:latin typeface="Calibri"/>
+                        </a:rPr>
+                        <a:t>]</a:t>
+                      </a:r>
+                      <a:endParaRPr lang="en-US" sz="1400" b="1" i="0" u="none" strike="noStrike" dirty="0">
+                        <a:solidFill>
+                          <a:srgbClr val="000000"/>
+                        </a:solidFill>
+                        <a:effectLst/>
+                        <a:latin typeface="Calibri"/>
+                      </a:endParaRPr>
+                    </a:p>
+                  </a:txBody>
+                  <a:tcPr marL="9525" marR="9525" marT="9525" marB="0" anchor="ctr"/>
                 </a:tc>
               </a:tr>
-              <a:tr h="370840">
-                <a:tc>
-                  <a:txBody>
-                    <a:bodyPr/>
-                    <a:lstStyle/>
-                    <a:p>
-                      <a:pPr algn="l"/>
-                      <a:r>
-                        <a:rPr lang="en-US" b="1" dirty="0" smtClean="0"/>
-                        <a:t>M100</a:t>
-                      </a:r>
-                      <a:endParaRPr lang="en-US" b="1" dirty="0"/>
-                    </a:p>
-                  </a:txBody>
-                  <a:tcPr/>
-                </a:tc>
-                <a:tc>
-                  <a:txBody>
-                    <a:bodyPr/>
-                    <a:lstStyle/>
-                    <a:p>
-                      <a:pPr algn="ctr"/>
-                      <a:r>
-                        <a:rPr lang="en-US" dirty="0" smtClean="0"/>
-                        <a:t>2.71</a:t>
-                      </a:r>
-                      <a:endParaRPr lang="en-US" dirty="0"/>
-                    </a:p>
-                  </a:txBody>
-                  <a:tcPr/>
-                </a:tc>
-                <a:tc>
-                  <a:txBody>
-                    <a:bodyPr/>
-                    <a:lstStyle/>
-                    <a:p>
-                      <a:pPr algn="ctr"/>
-                      <a:r>
-                        <a:rPr lang="en-US" dirty="0" smtClean="0"/>
-                        <a:t>16</a:t>
-                      </a:r>
-                      <a:endParaRPr lang="en-US" dirty="0"/>
-                    </a:p>
-                  </a:txBody>
-                  <a:tcPr/>
-                </a:tc>
-                <a:tc>
-                  <a:txBody>
-                    <a:bodyPr/>
-                    <a:lstStyle/>
-                    <a:p>
-                      <a:pPr algn="ctr"/>
-                      <a:r>
-                        <a:rPr lang="en-US" dirty="0" smtClean="0"/>
-                        <a:t>12.7</a:t>
-                      </a:r>
-                      <a:endParaRPr lang="en-US" dirty="0"/>
-                    </a:p>
-                  </a:txBody>
-                  <a:tcPr/>
+              <a:tr h="295646">
+                <a:tc>
+                  <a:txBody>
+                    <a:bodyPr/>
+                    <a:lstStyle/>
+                    <a:p>
+                      <a:pPr algn="l" fontAlgn="b"/>
+                      <a:r>
+                        <a:rPr lang="en-US" sz="1400" b="0" i="0" u="none" strike="noStrike">
+                          <a:solidFill>
+                            <a:srgbClr val="000000"/>
+                          </a:solidFill>
+                          <a:effectLst/>
+                          <a:latin typeface="Calibri"/>
+                        </a:rPr>
+                        <a:t>Turnigy Nano-Tech LiPo Battery</a:t>
+                      </a:r>
+                    </a:p>
+                  </a:txBody>
+                  <a:tcPr marL="9525" marR="9525" marT="9525" marB="0" anchor="ctr"/>
+                </a:tc>
+                <a:tc>
+                  <a:txBody>
+                    <a:bodyPr/>
+                    <a:lstStyle/>
+                    <a:p>
+                      <a:pPr algn="ctr" fontAlgn="b"/>
+                      <a:r>
+                        <a:rPr lang="en-US" sz="1400" b="0" i="0" u="none" strike="noStrike">
+                          <a:solidFill>
+                            <a:srgbClr val="000000"/>
+                          </a:solidFill>
+                          <a:effectLst/>
+                          <a:latin typeface="Calibri"/>
+                        </a:rPr>
+                        <a:t>1</a:t>
+                      </a:r>
+                    </a:p>
+                  </a:txBody>
+                  <a:tcPr marL="9525" marR="9525" marT="9525" marB="0" anchor="ctr"/>
+                </a:tc>
+                <a:tc>
+                  <a:txBody>
+                    <a:bodyPr/>
+                    <a:lstStyle/>
+                    <a:p>
+                      <a:pPr algn="ctr" fontAlgn="b"/>
+                      <a:r>
+                        <a:rPr lang="en-US" sz="1400" b="0" i="0" u="none" strike="noStrike" dirty="0">
+                          <a:solidFill>
+                            <a:srgbClr val="000000"/>
+                          </a:solidFill>
+                          <a:effectLst/>
+                          <a:latin typeface="Calibri"/>
+                        </a:rPr>
+                        <a:t>482.7</a:t>
+                      </a:r>
+                    </a:p>
+                  </a:txBody>
+                  <a:tcPr marL="9525" marR="9525" marT="9525" marB="0" anchor="ctr"/>
+                </a:tc>
+                <a:tc>
+                  <a:txBody>
+                    <a:bodyPr/>
+                    <a:lstStyle/>
+                    <a:p>
+                      <a:pPr algn="ctr" fontAlgn="b"/>
+                      <a:r>
+                        <a:rPr lang="en-US" sz="1400" b="0" i="0" u="none" strike="noStrike" dirty="0" smtClean="0">
+                          <a:solidFill>
+                            <a:srgbClr val="000000"/>
+                          </a:solidFill>
+                          <a:effectLst/>
+                          <a:latin typeface="Calibri"/>
+                        </a:rPr>
+                        <a:t>--</a:t>
+                      </a:r>
+                      <a:endParaRPr lang="en-US" sz="1400" b="0" i="0" u="none" strike="noStrike" dirty="0">
+                        <a:solidFill>
+                          <a:srgbClr val="000000"/>
+                        </a:solidFill>
+                        <a:effectLst/>
+                        <a:latin typeface="Calibri"/>
+                      </a:endParaRPr>
+                    </a:p>
+                  </a:txBody>
+                  <a:tcPr marL="9525" marR="9525" marT="9525" marB="0" anchor="ctr"/>
+                </a:tc>
+                <a:tc>
+                  <a:txBody>
+                    <a:bodyPr/>
+                    <a:lstStyle/>
+                    <a:p>
+                      <a:pPr algn="ctr" fontAlgn="b"/>
+                      <a:r>
+                        <a:rPr lang="en-US" sz="1400" b="0" i="0" u="none" strike="noStrike" dirty="0" smtClean="0">
+                          <a:solidFill>
+                            <a:srgbClr val="000000"/>
+                          </a:solidFill>
+                          <a:effectLst/>
+                          <a:latin typeface="Calibri"/>
+                        </a:rPr>
+                        <a:t>--</a:t>
+                      </a:r>
+                      <a:endParaRPr lang="en-US" sz="1400" b="0" i="0" u="none" strike="noStrike" dirty="0">
+                        <a:solidFill>
+                          <a:srgbClr val="000000"/>
+                        </a:solidFill>
+                        <a:effectLst/>
+                        <a:latin typeface="Calibri"/>
+                      </a:endParaRPr>
+                    </a:p>
+                  </a:txBody>
+                  <a:tcPr marL="9525" marR="9525" marT="9525" marB="0" anchor="ctr"/>
                 </a:tc>
               </a:tr>
-              <a:tr h="370840">
-                <a:tc>
-                  <a:txBody>
-                    <a:bodyPr/>
-                    <a:lstStyle/>
-                    <a:p>
-                      <a:pPr algn="l"/>
-                      <a:r>
-                        <a:rPr lang="en-US" b="1" dirty="0" err="1" smtClean="0"/>
+              <a:tr h="295646">
+                <a:tc>
+                  <a:txBody>
+                    <a:bodyPr/>
+                    <a:lstStyle/>
+                    <a:p>
+                      <a:pPr algn="l" fontAlgn="b"/>
+                      <a:r>
+                        <a:rPr lang="en-US" sz="1400" b="0" i="0" u="none" strike="noStrike" dirty="0" err="1">
+                          <a:solidFill>
+                            <a:srgbClr val="000000"/>
+                          </a:solidFill>
+                          <a:effectLst/>
+                          <a:latin typeface="Calibri"/>
+                        </a:rPr>
+                        <a:t>Odroid</a:t>
+                      </a:r>
+                      <a:r>
+                        <a:rPr lang="en-US" sz="1400" b="0" i="0" u="none" strike="noStrike" dirty="0">
+                          <a:solidFill>
+                            <a:srgbClr val="000000"/>
+                          </a:solidFill>
+                          <a:effectLst/>
+                          <a:latin typeface="Calibri"/>
+                        </a:rPr>
+                        <a:t> XU4</a:t>
+                      </a:r>
+                    </a:p>
+                  </a:txBody>
+                  <a:tcPr marL="9525" marR="9525" marT="9525" marB="0" anchor="ctr"/>
+                </a:tc>
+                <a:tc>
+                  <a:txBody>
+                    <a:bodyPr/>
+                    <a:lstStyle/>
+                    <a:p>
+                      <a:pPr algn="ctr" fontAlgn="b"/>
+                      <a:r>
+                        <a:rPr lang="en-US" sz="1400" b="0" i="0" u="none" strike="noStrike">
+                          <a:solidFill>
+                            <a:srgbClr val="000000"/>
+                          </a:solidFill>
+                          <a:effectLst/>
+                          <a:latin typeface="Calibri"/>
+                        </a:rPr>
+                        <a:t>1</a:t>
+                      </a:r>
+                    </a:p>
+                  </a:txBody>
+                  <a:tcPr marL="9525" marR="9525" marT="9525" marB="0" anchor="ctr"/>
+                </a:tc>
+                <a:tc>
+                  <a:txBody>
+                    <a:bodyPr/>
+                    <a:lstStyle/>
+                    <a:p>
+                      <a:pPr algn="ctr" fontAlgn="b"/>
+                      <a:r>
+                        <a:rPr lang="en-US" sz="1400" b="0" i="0" u="none" strike="noStrike">
+                          <a:solidFill>
+                            <a:srgbClr val="000000"/>
+                          </a:solidFill>
+                          <a:effectLst/>
+                          <a:latin typeface="Calibri"/>
+                        </a:rPr>
+                        <a:t>64.2</a:t>
+                      </a:r>
+                    </a:p>
+                  </a:txBody>
+                  <a:tcPr marL="9525" marR="9525" marT="9525" marB="0" anchor="ctr"/>
+                </a:tc>
+                <a:tc>
+                  <a:txBody>
+                    <a:bodyPr/>
+                    <a:lstStyle/>
+                    <a:p>
+                      <a:pPr algn="ctr" fontAlgn="b"/>
+                      <a:r>
+                        <a:rPr lang="en-US" sz="1400" b="0" i="0" u="none" strike="noStrike" dirty="0" smtClean="0">
+                          <a:solidFill>
+                            <a:srgbClr val="000000"/>
+                          </a:solidFill>
+                          <a:effectLst/>
+                          <a:latin typeface="Calibri"/>
+                        </a:rPr>
+                        <a:t>800</a:t>
+                      </a:r>
+                      <a:endParaRPr lang="en-US" sz="1400" b="0" i="0" u="none" strike="noStrike" dirty="0">
+                        <a:solidFill>
+                          <a:srgbClr val="000000"/>
+                        </a:solidFill>
+                        <a:effectLst/>
+                        <a:latin typeface="Calibri"/>
+                      </a:endParaRPr>
+                    </a:p>
+                  </a:txBody>
+                  <a:tcPr marL="9525" marR="9525" marT="9525" marB="0" anchor="ctr"/>
+                </a:tc>
+                <a:tc>
+                  <a:txBody>
+                    <a:bodyPr/>
+                    <a:lstStyle/>
+                    <a:p>
+                      <a:pPr algn="ctr" fontAlgn="b"/>
+                      <a:r>
+                        <a:rPr lang="en-US" sz="1400" b="0" i="0" u="none" strike="noStrike" dirty="0" smtClean="0">
+                          <a:solidFill>
+                            <a:srgbClr val="000000"/>
+                          </a:solidFill>
+                          <a:effectLst/>
+                          <a:latin typeface="Calibri"/>
+                        </a:rPr>
+                        <a:t>4000</a:t>
+                      </a:r>
+                      <a:endParaRPr lang="en-US" sz="1400" b="0" i="0" u="none" strike="noStrike" dirty="0">
+                        <a:solidFill>
+                          <a:srgbClr val="000000"/>
+                        </a:solidFill>
+                        <a:effectLst/>
+                        <a:latin typeface="Calibri"/>
+                      </a:endParaRPr>
+                    </a:p>
+                  </a:txBody>
+                  <a:tcPr marL="9525" marR="9525" marT="9525" marB="0" anchor="ctr"/>
+                </a:tc>
+              </a:tr>
+              <a:tr h="295646">
+                <a:tc>
+                  <a:txBody>
+                    <a:bodyPr/>
+                    <a:lstStyle/>
+                    <a:p>
+                      <a:pPr algn="l" fontAlgn="b"/>
+                      <a:r>
+                        <a:rPr lang="en-US" sz="1400" b="0" i="0" u="none" strike="noStrike">
+                          <a:solidFill>
+                            <a:srgbClr val="000000"/>
+                          </a:solidFill>
+                          <a:effectLst/>
+                          <a:latin typeface="Calibri"/>
+                        </a:rPr>
+                        <a:t>3DR Radio</a:t>
+                      </a:r>
+                    </a:p>
+                  </a:txBody>
+                  <a:tcPr marL="9525" marR="9525" marT="9525" marB="0" anchor="ctr"/>
+                </a:tc>
+                <a:tc>
+                  <a:txBody>
+                    <a:bodyPr/>
+                    <a:lstStyle/>
+                    <a:p>
+                      <a:pPr algn="ctr" fontAlgn="b"/>
+                      <a:r>
+                        <a:rPr lang="en-US" sz="1400" b="0" i="0" u="none" strike="noStrike">
+                          <a:solidFill>
+                            <a:srgbClr val="000000"/>
+                          </a:solidFill>
+                          <a:effectLst/>
+                          <a:latin typeface="Calibri"/>
+                        </a:rPr>
+                        <a:t>1</a:t>
+                      </a:r>
+                    </a:p>
+                  </a:txBody>
+                  <a:tcPr marL="9525" marR="9525" marT="9525" marB="0" anchor="ctr"/>
+                </a:tc>
+                <a:tc>
+                  <a:txBody>
+                    <a:bodyPr/>
+                    <a:lstStyle/>
+                    <a:p>
+                      <a:pPr algn="ctr" fontAlgn="b"/>
+                      <a:r>
+                        <a:rPr lang="en-US" sz="1400" b="0" i="0" u="none" strike="noStrike">
+                          <a:solidFill>
+                            <a:srgbClr val="000000"/>
+                          </a:solidFill>
+                          <a:effectLst/>
+                          <a:latin typeface="Calibri"/>
+                        </a:rPr>
+                        <a:t>26.2</a:t>
+                      </a:r>
+                    </a:p>
+                  </a:txBody>
+                  <a:tcPr marL="9525" marR="9525" marT="9525" marB="0" anchor="ctr"/>
+                </a:tc>
+                <a:tc>
+                  <a:txBody>
+                    <a:bodyPr/>
+                    <a:lstStyle/>
+                    <a:p>
+                      <a:pPr algn="ctr" fontAlgn="b"/>
+                      <a:r>
+                        <a:rPr lang="en-US" sz="1400" b="0" i="0" u="none" strike="noStrike" dirty="0" smtClean="0">
+                          <a:solidFill>
+                            <a:srgbClr val="000000"/>
+                          </a:solidFill>
+                          <a:effectLst/>
+                          <a:latin typeface="Calibri"/>
+                        </a:rPr>
+                        <a:t>100</a:t>
+                      </a:r>
+                      <a:endParaRPr lang="en-US" sz="1400" b="0" i="0" u="none" strike="noStrike" dirty="0">
+                        <a:solidFill>
+                          <a:srgbClr val="000000"/>
+                        </a:solidFill>
+                        <a:effectLst/>
+                        <a:latin typeface="Calibri"/>
+                      </a:endParaRPr>
+                    </a:p>
+                  </a:txBody>
+                  <a:tcPr marL="9525" marR="9525" marT="9525" marB="0" anchor="ctr"/>
+                </a:tc>
+                <a:tc>
+                  <a:txBody>
+                    <a:bodyPr/>
+                    <a:lstStyle/>
+                    <a:p>
+                      <a:pPr algn="ctr" fontAlgn="b"/>
+                      <a:r>
+                        <a:rPr lang="en-US" sz="1400" b="0" i="0" u="none" strike="noStrike" dirty="0" smtClean="0">
+                          <a:solidFill>
+                            <a:srgbClr val="000000"/>
+                          </a:solidFill>
+                          <a:effectLst/>
+                          <a:latin typeface="Calibri"/>
+                        </a:rPr>
+                        <a:t>330</a:t>
+                      </a:r>
+                      <a:endParaRPr lang="en-US" sz="1400" b="0" i="0" u="none" strike="noStrike" dirty="0">
+                        <a:solidFill>
+                          <a:srgbClr val="000000"/>
+                        </a:solidFill>
+                        <a:effectLst/>
+                        <a:latin typeface="Calibri"/>
+                      </a:endParaRPr>
+                    </a:p>
+                  </a:txBody>
+                  <a:tcPr marL="9525" marR="9525" marT="9525" marB="0" anchor="ctr"/>
+                </a:tc>
+              </a:tr>
+              <a:tr h="295646">
+                <a:tc>
+                  <a:txBody>
+                    <a:bodyPr/>
+                    <a:lstStyle/>
+                    <a:p>
+                      <a:pPr algn="l" fontAlgn="b"/>
+                      <a:r>
+                        <a:rPr lang="en-US" sz="1400" b="0" i="0" u="none" strike="noStrike" dirty="0" err="1">
+                          <a:solidFill>
+                            <a:srgbClr val="000000"/>
+                          </a:solidFill>
+                          <a:effectLst/>
+                          <a:latin typeface="Calibri"/>
+                        </a:rPr>
+                        <a:t>Pixhawk</a:t>
+                      </a:r>
+                      <a:endParaRPr lang="en-US" sz="1400" b="0" i="0" u="none" strike="noStrike" dirty="0">
+                        <a:solidFill>
+                          <a:srgbClr val="000000"/>
+                        </a:solidFill>
+                        <a:effectLst/>
+                        <a:latin typeface="Calibri"/>
+                      </a:endParaRPr>
+                    </a:p>
+                  </a:txBody>
+                  <a:tcPr marL="9525" marR="9525" marT="9525" marB="0" anchor="ctr"/>
+                </a:tc>
+                <a:tc>
+                  <a:txBody>
+                    <a:bodyPr/>
+                    <a:lstStyle/>
+                    <a:p>
+                      <a:pPr algn="ctr" fontAlgn="b"/>
+                      <a:r>
+                        <a:rPr lang="en-US" sz="1400" b="0" i="0" u="none" strike="noStrike">
+                          <a:solidFill>
+                            <a:srgbClr val="000000"/>
+                          </a:solidFill>
+                          <a:effectLst/>
+                          <a:latin typeface="Calibri"/>
+                        </a:rPr>
+                        <a:t>1</a:t>
+                      </a:r>
+                    </a:p>
+                  </a:txBody>
+                  <a:tcPr marL="9525" marR="9525" marT="9525" marB="0" anchor="ctr"/>
+                </a:tc>
+                <a:tc>
+                  <a:txBody>
+                    <a:bodyPr/>
+                    <a:lstStyle/>
+                    <a:p>
+                      <a:pPr algn="ctr" fontAlgn="b"/>
+                      <a:r>
+                        <a:rPr lang="en-US" sz="1400" b="0" i="0" u="none" strike="noStrike" dirty="0">
+                          <a:solidFill>
+                            <a:srgbClr val="000000"/>
+                          </a:solidFill>
+                          <a:effectLst/>
+                          <a:latin typeface="Calibri"/>
+                        </a:rPr>
+                        <a:t>40.3</a:t>
+                      </a:r>
+                    </a:p>
+                  </a:txBody>
+                  <a:tcPr marL="9525" marR="9525" marT="9525" marB="0" anchor="ctr"/>
+                </a:tc>
+                <a:tc>
+                  <a:txBody>
+                    <a:bodyPr/>
+                    <a:lstStyle/>
+                    <a:p>
+                      <a:pPr algn="ctr" fontAlgn="b"/>
+                      <a:r>
+                        <a:rPr lang="en-US" sz="1400" b="0" i="0" u="none" strike="noStrike" dirty="0" smtClean="0">
+                          <a:solidFill>
+                            <a:srgbClr val="000000"/>
+                          </a:solidFill>
+                          <a:effectLst/>
+                          <a:latin typeface="Calibri"/>
+                        </a:rPr>
+                        <a:t>175</a:t>
+                      </a:r>
+                      <a:endParaRPr lang="en-US" sz="1400" b="0" i="0" u="none" strike="noStrike" dirty="0">
+                        <a:solidFill>
+                          <a:srgbClr val="000000"/>
+                        </a:solidFill>
+                        <a:effectLst/>
+                        <a:latin typeface="Calibri"/>
+                      </a:endParaRPr>
+                    </a:p>
+                  </a:txBody>
+                  <a:tcPr marL="9525" marR="9525" marT="9525" marB="0" anchor="ctr"/>
+                </a:tc>
+                <a:tc>
+                  <a:txBody>
+                    <a:bodyPr/>
+                    <a:lstStyle/>
+                    <a:p>
+                      <a:pPr algn="ctr" fontAlgn="b"/>
+                      <a:r>
+                        <a:rPr lang="en-US" sz="1400" b="0" i="0" u="none" strike="noStrike" dirty="0" smtClean="0">
+                          <a:solidFill>
+                            <a:srgbClr val="000000"/>
+                          </a:solidFill>
+                          <a:effectLst/>
+                          <a:latin typeface="Calibri"/>
+                        </a:rPr>
+                        <a:t>1500</a:t>
+                      </a:r>
+                      <a:endParaRPr lang="en-US" sz="1400" b="0" i="0" u="none" strike="noStrike" dirty="0">
+                        <a:solidFill>
+                          <a:srgbClr val="000000"/>
+                        </a:solidFill>
+                        <a:effectLst/>
+                        <a:latin typeface="Calibri"/>
+                      </a:endParaRPr>
+                    </a:p>
+                  </a:txBody>
+                  <a:tcPr marL="9525" marR="9525" marT="9525" marB="0" anchor="ctr"/>
+                </a:tc>
+              </a:tr>
+              <a:tr h="295646">
+                <a:tc>
+                  <a:txBody>
+                    <a:bodyPr/>
+                    <a:lstStyle/>
+                    <a:p>
+                      <a:pPr algn="l" fontAlgn="b"/>
+                      <a:r>
+                        <a:rPr lang="en-US" sz="1400" b="0" i="0" u="none" strike="noStrike" dirty="0">
+                          <a:solidFill>
+                            <a:srgbClr val="000000"/>
+                          </a:solidFill>
+                          <a:effectLst/>
+                          <a:latin typeface="Calibri"/>
+                        </a:rPr>
+                        <a:t>FLIR Lepton LWIR Camera</a:t>
+                      </a:r>
+                    </a:p>
+                  </a:txBody>
+                  <a:tcPr marL="9525" marR="9525" marT="9525" marB="0" anchor="ctr"/>
+                </a:tc>
+                <a:tc>
+                  <a:txBody>
+                    <a:bodyPr/>
+                    <a:lstStyle/>
+                    <a:p>
+                      <a:pPr algn="ctr" fontAlgn="b"/>
+                      <a:r>
+                        <a:rPr lang="en-US" sz="1400" b="0" i="0" u="none" strike="noStrike">
+                          <a:solidFill>
+                            <a:srgbClr val="000000"/>
+                          </a:solidFill>
+                          <a:effectLst/>
+                          <a:latin typeface="Calibri"/>
+                        </a:rPr>
+                        <a:t>1</a:t>
+                      </a:r>
+                    </a:p>
+                  </a:txBody>
+                  <a:tcPr marL="9525" marR="9525" marT="9525" marB="0" anchor="ctr"/>
+                </a:tc>
+                <a:tc>
+                  <a:txBody>
+                    <a:bodyPr/>
+                    <a:lstStyle/>
+                    <a:p>
+                      <a:pPr algn="ctr" fontAlgn="b"/>
+                      <a:r>
+                        <a:rPr lang="en-US" sz="1400" b="0" i="0" u="none" strike="noStrike" dirty="0">
+                          <a:solidFill>
+                            <a:srgbClr val="000000"/>
+                          </a:solidFill>
+                          <a:effectLst/>
+                          <a:latin typeface="Calibri"/>
+                        </a:rPr>
+                        <a:t>0.55</a:t>
+                      </a:r>
+                    </a:p>
+                  </a:txBody>
+                  <a:tcPr marL="9525" marR="9525" marT="9525" marB="0" anchor="ctr"/>
+                </a:tc>
+                <a:tc>
+                  <a:txBody>
+                    <a:bodyPr/>
+                    <a:lstStyle/>
+                    <a:p>
+                      <a:pPr algn="ctr" fontAlgn="b"/>
+                      <a:r>
+                        <a:rPr lang="en-US" sz="1400" b="0" i="0" u="none" strike="noStrike" dirty="0" smtClean="0">
+                          <a:solidFill>
+                            <a:srgbClr val="000000"/>
+                          </a:solidFill>
+                          <a:effectLst/>
+                          <a:latin typeface="Calibri"/>
+                        </a:rPr>
+                        <a:t>5</a:t>
+                      </a:r>
+                      <a:endParaRPr lang="en-US" sz="1400" b="0" i="0" u="none" strike="noStrike" dirty="0">
+                        <a:solidFill>
+                          <a:srgbClr val="000000"/>
+                        </a:solidFill>
+                        <a:effectLst/>
+                        <a:latin typeface="Calibri"/>
+                      </a:endParaRPr>
+                    </a:p>
+                  </a:txBody>
+                  <a:tcPr marL="9525" marR="9525" marT="9525" marB="0" anchor="ctr"/>
+                </a:tc>
+                <a:tc>
+                  <a:txBody>
+                    <a:bodyPr/>
+                    <a:lstStyle/>
+                    <a:p>
+                      <a:pPr algn="ctr" fontAlgn="b"/>
+                      <a:r>
+                        <a:rPr lang="en-US" sz="1400" b="0" i="0" u="none" strike="noStrike" dirty="0" smtClean="0">
+                          <a:solidFill>
+                            <a:srgbClr val="000000"/>
+                          </a:solidFill>
+                          <a:effectLst/>
+                          <a:latin typeface="Calibri"/>
+                        </a:rPr>
+                        <a:t>150</a:t>
+                      </a:r>
+                      <a:endParaRPr lang="en-US" sz="1400" b="0" i="0" u="none" strike="noStrike" dirty="0">
+                        <a:solidFill>
+                          <a:srgbClr val="000000"/>
+                        </a:solidFill>
+                        <a:effectLst/>
+                        <a:latin typeface="Calibri"/>
+                      </a:endParaRPr>
+                    </a:p>
+                  </a:txBody>
+                  <a:tcPr marL="9525" marR="9525" marT="9525" marB="0" anchor="ctr"/>
+                </a:tc>
+              </a:tr>
+              <a:tr h="295646">
+                <a:tc>
+                  <a:txBody>
+                    <a:bodyPr/>
+                    <a:lstStyle/>
+                    <a:p>
+                      <a:pPr algn="l" fontAlgn="b"/>
+                      <a:r>
+                        <a:rPr lang="en-US" sz="1400" b="0" i="0" u="none" strike="noStrike" dirty="0">
+                          <a:solidFill>
+                            <a:srgbClr val="000000"/>
+                          </a:solidFill>
+                          <a:effectLst/>
+                          <a:latin typeface="Calibri"/>
+                        </a:rPr>
+                        <a:t>Customer Payload (1lb)</a:t>
+                      </a:r>
+                    </a:p>
+                  </a:txBody>
+                  <a:tcPr marL="9525" marR="9525" marT="9525" marB="0" anchor="ctr"/>
+                </a:tc>
+                <a:tc>
+                  <a:txBody>
+                    <a:bodyPr/>
+                    <a:lstStyle/>
+                    <a:p>
+                      <a:pPr algn="ctr" fontAlgn="b"/>
+                      <a:r>
+                        <a:rPr lang="en-US" sz="1400" b="0" i="0" u="none" strike="noStrike">
+                          <a:solidFill>
+                            <a:srgbClr val="000000"/>
+                          </a:solidFill>
+                          <a:effectLst/>
+                          <a:latin typeface="Calibri"/>
+                        </a:rPr>
+                        <a:t>1</a:t>
+                      </a:r>
+                    </a:p>
+                  </a:txBody>
+                  <a:tcPr marL="9525" marR="9525" marT="9525" marB="0" anchor="ctr"/>
+                </a:tc>
+                <a:tc>
+                  <a:txBody>
+                    <a:bodyPr/>
+                    <a:lstStyle/>
+                    <a:p>
+                      <a:pPr algn="ctr" fontAlgn="b"/>
+                      <a:r>
+                        <a:rPr lang="en-US" sz="1400" b="0" i="0" u="none" strike="noStrike" dirty="0">
+                          <a:solidFill>
+                            <a:srgbClr val="000000"/>
+                          </a:solidFill>
+                          <a:effectLst/>
+                          <a:latin typeface="Calibri"/>
+                        </a:rPr>
+                        <a:t>453.59</a:t>
+                      </a:r>
+                    </a:p>
+                  </a:txBody>
+                  <a:tcPr marL="9525" marR="9525" marT="9525" marB="0" anchor="ctr"/>
+                </a:tc>
+                <a:tc>
+                  <a:txBody>
+                    <a:bodyPr/>
+                    <a:lstStyle/>
+                    <a:p>
+                      <a:pPr algn="ctr" fontAlgn="b"/>
+                      <a:r>
+                        <a:rPr lang="en-US" sz="1400" b="0" i="0" u="none" strike="noStrike" dirty="0" smtClean="0">
+                          <a:solidFill>
+                            <a:srgbClr val="000000"/>
+                          </a:solidFill>
+                          <a:effectLst/>
+                          <a:latin typeface="Calibri"/>
+                        </a:rPr>
+                        <a:t>--</a:t>
+                      </a:r>
+                      <a:endParaRPr lang="en-US" sz="1400" b="0" i="0" u="none" strike="noStrike" dirty="0">
+                        <a:solidFill>
+                          <a:srgbClr val="000000"/>
+                        </a:solidFill>
+                        <a:effectLst/>
+                        <a:latin typeface="Calibri"/>
+                      </a:endParaRPr>
+                    </a:p>
+                  </a:txBody>
+                  <a:tcPr marL="9525" marR="9525" marT="9525" marB="0" anchor="ctr"/>
+                </a:tc>
+                <a:tc>
+                  <a:txBody>
+                    <a:bodyPr/>
+                    <a:lstStyle/>
+                    <a:p>
+                      <a:pPr algn="ctr" fontAlgn="b"/>
+                      <a:r>
+                        <a:rPr lang="en-US" sz="1400" b="0" i="0" u="none" strike="noStrike" dirty="0" smtClean="0">
+                          <a:solidFill>
+                            <a:srgbClr val="000000"/>
+                          </a:solidFill>
+                          <a:effectLst/>
+                          <a:latin typeface="Calibri"/>
+                        </a:rPr>
+                        <a:t>--</a:t>
+                      </a:r>
+                      <a:endParaRPr lang="en-US" sz="1400" b="0" i="0" u="none" strike="noStrike" dirty="0">
+                        <a:solidFill>
+                          <a:srgbClr val="000000"/>
+                        </a:solidFill>
+                        <a:effectLst/>
+                        <a:latin typeface="Calibri"/>
+                      </a:endParaRPr>
+                    </a:p>
+                  </a:txBody>
+                  <a:tcPr marL="9525" marR="9525" marT="9525" marB="0" anchor="ctr"/>
+                </a:tc>
+              </a:tr>
+              <a:tr h="295646">
+                <a:tc>
+                  <a:txBody>
+                    <a:bodyPr/>
+                    <a:lstStyle/>
+                    <a:p>
+                      <a:pPr algn="l" fontAlgn="b"/>
+                      <a:r>
+                        <a:rPr lang="en-US" sz="1400" b="0" i="0" u="none" strike="noStrike" dirty="0" err="1" smtClean="0">
+                          <a:solidFill>
+                            <a:srgbClr val="000000"/>
+                          </a:solidFill>
+                          <a:effectLst/>
+                          <a:latin typeface="Calibri"/>
+                        </a:rPr>
                         <a:t>AlienBee</a:t>
                       </a:r>
                       <a:r>
-                        <a:rPr lang="en-US" b="1" baseline="0" dirty="0" smtClean="0"/>
-                        <a:t> w/ RGBD</a:t>
-                      </a:r>
-                      <a:endParaRPr lang="en-US" b="1" dirty="0"/>
-                    </a:p>
-                  </a:txBody>
-                  <a:tcPr/>
-                </a:tc>
-                <a:tc>
-                  <a:txBody>
-                    <a:bodyPr/>
-                    <a:lstStyle/>
-                    <a:p>
-                      <a:pPr algn="ctr"/>
-                      <a:r>
-                        <a:rPr lang="en-US" dirty="0" smtClean="0"/>
-                        <a:t>1.52</a:t>
-                      </a:r>
-                      <a:endParaRPr lang="en-US" dirty="0"/>
-                    </a:p>
-                  </a:txBody>
-                  <a:tcPr/>
-                </a:tc>
-                <a:tc>
-                  <a:txBody>
-                    <a:bodyPr/>
-                    <a:lstStyle/>
-                    <a:p>
-                      <a:pPr algn="ctr"/>
-                      <a:r>
-                        <a:rPr lang="en-US" dirty="0" smtClean="0"/>
-                        <a:t>8.1</a:t>
-                      </a:r>
-                      <a:endParaRPr lang="en-US" dirty="0"/>
-                    </a:p>
-                  </a:txBody>
-                  <a:tcPr/>
-                </a:tc>
-                <a:tc>
-                  <a:txBody>
-                    <a:bodyPr/>
-                    <a:lstStyle/>
-                    <a:p>
-                      <a:pPr algn="ctr"/>
-                      <a:r>
-                        <a:rPr lang="en-US" dirty="0" smtClean="0"/>
-                        <a:t>24.2</a:t>
-                      </a:r>
-                      <a:endParaRPr lang="en-US" dirty="0"/>
-                    </a:p>
-                  </a:txBody>
-                  <a:tcPr/>
+                        <a:rPr lang="en-US" sz="1400" b="0" i="0" u="none" strike="noStrike" baseline="0" dirty="0" smtClean="0">
+                          <a:solidFill>
+                            <a:srgbClr val="000000"/>
+                          </a:solidFill>
+                          <a:effectLst/>
+                          <a:latin typeface="Calibri"/>
+                        </a:rPr>
+                        <a:t> Quad (Motor, Structure)</a:t>
+                      </a:r>
+                      <a:endParaRPr lang="en-US" sz="1400" b="0" i="0" u="none" strike="noStrike" dirty="0">
+                        <a:solidFill>
+                          <a:srgbClr val="000000"/>
+                        </a:solidFill>
+                        <a:effectLst/>
+                        <a:latin typeface="Calibri"/>
+                      </a:endParaRPr>
+                    </a:p>
+                  </a:txBody>
+                  <a:tcPr marL="9525" marR="9525" marT="9525" marB="0" anchor="ctr"/>
+                </a:tc>
+                <a:tc>
+                  <a:txBody>
+                    <a:bodyPr/>
+                    <a:lstStyle/>
+                    <a:p>
+                      <a:pPr algn="ctr" fontAlgn="ctr"/>
+                      <a:r>
+                        <a:rPr lang="en-US" sz="1400" b="0" i="0" u="none" strike="noStrike" dirty="0" smtClean="0">
+                          <a:solidFill>
+                            <a:srgbClr val="000000"/>
+                          </a:solidFill>
+                          <a:effectLst/>
+                          <a:latin typeface="Calibri"/>
+                        </a:rPr>
+                        <a:t>1</a:t>
+                      </a:r>
+                      <a:endParaRPr lang="en-US" sz="1400" b="0" i="0" u="none" strike="noStrike" dirty="0">
+                        <a:solidFill>
+                          <a:srgbClr val="000000"/>
+                        </a:solidFill>
+                        <a:effectLst/>
+                        <a:latin typeface="Calibri"/>
+                      </a:endParaRPr>
+                    </a:p>
+                  </a:txBody>
+                  <a:tcPr marL="9525" marR="9525" marT="9525" marB="0" anchor="ctr"/>
+                </a:tc>
+                <a:tc>
+                  <a:txBody>
+                    <a:bodyPr/>
+                    <a:lstStyle/>
+                    <a:p>
+                      <a:pPr algn="ctr" fontAlgn="ctr"/>
+                      <a:r>
+                        <a:rPr lang="en-US" sz="1400" b="0" i="0" u="none" strike="noStrike" dirty="0">
+                          <a:solidFill>
+                            <a:srgbClr val="000000"/>
+                          </a:solidFill>
+                          <a:effectLst/>
+                          <a:latin typeface="Calibri"/>
+                        </a:rPr>
+                        <a:t>43</a:t>
+                      </a:r>
+                    </a:p>
+                  </a:txBody>
+                  <a:tcPr marL="9525" marR="9525" marT="9525" marB="0" anchor="ctr"/>
+                </a:tc>
+                <a:tc>
+                  <a:txBody>
+                    <a:bodyPr/>
+                    <a:lstStyle/>
+                    <a:p>
+                      <a:pPr algn="ctr" fontAlgn="ctr"/>
+                      <a:r>
+                        <a:rPr lang="en-US" sz="1400" b="0" i="0" u="none" strike="noStrike" dirty="0" smtClean="0">
+                          <a:solidFill>
+                            <a:srgbClr val="000000"/>
+                          </a:solidFill>
+                          <a:effectLst/>
+                          <a:latin typeface="Calibri"/>
+                        </a:rPr>
+                        <a:t>--</a:t>
+                      </a:r>
+                      <a:endParaRPr lang="en-US" sz="1400" b="0" i="0" u="none" strike="noStrike" dirty="0">
+                        <a:solidFill>
+                          <a:srgbClr val="000000"/>
+                        </a:solidFill>
+                        <a:effectLst/>
+                        <a:latin typeface="Calibri"/>
+                      </a:endParaRPr>
+                    </a:p>
+                  </a:txBody>
+                  <a:tcPr marL="9525" marR="9525" marT="9525" marB="0" anchor="ctr"/>
+                </a:tc>
+                <a:tc>
+                  <a:txBody>
+                    <a:bodyPr/>
+                    <a:lstStyle/>
+                    <a:p>
+                      <a:pPr algn="ctr" fontAlgn="ctr"/>
+                      <a:r>
+                        <a:rPr lang="en-US" sz="1400" b="0" i="0" u="none" strike="noStrike" dirty="0" smtClean="0">
+                          <a:solidFill>
+                            <a:srgbClr val="000000"/>
+                          </a:solidFill>
+                          <a:effectLst/>
+                          <a:latin typeface="Calibri"/>
+                        </a:rPr>
+                        <a:t>--</a:t>
+                      </a:r>
+                      <a:endParaRPr lang="en-US" sz="1400" b="0" i="0" u="none" strike="noStrike" dirty="0">
+                        <a:solidFill>
+                          <a:srgbClr val="000000"/>
+                        </a:solidFill>
+                        <a:effectLst/>
+                        <a:latin typeface="Calibri"/>
+                      </a:endParaRPr>
+                    </a:p>
+                  </a:txBody>
+                  <a:tcPr marL="9525" marR="9525" marT="9525" marB="0" anchor="ctr"/>
                 </a:tc>
               </a:tr>
-              <a:tr h="370840">
-                <a:tc>
-                  <a:txBody>
-                    <a:bodyPr/>
-                    <a:lstStyle/>
-                    <a:p>
-                      <a:pPr algn="l"/>
-                      <a:r>
-                        <a:rPr lang="en-US" b="1" dirty="0" err="1" smtClean="0"/>
-                        <a:t>AlienBee</a:t>
-                      </a:r>
-                      <a:r>
-                        <a:rPr lang="en-US" b="1" dirty="0" smtClean="0"/>
-                        <a:t> w/ Guidance</a:t>
-                      </a:r>
-                      <a:endParaRPr lang="en-US" b="1" dirty="0"/>
-                    </a:p>
-                  </a:txBody>
-                  <a:tcPr/>
-                </a:tc>
-                <a:tc>
-                  <a:txBody>
-                    <a:bodyPr/>
-                    <a:lstStyle/>
-                    <a:p>
-                      <a:pPr algn="ctr"/>
-                      <a:r>
-                        <a:rPr lang="en-US" dirty="0" smtClean="0"/>
-                        <a:t>1.63</a:t>
-                      </a:r>
-                      <a:endParaRPr lang="en-US" dirty="0"/>
-                    </a:p>
-                  </a:txBody>
-                  <a:tcPr/>
-                </a:tc>
-                <a:tc>
-                  <a:txBody>
-                    <a:bodyPr/>
-                    <a:lstStyle/>
-                    <a:p>
-                      <a:pPr algn="ctr"/>
-                      <a:r>
-                        <a:rPr lang="en-US" dirty="0" smtClean="0"/>
-                        <a:t>17.1</a:t>
-                      </a:r>
-                      <a:endParaRPr lang="en-US" dirty="0"/>
-                    </a:p>
-                  </a:txBody>
-                  <a:tcPr/>
-                </a:tc>
-                <a:tc>
-                  <a:txBody>
-                    <a:bodyPr/>
-                    <a:lstStyle/>
-                    <a:p>
-                      <a:pPr algn="ctr"/>
-                      <a:r>
-                        <a:rPr lang="en-US" dirty="0" smtClean="0"/>
-                        <a:t>18.4</a:t>
-                      </a:r>
-                      <a:endParaRPr lang="en-US" dirty="0"/>
-                    </a:p>
-                  </a:txBody>
-                  <a:tcPr/>
+              <a:tr h="295646">
+                <a:tc>
+                  <a:txBody>
+                    <a:bodyPr/>
+                    <a:lstStyle/>
+                    <a:p>
+                      <a:pPr algn="l" fontAlgn="b"/>
+                      <a:r>
+                        <a:rPr lang="en-US" sz="1400" b="0" i="0" u="none" strike="noStrike" dirty="0">
+                          <a:solidFill>
+                            <a:srgbClr val="000000"/>
+                          </a:solidFill>
+                          <a:effectLst/>
+                          <a:latin typeface="Calibri"/>
+                        </a:rPr>
+                        <a:t>DJI </a:t>
+                      </a:r>
+                      <a:r>
+                        <a:rPr lang="en-US" sz="1400" b="0" i="0" u="none" strike="noStrike" dirty="0" smtClean="0">
+                          <a:solidFill>
+                            <a:srgbClr val="000000"/>
+                          </a:solidFill>
+                          <a:effectLst/>
+                          <a:latin typeface="Calibri"/>
+                        </a:rPr>
+                        <a:t>9443</a:t>
+                      </a:r>
+                      <a:r>
+                        <a:rPr lang="en-US" sz="1400" b="0" i="0" u="none" strike="noStrike" baseline="0" dirty="0" smtClean="0">
+                          <a:solidFill>
+                            <a:srgbClr val="000000"/>
+                          </a:solidFill>
+                          <a:effectLst/>
+                          <a:latin typeface="Calibri"/>
+                        </a:rPr>
+                        <a:t> </a:t>
+                      </a:r>
+                      <a:r>
+                        <a:rPr lang="en-US" sz="1400" b="0" i="0" u="none" strike="noStrike" dirty="0" err="1" smtClean="0">
+                          <a:solidFill>
+                            <a:srgbClr val="000000"/>
+                          </a:solidFill>
+                          <a:effectLst/>
+                          <a:latin typeface="Calibri"/>
+                        </a:rPr>
+                        <a:t>Propellor</a:t>
+                      </a:r>
+                      <a:r>
+                        <a:rPr lang="en-US" sz="1400" b="0" i="0" u="none" strike="noStrike" dirty="0" smtClean="0">
+                          <a:solidFill>
+                            <a:srgbClr val="000000"/>
+                          </a:solidFill>
+                          <a:effectLst/>
+                          <a:latin typeface="Calibri"/>
+                        </a:rPr>
+                        <a:t> </a:t>
+                      </a:r>
+                      <a:r>
+                        <a:rPr lang="en-US" sz="1400" b="0" i="0" u="none" strike="noStrike" dirty="0">
+                          <a:solidFill>
+                            <a:srgbClr val="000000"/>
+                          </a:solidFill>
+                          <a:effectLst/>
+                          <a:latin typeface="Calibri"/>
+                        </a:rPr>
+                        <a:t>(</a:t>
+                      </a:r>
+                      <a:r>
+                        <a:rPr lang="en-US" sz="1400" b="0" i="0" u="none" strike="noStrike" dirty="0" smtClean="0">
+                          <a:solidFill>
+                            <a:srgbClr val="000000"/>
+                          </a:solidFill>
+                          <a:effectLst/>
+                          <a:latin typeface="Calibri"/>
+                        </a:rPr>
+                        <a:t>E300</a:t>
+                      </a:r>
+                      <a:r>
+                        <a:rPr lang="en-US" sz="1400" b="0" i="0" u="none" strike="noStrike" dirty="0">
+                          <a:solidFill>
+                            <a:srgbClr val="000000"/>
+                          </a:solidFill>
+                          <a:effectLst/>
+                          <a:latin typeface="Calibri"/>
+                        </a:rPr>
+                        <a:t>)</a:t>
+                      </a:r>
+                    </a:p>
+                  </a:txBody>
+                  <a:tcPr marL="9525" marR="9525" marT="9525" marB="0" anchor="ctr"/>
+                </a:tc>
+                <a:tc>
+                  <a:txBody>
+                    <a:bodyPr/>
+                    <a:lstStyle/>
+                    <a:p>
+                      <a:pPr algn="ctr" fontAlgn="ctr"/>
+                      <a:r>
+                        <a:rPr lang="en-US" sz="1400" b="0" i="0" u="none" strike="noStrike">
+                          <a:solidFill>
+                            <a:srgbClr val="000000"/>
+                          </a:solidFill>
+                          <a:effectLst/>
+                          <a:latin typeface="Calibri"/>
+                        </a:rPr>
+                        <a:t>4</a:t>
+                      </a:r>
+                    </a:p>
+                  </a:txBody>
+                  <a:tcPr marL="9525" marR="9525" marT="9525" marB="0" anchor="ctr"/>
+                </a:tc>
+                <a:tc>
+                  <a:txBody>
+                    <a:bodyPr/>
+                    <a:lstStyle/>
+                    <a:p>
+                      <a:pPr algn="ctr" fontAlgn="ctr"/>
+                      <a:r>
+                        <a:rPr lang="en-US" sz="1400" b="0" i="0" u="none" strike="noStrike" dirty="0">
+                          <a:solidFill>
+                            <a:srgbClr val="000000"/>
+                          </a:solidFill>
+                          <a:effectLst/>
+                          <a:latin typeface="Calibri"/>
+                        </a:rPr>
+                        <a:t>19</a:t>
+                      </a:r>
+                    </a:p>
+                  </a:txBody>
+                  <a:tcPr marL="9525" marR="9525" marT="9525" marB="0" anchor="ctr"/>
+                </a:tc>
+                <a:tc>
+                  <a:txBody>
+                    <a:bodyPr/>
+                    <a:lstStyle/>
+                    <a:p>
+                      <a:pPr algn="ctr" fontAlgn="ctr"/>
+                      <a:r>
+                        <a:rPr lang="en-US" sz="1400" b="0" i="0" u="none" strike="noStrike" dirty="0" smtClean="0">
+                          <a:solidFill>
+                            <a:srgbClr val="000000"/>
+                          </a:solidFill>
+                          <a:effectLst/>
+                          <a:latin typeface="Calibri"/>
+                        </a:rPr>
+                        <a:t>--</a:t>
+                      </a:r>
+                      <a:endParaRPr lang="en-US" sz="1400" b="0" i="0" u="none" strike="noStrike" dirty="0">
+                        <a:solidFill>
+                          <a:srgbClr val="000000"/>
+                        </a:solidFill>
+                        <a:effectLst/>
+                        <a:latin typeface="Calibri"/>
+                      </a:endParaRPr>
+                    </a:p>
+                  </a:txBody>
+                  <a:tcPr marL="9525" marR="9525" marT="9525" marB="0" anchor="ctr"/>
+                </a:tc>
+                <a:tc>
+                  <a:txBody>
+                    <a:bodyPr/>
+                    <a:lstStyle/>
+                    <a:p>
+                      <a:pPr algn="ctr" fontAlgn="ctr"/>
+                      <a:r>
+                        <a:rPr lang="en-US" sz="1400" b="0" i="0" u="none" strike="noStrike" dirty="0" smtClean="0">
+                          <a:solidFill>
+                            <a:srgbClr val="000000"/>
+                          </a:solidFill>
+                          <a:effectLst/>
+                          <a:latin typeface="Calibri"/>
+                        </a:rPr>
+                        <a:t>--</a:t>
+                      </a:r>
+                      <a:endParaRPr lang="en-US" sz="1400" b="0" i="0" u="none" strike="noStrike" dirty="0">
+                        <a:solidFill>
+                          <a:srgbClr val="000000"/>
+                        </a:solidFill>
+                        <a:effectLst/>
+                        <a:latin typeface="Calibri"/>
+                      </a:endParaRPr>
+                    </a:p>
+                  </a:txBody>
+                  <a:tcPr marL="9525" marR="9525" marT="9525" marB="0" anchor="ctr"/>
+                </a:tc>
+              </a:tr>
+              <a:tr h="295646">
+                <a:tc>
+                  <a:txBody>
+                    <a:bodyPr/>
+                    <a:lstStyle/>
+                    <a:p>
+                      <a:pPr algn="l" fontAlgn="b"/>
+                      <a:r>
+                        <a:rPr lang="en-US" sz="1400" b="0" i="0" u="none" strike="noStrike" dirty="0">
+                          <a:solidFill>
+                            <a:srgbClr val="000000"/>
+                          </a:solidFill>
+                          <a:effectLst/>
+                          <a:latin typeface="Calibri"/>
+                        </a:rPr>
+                        <a:t>Guidance</a:t>
+                      </a:r>
+                    </a:p>
+                  </a:txBody>
+                  <a:tcPr marL="9525" marR="9525" marT="9525" marB="0" anchor="ctr">
+                    <a:solidFill>
+                      <a:schemeClr val="accent3">
+                        <a:lumMod val="60000"/>
+                        <a:lumOff val="40000"/>
+                      </a:schemeClr>
+                    </a:solidFill>
+                  </a:tcPr>
+                </a:tc>
+                <a:tc>
+                  <a:txBody>
+                    <a:bodyPr/>
+                    <a:lstStyle/>
+                    <a:p>
+                      <a:pPr algn="ctr" fontAlgn="b"/>
+                      <a:r>
+                        <a:rPr lang="en-US" sz="1400" b="0" i="0" u="none" strike="noStrike" dirty="0" smtClean="0">
+                          <a:solidFill>
+                            <a:srgbClr val="000000"/>
+                          </a:solidFill>
+                          <a:effectLst/>
+                          <a:latin typeface="Calibri"/>
+                        </a:rPr>
+                        <a:t>1</a:t>
+                      </a:r>
+                      <a:endParaRPr lang="en-US" sz="1400" b="0" i="0" u="none" strike="noStrike" dirty="0">
+                        <a:solidFill>
+                          <a:srgbClr val="000000"/>
+                        </a:solidFill>
+                        <a:effectLst/>
+                        <a:latin typeface="Calibri"/>
+                      </a:endParaRPr>
+                    </a:p>
+                  </a:txBody>
+                  <a:tcPr marL="9525" marR="9525" marT="9525" marB="0" anchor="ctr">
+                    <a:solidFill>
+                      <a:schemeClr val="accent3">
+                        <a:lumMod val="60000"/>
+                        <a:lumOff val="40000"/>
+                      </a:schemeClr>
+                    </a:solidFill>
+                  </a:tcPr>
+                </a:tc>
+                <a:tc>
+                  <a:txBody>
+                    <a:bodyPr/>
+                    <a:lstStyle/>
+                    <a:p>
+                      <a:pPr algn="ctr" fontAlgn="b"/>
+                      <a:r>
+                        <a:rPr lang="en-US" sz="1400" b="0" i="0" u="none" strike="noStrike" dirty="0">
+                          <a:solidFill>
+                            <a:srgbClr val="000000"/>
+                          </a:solidFill>
+                          <a:effectLst/>
+                          <a:latin typeface="Calibri"/>
+                        </a:rPr>
+                        <a:t>291</a:t>
+                      </a:r>
+                    </a:p>
+                  </a:txBody>
+                  <a:tcPr marL="9525" marR="9525" marT="9525" marB="0" anchor="ctr">
+                    <a:solidFill>
+                      <a:schemeClr val="accent3">
+                        <a:lumMod val="60000"/>
+                        <a:lumOff val="40000"/>
+                      </a:schemeClr>
+                    </a:solidFill>
+                  </a:tcPr>
+                </a:tc>
+                <a:tc>
+                  <a:txBody>
+                    <a:bodyPr/>
+                    <a:lstStyle/>
+                    <a:p>
+                      <a:pPr algn="ctr" fontAlgn="b"/>
+                      <a:r>
+                        <a:rPr lang="en-US" sz="1400" b="0" i="0" u="none" strike="noStrike" dirty="0" smtClean="0">
+                          <a:solidFill>
+                            <a:srgbClr val="000000"/>
+                          </a:solidFill>
+                          <a:effectLst/>
+                          <a:latin typeface="Calibri"/>
+                        </a:rPr>
+                        <a:t>540</a:t>
+                      </a:r>
+                      <a:endParaRPr lang="en-US" sz="1400" b="0" i="0" u="none" strike="noStrike" dirty="0">
+                        <a:solidFill>
+                          <a:srgbClr val="000000"/>
+                        </a:solidFill>
+                        <a:effectLst/>
+                        <a:latin typeface="Calibri"/>
+                      </a:endParaRPr>
+                    </a:p>
+                  </a:txBody>
+                  <a:tcPr marL="9525" marR="9525" marT="9525" marB="0" anchor="ctr">
+                    <a:solidFill>
+                      <a:schemeClr val="accent3">
+                        <a:lumMod val="60000"/>
+                        <a:lumOff val="40000"/>
+                      </a:schemeClr>
+                    </a:solidFill>
+                  </a:tcPr>
+                </a:tc>
+                <a:tc>
+                  <a:txBody>
+                    <a:bodyPr/>
+                    <a:lstStyle/>
+                    <a:p>
+                      <a:pPr algn="ctr" fontAlgn="b"/>
+                      <a:r>
+                        <a:rPr lang="en-US" sz="1400" b="0" i="0" u="none" strike="noStrike" dirty="0" smtClean="0">
+                          <a:solidFill>
+                            <a:srgbClr val="000000"/>
+                          </a:solidFill>
+                          <a:effectLst/>
+                          <a:latin typeface="Calibri"/>
+                        </a:rPr>
+                        <a:t>12000</a:t>
+                      </a:r>
+                      <a:endParaRPr lang="en-US" sz="1400" b="0" i="0" u="none" strike="noStrike" dirty="0">
+                        <a:solidFill>
+                          <a:srgbClr val="000000"/>
+                        </a:solidFill>
+                        <a:effectLst/>
+                        <a:latin typeface="Calibri"/>
+                      </a:endParaRPr>
+                    </a:p>
+                  </a:txBody>
+                  <a:tcPr marL="9525" marR="9525" marT="9525" marB="0" anchor="ctr">
+                    <a:solidFill>
+                      <a:schemeClr val="accent3">
+                        <a:lumMod val="60000"/>
+                        <a:lumOff val="40000"/>
+                      </a:schemeClr>
+                    </a:solidFill>
+                  </a:tcPr>
+                </a:tc>
+              </a:tr>
+              <a:tr h="295646">
+                <a:tc>
+                  <a:txBody>
+                    <a:bodyPr/>
+                    <a:lstStyle/>
+                    <a:p>
+                      <a:pPr algn="l" fontAlgn="b"/>
+                      <a:r>
+                        <a:rPr lang="en-US" sz="1400" b="0" i="0" u="none" strike="noStrike" dirty="0">
+                          <a:solidFill>
+                            <a:srgbClr val="000000"/>
+                          </a:solidFill>
+                          <a:effectLst/>
+                          <a:latin typeface="Calibri"/>
+                        </a:rPr>
+                        <a:t>ASUS </a:t>
+                      </a:r>
+                      <a:r>
+                        <a:rPr lang="en-US" sz="1400" b="0" i="0" u="none" strike="noStrike" dirty="0" err="1">
+                          <a:solidFill>
+                            <a:srgbClr val="000000"/>
+                          </a:solidFill>
+                          <a:effectLst/>
+                          <a:latin typeface="Calibri"/>
+                        </a:rPr>
+                        <a:t>Xtion</a:t>
+                      </a:r>
+                      <a:r>
+                        <a:rPr lang="en-US" sz="1400" b="0" i="0" u="none" strike="noStrike" dirty="0">
+                          <a:solidFill>
+                            <a:srgbClr val="000000"/>
+                          </a:solidFill>
+                          <a:effectLst/>
+                          <a:latin typeface="Calibri"/>
+                        </a:rPr>
+                        <a:t> Pro </a:t>
+                      </a:r>
+                      <a:r>
+                        <a:rPr lang="en-US" sz="1400" b="0" i="0" u="none" strike="noStrike" dirty="0" smtClean="0">
+                          <a:solidFill>
+                            <a:srgbClr val="000000"/>
+                          </a:solidFill>
+                          <a:effectLst/>
+                          <a:latin typeface="Calibri"/>
+                        </a:rPr>
+                        <a:t>Live – RGBD camera</a:t>
+                      </a:r>
+                      <a:endParaRPr lang="en-US" sz="1400" b="0" i="0" u="none" strike="noStrike" dirty="0">
+                        <a:solidFill>
+                          <a:srgbClr val="000000"/>
+                        </a:solidFill>
+                        <a:effectLst/>
+                        <a:latin typeface="Calibri"/>
+                      </a:endParaRPr>
+                    </a:p>
+                  </a:txBody>
+                  <a:tcPr marL="9525" marR="9525" marT="9525" marB="0" anchor="ctr">
+                    <a:solidFill>
+                      <a:schemeClr val="accent2">
+                        <a:lumMod val="40000"/>
+                        <a:lumOff val="60000"/>
+                      </a:schemeClr>
+                    </a:solidFill>
+                  </a:tcPr>
+                </a:tc>
+                <a:tc>
+                  <a:txBody>
+                    <a:bodyPr/>
+                    <a:lstStyle/>
+                    <a:p>
+                      <a:pPr algn="ctr" fontAlgn="b"/>
+                      <a:r>
+                        <a:rPr lang="en-US" sz="1400" b="0" i="0" u="none" strike="noStrike">
+                          <a:solidFill>
+                            <a:srgbClr val="000000"/>
+                          </a:solidFill>
+                          <a:effectLst/>
+                          <a:latin typeface="Calibri"/>
+                        </a:rPr>
+                        <a:t>1</a:t>
+                      </a:r>
+                    </a:p>
+                  </a:txBody>
+                  <a:tcPr marL="9525" marR="9525" marT="9525" marB="0" anchor="ctr">
+                    <a:solidFill>
+                      <a:schemeClr val="accent2">
+                        <a:lumMod val="40000"/>
+                        <a:lumOff val="60000"/>
+                      </a:schemeClr>
+                    </a:solidFill>
+                  </a:tcPr>
+                </a:tc>
+                <a:tc>
+                  <a:txBody>
+                    <a:bodyPr/>
+                    <a:lstStyle/>
+                    <a:p>
+                      <a:pPr algn="ctr" fontAlgn="b"/>
+                      <a:r>
+                        <a:rPr lang="en-US" sz="1400" b="0" i="0" u="none" strike="noStrike">
+                          <a:solidFill>
+                            <a:srgbClr val="000000"/>
+                          </a:solidFill>
+                          <a:effectLst/>
+                          <a:latin typeface="Calibri"/>
+                        </a:rPr>
+                        <a:t>115</a:t>
+                      </a:r>
+                    </a:p>
+                  </a:txBody>
+                  <a:tcPr marL="9525" marR="9525" marT="9525" marB="0" anchor="ctr">
+                    <a:solidFill>
+                      <a:schemeClr val="accent2">
+                        <a:lumMod val="40000"/>
+                        <a:lumOff val="60000"/>
+                      </a:schemeClr>
+                    </a:solidFill>
+                  </a:tcPr>
+                </a:tc>
+                <a:tc>
+                  <a:txBody>
+                    <a:bodyPr/>
+                    <a:lstStyle/>
+                    <a:p>
+                      <a:pPr algn="ctr" fontAlgn="b"/>
+                      <a:r>
+                        <a:rPr lang="en-US" sz="1400" b="0" i="0" u="none" strike="noStrike" dirty="0" smtClean="0">
+                          <a:solidFill>
+                            <a:srgbClr val="000000"/>
+                          </a:solidFill>
+                          <a:effectLst/>
+                          <a:latin typeface="Calibri"/>
+                        </a:rPr>
+                        <a:t>500</a:t>
+                      </a:r>
+                      <a:endParaRPr lang="en-US" sz="1400" b="0" i="0" u="none" strike="noStrike" dirty="0">
+                        <a:solidFill>
+                          <a:srgbClr val="000000"/>
+                        </a:solidFill>
+                        <a:effectLst/>
+                        <a:latin typeface="Calibri"/>
+                      </a:endParaRPr>
+                    </a:p>
+                  </a:txBody>
+                  <a:tcPr marL="9525" marR="9525" marT="9525" marB="0" anchor="ctr">
+                    <a:solidFill>
+                      <a:schemeClr val="accent2">
+                        <a:lumMod val="40000"/>
+                        <a:lumOff val="60000"/>
+                      </a:schemeClr>
+                    </a:solidFill>
+                  </a:tcPr>
+                </a:tc>
+                <a:tc>
+                  <a:txBody>
+                    <a:bodyPr/>
+                    <a:lstStyle/>
+                    <a:p>
+                      <a:pPr algn="ctr" fontAlgn="b"/>
+                      <a:r>
+                        <a:rPr lang="en-US" sz="1400" b="0" i="0" u="none" strike="noStrike" dirty="0" smtClean="0">
+                          <a:solidFill>
+                            <a:srgbClr val="000000"/>
+                          </a:solidFill>
+                          <a:effectLst/>
+                          <a:latin typeface="Calibri"/>
+                        </a:rPr>
+                        <a:t>2500</a:t>
+                      </a:r>
+                      <a:endParaRPr lang="en-US" sz="1400" b="0" i="0" u="none" strike="noStrike" dirty="0">
+                        <a:solidFill>
+                          <a:srgbClr val="000000"/>
+                        </a:solidFill>
+                        <a:effectLst/>
+                        <a:latin typeface="Calibri"/>
+                      </a:endParaRPr>
+                    </a:p>
+                  </a:txBody>
+                  <a:tcPr marL="9525" marR="9525" marT="9525" marB="0" anchor="ctr">
+                    <a:solidFill>
+                      <a:schemeClr val="accent2">
+                        <a:lumMod val="40000"/>
+                        <a:lumOff val="60000"/>
+                      </a:schemeClr>
+                    </a:solidFill>
+                  </a:tcPr>
+                </a:tc>
+              </a:tr>
+              <a:tr h="295646">
+                <a:tc>
+                  <a:txBody>
+                    <a:bodyPr/>
+                    <a:lstStyle/>
+                    <a:p>
+                      <a:pPr algn="l" fontAlgn="b"/>
+                      <a:r>
+                        <a:rPr lang="en-US" sz="1400" b="0" i="0" u="none" strike="noStrike" dirty="0">
+                          <a:solidFill>
+                            <a:srgbClr val="000000"/>
+                          </a:solidFill>
+                          <a:effectLst/>
+                          <a:latin typeface="Calibri"/>
+                        </a:rPr>
+                        <a:t>LIDAR-Lite v2</a:t>
+                      </a:r>
+                    </a:p>
+                  </a:txBody>
+                  <a:tcPr marL="9525" marR="9525" marT="9525" marB="0" anchor="ctr">
+                    <a:solidFill>
+                      <a:schemeClr val="accent2">
+                        <a:lumMod val="40000"/>
+                        <a:lumOff val="60000"/>
+                      </a:schemeClr>
+                    </a:solidFill>
+                  </a:tcPr>
+                </a:tc>
+                <a:tc>
+                  <a:txBody>
+                    <a:bodyPr/>
+                    <a:lstStyle/>
+                    <a:p>
+                      <a:pPr algn="ctr" fontAlgn="b"/>
+                      <a:r>
+                        <a:rPr lang="en-US" sz="1400" b="0" i="0" u="none" strike="noStrike">
+                          <a:solidFill>
+                            <a:srgbClr val="000000"/>
+                          </a:solidFill>
+                          <a:effectLst/>
+                          <a:latin typeface="Calibri"/>
+                        </a:rPr>
+                        <a:t>1</a:t>
+                      </a:r>
+                    </a:p>
+                  </a:txBody>
+                  <a:tcPr marL="9525" marR="9525" marT="9525" marB="0" anchor="ctr">
+                    <a:solidFill>
+                      <a:schemeClr val="accent2">
+                        <a:lumMod val="40000"/>
+                        <a:lumOff val="60000"/>
+                      </a:schemeClr>
+                    </a:solidFill>
+                  </a:tcPr>
+                </a:tc>
+                <a:tc>
+                  <a:txBody>
+                    <a:bodyPr/>
+                    <a:lstStyle/>
+                    <a:p>
+                      <a:pPr algn="ctr" fontAlgn="b"/>
+                      <a:r>
+                        <a:rPr lang="en-US" sz="1400" b="0" i="0" u="none" strike="noStrike">
+                          <a:solidFill>
+                            <a:srgbClr val="000000"/>
+                          </a:solidFill>
+                          <a:effectLst/>
+                          <a:latin typeface="Calibri"/>
+                        </a:rPr>
+                        <a:t>28.1</a:t>
+                      </a:r>
+                    </a:p>
+                  </a:txBody>
+                  <a:tcPr marL="9525" marR="9525" marT="9525" marB="0" anchor="ctr">
+                    <a:solidFill>
+                      <a:schemeClr val="accent2">
+                        <a:lumMod val="40000"/>
+                        <a:lumOff val="60000"/>
+                      </a:schemeClr>
+                    </a:solidFill>
+                  </a:tcPr>
+                </a:tc>
+                <a:tc>
+                  <a:txBody>
+                    <a:bodyPr/>
+                    <a:lstStyle/>
+                    <a:p>
+                      <a:pPr algn="ctr" fontAlgn="b"/>
+                      <a:r>
+                        <a:rPr lang="en-US" sz="1400" b="0" i="0" u="none" strike="noStrike" dirty="0" smtClean="0">
+                          <a:solidFill>
+                            <a:srgbClr val="000000"/>
+                          </a:solidFill>
+                          <a:effectLst/>
+                          <a:latin typeface="Calibri"/>
+                        </a:rPr>
+                        <a:t>100</a:t>
+                      </a:r>
+                      <a:endParaRPr lang="en-US" sz="1400" b="0" i="0" u="none" strike="noStrike" dirty="0">
+                        <a:solidFill>
+                          <a:srgbClr val="000000"/>
+                        </a:solidFill>
+                        <a:effectLst/>
+                        <a:latin typeface="Calibri"/>
+                      </a:endParaRPr>
+                    </a:p>
+                  </a:txBody>
+                  <a:tcPr marL="9525" marR="9525" marT="9525" marB="0" anchor="ctr">
+                    <a:solidFill>
+                      <a:schemeClr val="accent2">
+                        <a:lumMod val="40000"/>
+                        <a:lumOff val="60000"/>
+                      </a:schemeClr>
+                    </a:solidFill>
+                  </a:tcPr>
+                </a:tc>
+                <a:tc>
+                  <a:txBody>
+                    <a:bodyPr/>
+                    <a:lstStyle/>
+                    <a:p>
+                      <a:pPr algn="ctr" fontAlgn="b"/>
+                      <a:r>
+                        <a:rPr lang="en-US" sz="1400" b="0" i="0" u="none" strike="noStrike" dirty="0" smtClean="0">
+                          <a:solidFill>
+                            <a:srgbClr val="000000"/>
+                          </a:solidFill>
+                          <a:effectLst/>
+                          <a:latin typeface="Calibri"/>
+                        </a:rPr>
+                        <a:t>550</a:t>
+                      </a:r>
+                      <a:endParaRPr lang="en-US" sz="1400" b="0" i="0" u="none" strike="noStrike" dirty="0">
+                        <a:solidFill>
+                          <a:srgbClr val="000000"/>
+                        </a:solidFill>
+                        <a:effectLst/>
+                        <a:latin typeface="Calibri"/>
+                      </a:endParaRPr>
+                    </a:p>
+                  </a:txBody>
+                  <a:tcPr marL="9525" marR="9525" marT="9525" marB="0" anchor="ctr">
+                    <a:solidFill>
+                      <a:schemeClr val="accent2">
+                        <a:lumMod val="40000"/>
+                        <a:lumOff val="60000"/>
+                      </a:schemeClr>
+                    </a:solidFill>
+                  </a:tcPr>
+                </a:tc>
+              </a:tr>
+              <a:tr h="295646">
+                <a:tc>
+                  <a:txBody>
+                    <a:bodyPr/>
+                    <a:lstStyle/>
+                    <a:p>
+                      <a:pPr algn="l" fontAlgn="b"/>
+                      <a:r>
+                        <a:rPr lang="en-US" sz="1400" b="0" i="0" u="none" strike="noStrike" dirty="0">
+                          <a:solidFill>
+                            <a:srgbClr val="000000"/>
+                          </a:solidFill>
+                          <a:effectLst/>
+                          <a:latin typeface="Calibri"/>
+                        </a:rPr>
+                        <a:t>Windows </a:t>
+                      </a:r>
+                      <a:r>
+                        <a:rPr lang="en-US" sz="1400" b="0" i="0" u="none" strike="noStrike" dirty="0" err="1">
+                          <a:solidFill>
+                            <a:srgbClr val="000000"/>
+                          </a:solidFill>
+                          <a:effectLst/>
+                          <a:latin typeface="Calibri"/>
+                        </a:rPr>
+                        <a:t>Lifecam</a:t>
+                      </a:r>
+                      <a:r>
+                        <a:rPr lang="en-US" sz="1400" b="0" i="0" u="none" strike="noStrike" dirty="0">
+                          <a:solidFill>
+                            <a:srgbClr val="000000"/>
+                          </a:solidFill>
+                          <a:effectLst/>
+                          <a:latin typeface="Calibri"/>
+                        </a:rPr>
+                        <a:t> Studio Camera</a:t>
+                      </a:r>
+                    </a:p>
+                  </a:txBody>
+                  <a:tcPr marL="9525" marR="9525" marT="9525" marB="0" anchor="ctr">
+                    <a:solidFill>
+                      <a:schemeClr val="accent2">
+                        <a:lumMod val="40000"/>
+                        <a:lumOff val="60000"/>
+                      </a:schemeClr>
+                    </a:solidFill>
+                  </a:tcPr>
+                </a:tc>
+                <a:tc>
+                  <a:txBody>
+                    <a:bodyPr/>
+                    <a:lstStyle/>
+                    <a:p>
+                      <a:pPr algn="ctr" fontAlgn="b"/>
+                      <a:r>
+                        <a:rPr lang="en-US" sz="1400" b="0" i="0" u="none" strike="noStrike">
+                          <a:solidFill>
+                            <a:srgbClr val="000000"/>
+                          </a:solidFill>
+                          <a:effectLst/>
+                          <a:latin typeface="Calibri"/>
+                        </a:rPr>
+                        <a:t>1</a:t>
+                      </a:r>
+                    </a:p>
+                  </a:txBody>
+                  <a:tcPr marL="9525" marR="9525" marT="9525" marB="0" anchor="ctr">
+                    <a:solidFill>
+                      <a:schemeClr val="accent2">
+                        <a:lumMod val="40000"/>
+                        <a:lumOff val="60000"/>
+                      </a:schemeClr>
+                    </a:solidFill>
+                  </a:tcPr>
+                </a:tc>
+                <a:tc>
+                  <a:txBody>
+                    <a:bodyPr/>
+                    <a:lstStyle/>
+                    <a:p>
+                      <a:pPr algn="ctr" fontAlgn="b"/>
+                      <a:r>
+                        <a:rPr lang="en-US" sz="1400" b="0" i="0" u="none" strike="noStrike" dirty="0">
+                          <a:solidFill>
+                            <a:srgbClr val="000000"/>
+                          </a:solidFill>
+                          <a:effectLst/>
+                          <a:latin typeface="Calibri"/>
+                        </a:rPr>
+                        <a:t>128</a:t>
+                      </a:r>
+                    </a:p>
+                  </a:txBody>
+                  <a:tcPr marL="9525" marR="9525" marT="9525" marB="0" anchor="ctr">
+                    <a:solidFill>
+                      <a:schemeClr val="accent2">
+                        <a:lumMod val="40000"/>
+                        <a:lumOff val="60000"/>
+                      </a:schemeClr>
+                    </a:solidFill>
+                  </a:tcPr>
+                </a:tc>
+                <a:tc>
+                  <a:txBody>
+                    <a:bodyPr/>
+                    <a:lstStyle/>
+                    <a:p>
+                      <a:pPr algn="ctr" fontAlgn="b"/>
+                      <a:r>
+                        <a:rPr lang="en-US" sz="1400" b="0" i="0" u="none" strike="noStrike" dirty="0" smtClean="0">
+                          <a:solidFill>
+                            <a:srgbClr val="000000"/>
+                          </a:solidFill>
+                          <a:effectLst/>
+                          <a:latin typeface="Calibri"/>
+                        </a:rPr>
+                        <a:t>500</a:t>
+                      </a:r>
+                      <a:endParaRPr lang="en-US" sz="1400" b="0" i="0" u="none" strike="noStrike" dirty="0">
+                        <a:solidFill>
+                          <a:srgbClr val="000000"/>
+                        </a:solidFill>
+                        <a:effectLst/>
+                        <a:latin typeface="Calibri"/>
+                      </a:endParaRPr>
+                    </a:p>
+                  </a:txBody>
+                  <a:tcPr marL="9525" marR="9525" marT="9525" marB="0" anchor="ctr">
+                    <a:solidFill>
+                      <a:schemeClr val="accent2">
+                        <a:lumMod val="40000"/>
+                        <a:lumOff val="60000"/>
+                      </a:schemeClr>
+                    </a:solidFill>
+                  </a:tcPr>
+                </a:tc>
+                <a:tc>
+                  <a:txBody>
+                    <a:bodyPr/>
+                    <a:lstStyle/>
+                    <a:p>
+                      <a:pPr algn="ctr" fontAlgn="b"/>
+                      <a:r>
+                        <a:rPr lang="en-US" sz="1400" b="0" i="0" u="none" strike="noStrike" dirty="0" smtClean="0">
+                          <a:solidFill>
+                            <a:srgbClr val="000000"/>
+                          </a:solidFill>
+                          <a:effectLst/>
+                          <a:latin typeface="Calibri"/>
+                        </a:rPr>
+                        <a:t>2500</a:t>
+                      </a:r>
+                      <a:endParaRPr lang="en-US" sz="1400" b="0" i="0" u="none" strike="noStrike" dirty="0">
+                        <a:solidFill>
+                          <a:srgbClr val="000000"/>
+                        </a:solidFill>
+                        <a:effectLst/>
+                        <a:latin typeface="Calibri"/>
+                      </a:endParaRPr>
+                    </a:p>
+                  </a:txBody>
+                  <a:tcPr marL="9525" marR="9525" marT="9525" marB="0" anchor="ctr">
+                    <a:solidFill>
+                      <a:schemeClr val="accent2">
+                        <a:lumMod val="40000"/>
+                        <a:lumOff val="60000"/>
+                      </a:schemeClr>
+                    </a:solidFill>
+                  </a:tcPr>
+                </a:tc>
+              </a:tr>
+              <a:tr h="295646">
+                <a:tc>
+                  <a:txBody>
+                    <a:bodyPr/>
+                    <a:lstStyle/>
+                    <a:p>
+                      <a:pPr marL="0" algn="ctr" defTabSz="457200" rtl="0" eaLnBrk="1" fontAlgn="ctr" latinLnBrk="0" hangingPunct="1"/>
+                      <a:endParaRPr lang="en-US" sz="1400" b="1" i="0" u="none" strike="noStrike" kern="1200" dirty="0">
+                        <a:solidFill>
+                          <a:srgbClr val="000000"/>
+                        </a:solidFill>
+                        <a:effectLst/>
+                        <a:latin typeface="Calibri"/>
+                        <a:ea typeface="+mn-ea"/>
+                        <a:cs typeface="+mn-cs"/>
+                      </a:endParaRPr>
+                    </a:p>
+                  </a:txBody>
+                  <a:tcPr marL="9525" marR="9525" marT="9525" marB="0" anchor="ctr"/>
+                </a:tc>
+                <a:tc>
+                  <a:txBody>
+                    <a:bodyPr/>
+                    <a:lstStyle/>
+                    <a:p>
+                      <a:pPr marL="0" algn="ctr" defTabSz="457200" rtl="0" eaLnBrk="1" fontAlgn="ctr" latinLnBrk="0" hangingPunct="1"/>
+                      <a:endParaRPr lang="en-US" sz="1400" b="1" i="0" u="none" strike="noStrike" kern="1200" dirty="0">
+                        <a:solidFill>
+                          <a:srgbClr val="000000"/>
+                        </a:solidFill>
+                        <a:effectLst/>
+                        <a:latin typeface="Calibri"/>
+                        <a:ea typeface="+mn-ea"/>
+                        <a:cs typeface="+mn-cs"/>
+                      </a:endParaRPr>
+                    </a:p>
+                  </a:txBody>
+                  <a:tcPr marL="9525" marR="9525" marT="9525" marB="0" anchor="ctr"/>
+                </a:tc>
+                <a:tc>
+                  <a:txBody>
+                    <a:bodyPr/>
+                    <a:lstStyle/>
+                    <a:p>
+                      <a:pPr marL="0" algn="ctr" defTabSz="457200" rtl="0" eaLnBrk="1" fontAlgn="ctr" latinLnBrk="0" hangingPunct="1"/>
+                      <a:endParaRPr lang="en-US" sz="1400" b="1" i="0" u="none" strike="noStrike" kern="1200" dirty="0">
+                        <a:solidFill>
+                          <a:srgbClr val="000000"/>
+                        </a:solidFill>
+                        <a:effectLst/>
+                        <a:latin typeface="Calibri"/>
+                        <a:ea typeface="+mn-ea"/>
+                        <a:cs typeface="+mn-cs"/>
+                      </a:endParaRPr>
+                    </a:p>
+                  </a:txBody>
+                  <a:tcPr marL="9525" marR="9525" marT="9525" marB="0" anchor="ctr"/>
+                </a:tc>
+                <a:tc>
+                  <a:txBody>
+                    <a:bodyPr/>
+                    <a:lstStyle/>
+                    <a:p>
+                      <a:pPr marL="0" algn="ctr" defTabSz="457200" rtl="0" eaLnBrk="1" fontAlgn="ctr" latinLnBrk="0" hangingPunct="1"/>
+                      <a:endParaRPr lang="en-US" sz="1400" b="1" i="0" u="none" strike="noStrike" kern="1200" dirty="0">
+                        <a:solidFill>
+                          <a:srgbClr val="000000"/>
+                        </a:solidFill>
+                        <a:effectLst/>
+                        <a:latin typeface="Calibri"/>
+                        <a:ea typeface="+mn-ea"/>
+                        <a:cs typeface="+mn-cs"/>
+                      </a:endParaRPr>
+                    </a:p>
+                  </a:txBody>
+                  <a:tcPr marL="9525" marR="9525" marT="9525" marB="0" anchor="ctr"/>
+                </a:tc>
+                <a:tc>
+                  <a:txBody>
+                    <a:bodyPr/>
+                    <a:lstStyle/>
+                    <a:p>
+                      <a:pPr marL="0" algn="ctr" defTabSz="457200" rtl="0" eaLnBrk="1" fontAlgn="ctr" latinLnBrk="0" hangingPunct="1"/>
+                      <a:endParaRPr lang="en-US" sz="1400" b="1" i="0" u="none" strike="noStrike" kern="1200" dirty="0">
+                        <a:solidFill>
+                          <a:srgbClr val="000000"/>
+                        </a:solidFill>
+                        <a:effectLst/>
+                        <a:latin typeface="Calibri"/>
+                        <a:ea typeface="+mn-ea"/>
+                        <a:cs typeface="+mn-cs"/>
+                      </a:endParaRPr>
+                    </a:p>
+                  </a:txBody>
+                  <a:tcPr marL="9525" marR="9525" marT="9525" marB="0" anchor="ctr"/>
+                </a:tc>
+              </a:tr>
+              <a:tr h="295646">
+                <a:tc>
+                  <a:txBody>
+                    <a:bodyPr/>
+                    <a:lstStyle/>
+                    <a:p>
+                      <a:pPr marL="0" algn="ctr" defTabSz="457200" rtl="0" eaLnBrk="1" fontAlgn="ctr" latinLnBrk="0" hangingPunct="1"/>
+                      <a:r>
+                        <a:rPr lang="en-US" sz="1400" b="1" i="0" u="none" strike="noStrike" kern="1200" dirty="0" smtClean="0">
+                          <a:solidFill>
+                            <a:srgbClr val="000000"/>
+                          </a:solidFill>
+                          <a:effectLst/>
+                          <a:latin typeface="Calibri"/>
+                          <a:ea typeface="+mn-ea"/>
+                          <a:cs typeface="+mn-cs"/>
+                        </a:rPr>
+                        <a:t>TOTAL - Guidance</a:t>
+                      </a:r>
+                      <a:endParaRPr lang="en-US" sz="1400" b="1" i="0" u="none" strike="noStrike" kern="1200" dirty="0">
+                        <a:solidFill>
+                          <a:srgbClr val="000000"/>
+                        </a:solidFill>
+                        <a:effectLst/>
+                        <a:latin typeface="Calibri"/>
+                        <a:ea typeface="+mn-ea"/>
+                        <a:cs typeface="+mn-cs"/>
+                      </a:endParaRPr>
+                    </a:p>
+                  </a:txBody>
+                  <a:tcPr marL="9525" marR="9525" marT="9525" marB="0" anchor="ctr">
+                    <a:solidFill>
+                      <a:schemeClr val="accent3">
+                        <a:lumMod val="60000"/>
+                        <a:lumOff val="40000"/>
+                      </a:schemeClr>
+                    </a:solidFill>
+                  </a:tcPr>
+                </a:tc>
+                <a:tc>
+                  <a:txBody>
+                    <a:bodyPr/>
+                    <a:lstStyle/>
+                    <a:p>
+                      <a:pPr marL="0" algn="ctr" defTabSz="457200" rtl="0" eaLnBrk="1" fontAlgn="ctr" latinLnBrk="0" hangingPunct="1"/>
+                      <a:endParaRPr lang="en-US" sz="1400" b="1" i="0" u="none" strike="noStrike" kern="1200" dirty="0">
+                        <a:solidFill>
+                          <a:srgbClr val="000000"/>
+                        </a:solidFill>
+                        <a:effectLst/>
+                        <a:latin typeface="Calibri"/>
+                        <a:ea typeface="+mn-ea"/>
+                        <a:cs typeface="+mn-cs"/>
+                      </a:endParaRPr>
+                    </a:p>
+                  </a:txBody>
+                  <a:tcPr marL="9525" marR="9525" marT="9525" marB="0" anchor="ctr">
+                    <a:solidFill>
+                      <a:schemeClr val="accent3">
+                        <a:lumMod val="60000"/>
+                        <a:lumOff val="40000"/>
+                      </a:schemeClr>
+                    </a:solidFill>
+                  </a:tcPr>
+                </a:tc>
+                <a:tc>
+                  <a:txBody>
+                    <a:bodyPr/>
+                    <a:lstStyle/>
+                    <a:p>
+                      <a:pPr marL="0" algn="ctr" defTabSz="457200" rtl="0" eaLnBrk="1" fontAlgn="ctr" latinLnBrk="0" hangingPunct="1"/>
+                      <a:r>
+                        <a:rPr lang="en-US" sz="1400" b="1" i="0" u="none" strike="noStrike" kern="1200" dirty="0" smtClean="0">
+                          <a:solidFill>
+                            <a:srgbClr val="000000"/>
+                          </a:solidFill>
+                          <a:effectLst/>
+                          <a:latin typeface="Calibri"/>
+                          <a:ea typeface="+mn-ea"/>
+                          <a:cs typeface="+mn-cs"/>
+                        </a:rPr>
+                        <a:t>2380</a:t>
+                      </a:r>
+                      <a:endParaRPr lang="en-US" sz="1400" b="1" i="0" u="none" strike="noStrike" kern="1200" dirty="0">
+                        <a:solidFill>
+                          <a:srgbClr val="000000"/>
+                        </a:solidFill>
+                        <a:effectLst/>
+                        <a:latin typeface="Calibri"/>
+                        <a:ea typeface="+mn-ea"/>
+                        <a:cs typeface="+mn-cs"/>
+                      </a:endParaRPr>
+                    </a:p>
+                  </a:txBody>
+                  <a:tcPr marL="9525" marR="9525" marT="9525" marB="0" anchor="ctr">
+                    <a:solidFill>
+                      <a:schemeClr val="accent3">
+                        <a:lumMod val="60000"/>
+                        <a:lumOff val="40000"/>
+                      </a:schemeClr>
+                    </a:solidFill>
+                  </a:tcPr>
+                </a:tc>
+                <a:tc>
+                  <a:txBody>
+                    <a:bodyPr/>
+                    <a:lstStyle/>
+                    <a:p>
+                      <a:pPr marL="0" algn="ctr" defTabSz="457200" rtl="0" eaLnBrk="1" fontAlgn="ctr" latinLnBrk="0" hangingPunct="1"/>
+                      <a:r>
+                        <a:rPr lang="en-US" sz="1400" b="1" i="0" u="none" strike="noStrike" kern="1200" dirty="0" smtClean="0">
+                          <a:solidFill>
+                            <a:srgbClr val="000000"/>
+                          </a:solidFill>
+                          <a:effectLst/>
+                          <a:latin typeface="Calibri"/>
+                          <a:ea typeface="+mn-ea"/>
+                          <a:cs typeface="+mn-cs"/>
+                        </a:rPr>
+                        <a:t>1670</a:t>
+                      </a:r>
+                      <a:endParaRPr lang="en-US" sz="1400" b="1" i="0" u="none" strike="noStrike" kern="1200" dirty="0">
+                        <a:solidFill>
+                          <a:srgbClr val="000000"/>
+                        </a:solidFill>
+                        <a:effectLst/>
+                        <a:latin typeface="Calibri"/>
+                        <a:ea typeface="+mn-ea"/>
+                        <a:cs typeface="+mn-cs"/>
+                      </a:endParaRPr>
+                    </a:p>
+                  </a:txBody>
+                  <a:tcPr marL="9525" marR="9525" marT="9525" marB="0" anchor="ctr">
+                    <a:solidFill>
+                      <a:schemeClr val="accent3">
+                        <a:lumMod val="60000"/>
+                        <a:lumOff val="40000"/>
+                      </a:schemeClr>
+                    </a:solidFill>
+                  </a:tcPr>
+                </a:tc>
+                <a:tc>
+                  <a:txBody>
+                    <a:bodyPr/>
+                    <a:lstStyle/>
+                    <a:p>
+                      <a:pPr marL="0" algn="ctr" defTabSz="457200" rtl="0" eaLnBrk="1" fontAlgn="ctr" latinLnBrk="0" hangingPunct="1"/>
+                      <a:r>
+                        <a:rPr lang="en-US" sz="1400" b="1" i="0" u="none" strike="noStrike" kern="1200" dirty="0" smtClean="0">
+                          <a:solidFill>
+                            <a:srgbClr val="000000"/>
+                          </a:solidFill>
+                          <a:effectLst/>
+                          <a:latin typeface="Calibri"/>
+                          <a:ea typeface="+mn-ea"/>
+                          <a:cs typeface="+mn-cs"/>
+                        </a:rPr>
+                        <a:t>17980</a:t>
+                      </a:r>
+                      <a:endParaRPr lang="en-US" sz="1400" b="1" i="0" u="none" strike="noStrike" kern="1200" dirty="0">
+                        <a:solidFill>
+                          <a:srgbClr val="000000"/>
+                        </a:solidFill>
+                        <a:effectLst/>
+                        <a:latin typeface="Calibri"/>
+                        <a:ea typeface="+mn-ea"/>
+                        <a:cs typeface="+mn-cs"/>
+                      </a:endParaRPr>
+                    </a:p>
+                  </a:txBody>
+                  <a:tcPr marL="9525" marR="9525" marT="9525" marB="0" anchor="ctr">
+                    <a:solidFill>
+                      <a:schemeClr val="accent3">
+                        <a:lumMod val="60000"/>
+                        <a:lumOff val="40000"/>
+                      </a:schemeClr>
+                    </a:solidFill>
+                  </a:tcPr>
+                </a:tc>
+              </a:tr>
+              <a:tr h="295646">
+                <a:tc>
+                  <a:txBody>
+                    <a:bodyPr/>
+                    <a:lstStyle/>
+                    <a:p>
+                      <a:pPr algn="ctr" fontAlgn="b"/>
+                      <a:r>
+                        <a:rPr lang="en-US" sz="1400" b="1" i="0" u="none" strike="noStrike" dirty="0" smtClean="0">
+                          <a:solidFill>
+                            <a:srgbClr val="000000"/>
+                          </a:solidFill>
+                          <a:effectLst/>
+                          <a:latin typeface="Calibri"/>
+                        </a:rPr>
+                        <a:t>TOTAL - RGBD</a:t>
+                      </a:r>
+                      <a:endParaRPr lang="en-US" sz="1400" b="1" i="0" u="none" strike="noStrike" dirty="0">
+                        <a:solidFill>
+                          <a:srgbClr val="000000"/>
+                        </a:solidFill>
+                        <a:effectLst/>
+                        <a:latin typeface="Calibri"/>
+                      </a:endParaRPr>
+                    </a:p>
+                  </a:txBody>
+                  <a:tcPr marL="9525" marR="9525" marT="9525" marB="0" anchor="ctr">
+                    <a:solidFill>
+                      <a:schemeClr val="accent2">
+                        <a:lumMod val="40000"/>
+                        <a:lumOff val="60000"/>
+                      </a:schemeClr>
+                    </a:solidFill>
+                  </a:tcPr>
+                </a:tc>
+                <a:tc>
+                  <a:txBody>
+                    <a:bodyPr/>
+                    <a:lstStyle/>
+                    <a:p>
+                      <a:pPr algn="ctr" fontAlgn="ctr"/>
+                      <a:endParaRPr lang="en-US" sz="1400" b="1" i="0" u="none" strike="noStrike" dirty="0">
+                        <a:solidFill>
+                          <a:srgbClr val="000000"/>
+                        </a:solidFill>
+                        <a:effectLst/>
+                        <a:latin typeface="Calibri"/>
+                      </a:endParaRPr>
+                    </a:p>
+                  </a:txBody>
+                  <a:tcPr marL="9525" marR="9525" marT="9525" marB="0" anchor="ctr">
+                    <a:solidFill>
+                      <a:schemeClr val="accent2">
+                        <a:lumMod val="40000"/>
+                        <a:lumOff val="60000"/>
+                      </a:schemeClr>
+                    </a:solidFill>
+                  </a:tcPr>
+                </a:tc>
+                <a:tc>
+                  <a:txBody>
+                    <a:bodyPr/>
+                    <a:lstStyle/>
+                    <a:p>
+                      <a:pPr algn="ctr" fontAlgn="ctr"/>
+                      <a:r>
+                        <a:rPr lang="en-US" sz="1400" b="1" i="0" u="none" strike="noStrike" dirty="0" smtClean="0">
+                          <a:solidFill>
+                            <a:srgbClr val="000000"/>
+                          </a:solidFill>
+                          <a:effectLst/>
+                          <a:latin typeface="Calibri"/>
+                        </a:rPr>
+                        <a:t>2360</a:t>
+                      </a:r>
+                      <a:endParaRPr lang="en-US" sz="1400" b="1" i="0" u="none" strike="noStrike" dirty="0">
+                        <a:solidFill>
+                          <a:srgbClr val="000000"/>
+                        </a:solidFill>
+                        <a:effectLst/>
+                        <a:latin typeface="Calibri"/>
+                      </a:endParaRPr>
+                    </a:p>
+                  </a:txBody>
+                  <a:tcPr marL="9525" marR="9525" marT="9525" marB="0" anchor="ctr">
+                    <a:solidFill>
+                      <a:schemeClr val="accent2">
+                        <a:lumMod val="40000"/>
+                        <a:lumOff val="60000"/>
+                      </a:schemeClr>
+                    </a:solidFill>
+                  </a:tcPr>
+                </a:tc>
+                <a:tc>
+                  <a:txBody>
+                    <a:bodyPr/>
+                    <a:lstStyle/>
+                    <a:p>
+                      <a:pPr algn="ctr" fontAlgn="ctr"/>
+                      <a:r>
+                        <a:rPr lang="en-US" sz="1400" b="1" i="0" u="none" strike="noStrike" dirty="0" smtClean="0">
+                          <a:solidFill>
+                            <a:srgbClr val="000000"/>
+                          </a:solidFill>
+                          <a:effectLst/>
+                          <a:latin typeface="Calibri"/>
+                        </a:rPr>
+                        <a:t>2230</a:t>
+                      </a:r>
+                      <a:endParaRPr lang="en-US" sz="1400" b="1" i="0" u="none" strike="noStrike" dirty="0">
+                        <a:solidFill>
+                          <a:srgbClr val="000000"/>
+                        </a:solidFill>
+                        <a:effectLst/>
+                        <a:latin typeface="Calibri"/>
+                      </a:endParaRPr>
+                    </a:p>
+                  </a:txBody>
+                  <a:tcPr marL="9525" marR="9525" marT="9525" marB="0" anchor="ctr">
+                    <a:solidFill>
+                      <a:schemeClr val="accent2">
+                        <a:lumMod val="40000"/>
+                        <a:lumOff val="60000"/>
+                      </a:schemeClr>
+                    </a:solidFill>
+                  </a:tcPr>
+                </a:tc>
+                <a:tc>
+                  <a:txBody>
+                    <a:bodyPr/>
+                    <a:lstStyle/>
+                    <a:p>
+                      <a:pPr algn="ctr" fontAlgn="ctr"/>
+                      <a:r>
+                        <a:rPr lang="en-US" sz="1400" b="1" i="0" u="none" strike="noStrike" dirty="0" smtClean="0">
+                          <a:solidFill>
+                            <a:srgbClr val="000000"/>
+                          </a:solidFill>
+                          <a:effectLst/>
+                          <a:latin typeface="Calibri"/>
+                        </a:rPr>
+                        <a:t>11530</a:t>
+                      </a:r>
+                      <a:endParaRPr lang="en-US" sz="1400" b="1" i="0" u="none" strike="noStrike" dirty="0">
+                        <a:solidFill>
+                          <a:srgbClr val="000000"/>
+                        </a:solidFill>
+                        <a:effectLst/>
+                        <a:latin typeface="Calibri"/>
+                      </a:endParaRPr>
+                    </a:p>
+                  </a:txBody>
+                  <a:tcPr marL="9525" marR="9525" marT="9525" marB="0" anchor="ctr">
+                    <a:solidFill>
+                      <a:schemeClr val="accent2">
+                        <a:lumMod val="40000"/>
+                        <a:lumOff val="60000"/>
+                      </a:schemeClr>
+                    </a:solidFill>
+                  </a:tcPr>
                 </a:tc>
               </a:tr>
             </a:tbl>
@@ -3619,13 +6102,20 @@
     </p:spTree>
     <p:extLst>
       <p:ext uri="{BB962C8B-B14F-4D97-AF65-F5344CB8AC3E}">
-        <p14:creationId xmlns:p14="http://schemas.microsoft.com/office/powerpoint/2010/main" val="4104887601"/>
+        <p14:creationId xmlns:p14="http://schemas.microsoft.com/office/powerpoint/2010/main" val="376373188"/>
       </p:ext>
     </p:extLst>
   </p:cSld>
   <p:clrMapOvr>
     <a:masterClrMapping/>
   </p:clrMapOvr>
+  <p:timing>
+    <p:tnLst>
+      <p:par>
+        <p:cTn id="1" dur="indefinite" restart="never" nodeType="tmRoot"/>
+      </p:par>
+    </p:tnLst>
+  </p:timing>
 </p:sld>
 </file>
 
@@ -3828,7 +6318,7 @@
                   <a:latin typeface="Candara"/>
                   <a:cs typeface="Candara"/>
                 </a:rPr>
-                <a:t>FlyNet</a:t>
+                <a:t>AlienBee</a:t>
               </a:r>
               <a:r>
                 <a:rPr lang="en-US" sz="2400" dirty="0" smtClean="0">
@@ -3838,27 +6328,7 @@
                   <a:latin typeface="Candara"/>
                   <a:cs typeface="Candara"/>
                 </a:rPr>
-                <a:t>: Autonomous </a:t>
-              </a:r>
-              <a:r>
-                <a:rPr lang="en-US" sz="2400" dirty="0" err="1" smtClean="0">
-                  <a:solidFill>
-                    <a:srgbClr val="FFFFFF"/>
-                  </a:solidFill>
-                  <a:latin typeface="Candara"/>
-                  <a:cs typeface="Candara"/>
-                </a:rPr>
-                <a:t>Quadcopter</a:t>
-              </a:r>
-              <a:r>
-                <a:rPr lang="en-US" sz="2400" dirty="0" smtClean="0">
-                  <a:solidFill>
-                    <a:srgbClr val="FFFFFF"/>
-                  </a:solidFill>
-                  <a:latin typeface="Candara"/>
-                  <a:cs typeface="Candara"/>
-                </a:rPr>
-                <a:t> Search and Rescue</a:t>
+                <a:t> Endurance vs. Payload</a:t>
               </a:r>
               <a:endParaRPr lang="en-US" sz="2400" dirty="0">
                 <a:solidFill>
@@ -3873,7 +6343,7 @@
       </p:grpSp>
       <p:pic>
         <p:nvPicPr>
-          <p:cNvPr id="3" name="Picture 2"/>
+          <p:cNvPr id="2" name="Picture 1"/>
           <p:cNvPicPr>
             <a:picLocks noChangeAspect="1"/>
           </p:cNvPicPr>
@@ -3893,8 +6363,8 @@
         </p:blipFill>
         <p:spPr>
           <a:xfrm>
-            <a:off x="1093658" y="1078028"/>
-            <a:ext cx="7200000" cy="5485715"/>
+            <a:off x="891265" y="986786"/>
+            <a:ext cx="7604786" cy="5492345"/>
           </a:xfrm>
           <a:prstGeom prst="rect">
             <a:avLst/>
@@ -3911,6 +6381,13 @@
   <p:clrMapOvr>
     <a:masterClrMapping/>
   </p:clrMapOvr>
+  <p:timing>
+    <p:tnLst>
+      <p:par>
+        <p:cTn id="1" dur="indefinite" restart="never" nodeType="tmRoot"/>
+      </p:par>
+    </p:tnLst>
+  </p:timing>
 </p:sld>
 </file>
 
@@ -4113,6 +6590,308 @@
                   <a:latin typeface="Candara"/>
                   <a:cs typeface="Candara"/>
                 </a:rPr>
+                <a:t>Matrice</a:t>
+              </a:r>
+              <a:r>
+                <a:rPr lang="en-US" sz="2400" dirty="0" smtClean="0">
+                  <a:solidFill>
+                    <a:srgbClr val="FFFFFF"/>
+                  </a:solidFill>
+                  <a:latin typeface="Candara"/>
+                  <a:cs typeface="Candara"/>
+                </a:rPr>
+                <a:t> Endurance vs. Payload</a:t>
+              </a:r>
+              <a:endParaRPr lang="en-US" sz="2400" dirty="0">
+                <a:solidFill>
+                  <a:srgbClr val="FFFFFF"/>
+                </a:solidFill>
+                <a:latin typeface="Candara"/>
+                <a:cs typeface="Candara"/>
+              </a:endParaRPr>
+            </a:p>
+          </p:txBody>
+        </p:sp>
+      </p:grpSp>
+      <p:pic>
+        <p:nvPicPr>
+          <p:cNvPr id="10" name="Picture 9"/>
+          <p:cNvPicPr>
+            <a:picLocks noChangeAspect="1"/>
+          </p:cNvPicPr>
+          <p:nvPr/>
+        </p:nvPicPr>
+        <p:blipFill>
+          <a:blip r:embed="rId4">
+            <a:extLst>
+              <a:ext uri="{28A0092B-C50C-407E-A947-70E740481C1C}">
+                <a14:useLocalDpi xmlns:a14="http://schemas.microsoft.com/office/drawing/2010/main" val="0"/>
+              </a:ext>
+            </a:extLst>
+          </a:blip>
+          <a:stretch>
+            <a:fillRect/>
+          </a:stretch>
+        </p:blipFill>
+        <p:spPr>
+          <a:xfrm>
+            <a:off x="1434822" y="1021190"/>
+            <a:ext cx="6876191" cy="5333334"/>
+          </a:xfrm>
+          <a:prstGeom prst="rect">
+            <a:avLst/>
+          </a:prstGeom>
+        </p:spPr>
+      </p:pic>
+      <p:pic>
+        <p:nvPicPr>
+          <p:cNvPr id="2" name="Picture 1"/>
+          <p:cNvPicPr>
+            <a:picLocks noChangeAspect="1"/>
+          </p:cNvPicPr>
+          <p:nvPr/>
+        </p:nvPicPr>
+        <p:blipFill>
+          <a:blip r:embed="rId5">
+            <a:extLst>
+              <a:ext uri="{28A0092B-C50C-407E-A947-70E740481C1C}">
+                <a14:useLocalDpi xmlns:a14="http://schemas.microsoft.com/office/drawing/2010/main" val="0"/>
+              </a:ext>
+            </a:extLst>
+          </a:blip>
+          <a:stretch>
+            <a:fillRect/>
+          </a:stretch>
+        </p:blipFill>
+        <p:spPr>
+          <a:xfrm>
+            <a:off x="1043056" y="1021190"/>
+            <a:ext cx="7301204" cy="5536374"/>
+          </a:xfrm>
+          <a:prstGeom prst="rect">
+            <a:avLst/>
+          </a:prstGeom>
+        </p:spPr>
+      </p:pic>
+    </p:spTree>
+    <p:extLst>
+      <p:ext uri="{BB962C8B-B14F-4D97-AF65-F5344CB8AC3E}">
+        <p14:creationId xmlns:p14="http://schemas.microsoft.com/office/powerpoint/2010/main" val="3263740133"/>
+      </p:ext>
+    </p:extLst>
+  </p:cSld>
+  <p:clrMapOvr>
+    <a:masterClrMapping/>
+  </p:clrMapOvr>
+  <p:timing>
+    <p:tnLst>
+      <p:par>
+        <p:cTn id="1" dur="indefinite" restart="never" nodeType="tmRoot"/>
+      </p:par>
+    </p:tnLst>
+  </p:timing>
+</p:sld>
+</file>
+
+<file path=ppt/slides/slide4.xml><?xml version="1.0" encoding="utf-8"?>
+<p:sld xmlns:a="http://schemas.openxmlformats.org/drawingml/2006/main" xmlns:r="http://schemas.openxmlformats.org/officeDocument/2006/relationships" xmlns:p="http://schemas.openxmlformats.org/presentationml/2006/main">
+  <p:cSld>
+    <p:spTree>
+      <p:nvGrpSpPr>
+        <p:cNvPr id="1" name=""/>
+        <p:cNvGrpSpPr/>
+        <p:nvPr/>
+      </p:nvGrpSpPr>
+      <p:grpSpPr>
+        <a:xfrm>
+          <a:off x="0" y="0"/>
+          <a:ext cx="0" cy="0"/>
+          <a:chOff x="0" y="0"/>
+          <a:chExt cx="0" cy="0"/>
+        </a:xfrm>
+      </p:grpSpPr>
+      <p:grpSp>
+        <p:nvGrpSpPr>
+          <p:cNvPr id="4" name="Group 3"/>
+          <p:cNvGrpSpPr/>
+          <p:nvPr/>
+        </p:nvGrpSpPr>
+        <p:grpSpPr>
+          <a:xfrm>
+            <a:off x="0" y="1"/>
+            <a:ext cx="9144000" cy="844012"/>
+            <a:chOff x="0" y="1"/>
+            <a:chExt cx="9144000" cy="844012"/>
+          </a:xfrm>
+        </p:grpSpPr>
+        <p:cxnSp>
+          <p:nvCxnSpPr>
+            <p:cNvPr id="5" name="Straight Connector 4"/>
+            <p:cNvCxnSpPr/>
+            <p:nvPr/>
+          </p:nvCxnSpPr>
+          <p:spPr>
+            <a:xfrm>
+              <a:off x="0" y="844013"/>
+              <a:ext cx="9144000" cy="0"/>
+            </a:xfrm>
+            <a:prstGeom prst="line">
+              <a:avLst/>
+            </a:prstGeom>
+            <a:ln>
+              <a:solidFill>
+                <a:schemeClr val="tx1"/>
+              </a:solidFill>
+            </a:ln>
+            <a:effectLst/>
+          </p:spPr>
+          <p:style>
+            <a:lnRef idx="2">
+              <a:schemeClr val="accent1"/>
+            </a:lnRef>
+            <a:fillRef idx="0">
+              <a:schemeClr val="accent1"/>
+            </a:fillRef>
+            <a:effectRef idx="1">
+              <a:schemeClr val="accent1"/>
+            </a:effectRef>
+            <a:fontRef idx="minor">
+              <a:schemeClr val="tx1"/>
+            </a:fontRef>
+          </p:style>
+        </p:cxnSp>
+        <p:pic>
+          <p:nvPicPr>
+            <p:cNvPr id="6" name="Picture 5" descr="Screen Shot 2015-10-11 at 11.16.20 AM.png"/>
+            <p:cNvPicPr>
+              <a:picLocks noChangeAspect="1"/>
+            </p:cNvPicPr>
+            <p:nvPr/>
+          </p:nvPicPr>
+          <p:blipFill>
+            <a:blip r:embed="rId3">
+              <a:extLst>
+                <a:ext uri="{28A0092B-C50C-407E-A947-70E740481C1C}">
+                  <a14:useLocalDpi xmlns:a14="http://schemas.microsoft.com/office/drawing/2010/main" val="0"/>
+                </a:ext>
+              </a:extLst>
+            </a:blip>
+            <a:stretch>
+              <a:fillRect/>
+            </a:stretch>
+          </p:blipFill>
+          <p:spPr>
+            <a:xfrm>
+              <a:off x="0" y="1"/>
+              <a:ext cx="1151748" cy="844012"/>
+            </a:xfrm>
+            <a:prstGeom prst="rect">
+              <a:avLst/>
+            </a:prstGeom>
+          </p:spPr>
+        </p:pic>
+        <p:sp>
+          <p:nvSpPr>
+            <p:cNvPr id="7" name="Rectangle 6"/>
+            <p:cNvSpPr/>
+            <p:nvPr/>
+          </p:nvSpPr>
+          <p:spPr>
+            <a:xfrm>
+              <a:off x="1151748" y="2283"/>
+              <a:ext cx="7992252" cy="832104"/>
+            </a:xfrm>
+            <a:prstGeom prst="rect">
+              <a:avLst/>
+            </a:prstGeom>
+            <a:solidFill>
+              <a:schemeClr val="tx1"/>
+            </a:solidFill>
+            <a:ln>
+              <a:solidFill>
+                <a:schemeClr val="tx1"/>
+              </a:solidFill>
+            </a:ln>
+            <a:effectLst/>
+          </p:spPr>
+          <p:style>
+            <a:lnRef idx="1">
+              <a:schemeClr val="accent1"/>
+            </a:lnRef>
+            <a:fillRef idx="3">
+              <a:schemeClr val="accent1"/>
+            </a:fillRef>
+            <a:effectRef idx="2">
+              <a:schemeClr val="accent1"/>
+            </a:effectRef>
+            <a:fontRef idx="minor">
+              <a:schemeClr val="lt1"/>
+            </a:fontRef>
+          </p:style>
+          <p:txBody>
+            <a:bodyPr rtlCol="0" anchor="ctr"/>
+            <a:lstStyle/>
+            <a:p>
+              <a:pPr algn="ctr"/>
+              <a:endParaRPr lang="en-US"/>
+            </a:p>
+          </p:txBody>
+        </p:sp>
+        <p:pic>
+          <p:nvPicPr>
+            <p:cNvPr id="8" name="Picture 7"/>
+            <p:cNvPicPr>
+              <a:picLocks noChangeAspect="1"/>
+            </p:cNvPicPr>
+            <p:nvPr/>
+          </p:nvPicPr>
+          <p:blipFill>
+            <a:blip r:embed="rId4"/>
+            <a:stretch>
+              <a:fillRect/>
+            </a:stretch>
+          </p:blipFill>
+          <p:spPr>
+            <a:xfrm>
+              <a:off x="8311013" y="2283"/>
+              <a:ext cx="832987" cy="832987"/>
+            </a:xfrm>
+            <a:prstGeom prst="rect">
+              <a:avLst/>
+            </a:prstGeom>
+          </p:spPr>
+        </p:pic>
+        <p:sp>
+          <p:nvSpPr>
+            <p:cNvPr id="9" name="TextBox 8"/>
+            <p:cNvSpPr txBox="1"/>
+            <p:nvPr/>
+          </p:nvSpPr>
+          <p:spPr>
+            <a:xfrm>
+              <a:off x="1202040" y="188621"/>
+              <a:ext cx="6983237" cy="461665"/>
+            </a:xfrm>
+            <a:prstGeom prst="rect">
+              <a:avLst/>
+            </a:prstGeom>
+            <a:noFill/>
+          </p:spPr>
+          <p:txBody>
+            <a:bodyPr wrap="square" rtlCol="0">
+              <a:spAutoFit/>
+            </a:bodyPr>
+            <a:lstStyle/>
+            <a:p>
+              <a:pPr algn="ctr"/>
+              <a:r>
+                <a:rPr lang="en-US" sz="2400" dirty="0" err="1" smtClean="0">
+                  <a:solidFill>
+                    <a:srgbClr val="FFFFFF"/>
+                  </a:solidFill>
+                  <a:latin typeface="Candara"/>
+                  <a:cs typeface="Candara"/>
+                </a:rPr>
                 <a:t>FlyNet</a:t>
               </a:r>
               <a:r>
@@ -4156,46 +6935,1385 @@
           </p:txBody>
         </p:sp>
       </p:grpSp>
-      <p:pic>
-        <p:nvPicPr>
-          <p:cNvPr id="10" name="Picture 9"/>
-          <p:cNvPicPr>
-            <a:picLocks noChangeAspect="1"/>
-          </p:cNvPicPr>
-          <p:nvPr/>
-        </p:nvPicPr>
-        <p:blipFill>
-          <a:blip r:embed="rId4">
-            <a:extLst>
-              <a:ext uri="{28A0092B-C50C-407E-A947-70E740481C1C}">
-                <a14:useLocalDpi xmlns:a14="http://schemas.microsoft.com/office/drawing/2010/main" val="0"/>
-              </a:ext>
-            </a:extLst>
-          </a:blip>
-          <a:stretch>
-            <a:fillRect/>
-          </a:stretch>
-        </p:blipFill>
-        <p:spPr>
-          <a:xfrm>
-            <a:off x="1434822" y="1021190"/>
-            <a:ext cx="6876191" cy="5333334"/>
-          </a:xfrm>
-          <a:prstGeom prst="rect">
-            <a:avLst/>
-          </a:prstGeom>
-        </p:spPr>
-      </p:pic>
+      <p:graphicFrame>
+        <p:nvGraphicFramePr>
+          <p:cNvPr id="2" name="Table 1"/>
+          <p:cNvGraphicFramePr>
+            <a:graphicFrameLocks noGrp="1"/>
+          </p:cNvGraphicFramePr>
+          <p:nvPr>
+            <p:extLst>
+              <p:ext uri="{D42A27DB-BD31-4B8C-83A1-F6EECF244321}">
+                <p14:modId xmlns:p14="http://schemas.microsoft.com/office/powerpoint/2010/main" val="1522211517"/>
+              </p:ext>
+            </p:extLst>
+          </p:nvPr>
+        </p:nvGraphicFramePr>
+        <p:xfrm>
+          <a:off x="1151748" y="2040882"/>
+          <a:ext cx="7203512" cy="2565400"/>
+        </p:xfrm>
+        <a:graphic>
+          <a:graphicData uri="http://schemas.openxmlformats.org/drawingml/2006/table">
+            <a:tbl>
+              <a:tblPr firstRow="1" bandRow="1">
+                <a:tableStyleId>{5C22544A-7EE6-4342-B048-85BDC9FD1C3A}</a:tableStyleId>
+              </a:tblPr>
+              <a:tblGrid>
+                <a:gridCol w="1456640"/>
+                <a:gridCol w="1885278"/>
+                <a:gridCol w="1709057"/>
+                <a:gridCol w="2152537"/>
+              </a:tblGrid>
+              <a:tr h="370840">
+                <a:tc>
+                  <a:txBody>
+                    <a:bodyPr/>
+                    <a:lstStyle/>
+                    <a:p>
+                      <a:pPr algn="ctr"/>
+                      <a:r>
+                        <a:rPr lang="en-US" dirty="0" smtClean="0"/>
+                        <a:t>System</a:t>
+                      </a:r>
+                      <a:endParaRPr lang="en-US" dirty="0"/>
+                    </a:p>
+                  </a:txBody>
+                  <a:tcPr anchor="ctr"/>
+                </a:tc>
+                <a:tc>
+                  <a:txBody>
+                    <a:bodyPr/>
+                    <a:lstStyle/>
+                    <a:p>
+                      <a:pPr algn="ctr"/>
+                      <a:r>
+                        <a:rPr lang="en-US" dirty="0" smtClean="0"/>
+                        <a:t>Mass</a:t>
+                      </a:r>
+                    </a:p>
+                    <a:p>
+                      <a:pPr algn="ctr"/>
+                      <a:r>
+                        <a:rPr lang="en-US" dirty="0" smtClean="0"/>
+                        <a:t>Normal (1lb PL)</a:t>
+                      </a:r>
+                    </a:p>
+                    <a:p>
+                      <a:pPr algn="ctr"/>
+                      <a:r>
+                        <a:rPr lang="en-US" dirty="0" smtClean="0"/>
+                        <a:t> </a:t>
+                      </a:r>
+                      <a:r>
+                        <a:rPr lang="en-US" dirty="0" smtClean="0"/>
+                        <a:t>[kg]</a:t>
+                      </a:r>
+                      <a:endParaRPr lang="en-US" dirty="0"/>
+                    </a:p>
+                  </a:txBody>
+                  <a:tcPr anchor="ctr"/>
+                </a:tc>
+                <a:tc>
+                  <a:txBody>
+                    <a:bodyPr/>
+                    <a:lstStyle/>
+                    <a:p>
+                      <a:pPr algn="ctr"/>
+                      <a:r>
+                        <a:rPr lang="en-US" dirty="0" smtClean="0"/>
+                        <a:t>Enduranc</a:t>
+                      </a:r>
+                      <a:r>
+                        <a:rPr lang="en-US" baseline="0" dirty="0" smtClean="0"/>
+                        <a:t>e [min]</a:t>
+                      </a:r>
+                      <a:endParaRPr lang="en-US" dirty="0"/>
+                    </a:p>
+                  </a:txBody>
+                  <a:tcPr anchor="ctr"/>
+                </a:tc>
+                <a:tc>
+                  <a:txBody>
+                    <a:bodyPr/>
+                    <a:lstStyle/>
+                    <a:p>
+                      <a:pPr algn="ctr"/>
+                      <a:r>
+                        <a:rPr lang="en-US" baseline="0" dirty="0" smtClean="0"/>
+                        <a:t>Endurance w/ 1lb PL </a:t>
+                      </a:r>
+                      <a:r>
+                        <a:rPr lang="en-US" baseline="0" dirty="0" smtClean="0"/>
+                        <a:t>[min]</a:t>
+                      </a:r>
+                      <a:endParaRPr lang="en-US" dirty="0"/>
+                    </a:p>
+                  </a:txBody>
+                  <a:tcPr anchor="ctr"/>
+                </a:tc>
+              </a:tr>
+              <a:tr h="370840">
+                <a:tc>
+                  <a:txBody>
+                    <a:bodyPr/>
+                    <a:lstStyle/>
+                    <a:p>
+                      <a:pPr algn="ctr"/>
+                      <a:r>
+                        <a:rPr lang="en-US" b="1" dirty="0" smtClean="0"/>
+                        <a:t>M100</a:t>
+                      </a:r>
+                      <a:endParaRPr lang="en-US" b="1" dirty="0"/>
+                    </a:p>
+                  </a:txBody>
+                  <a:tcPr anchor="ctr"/>
+                </a:tc>
+                <a:tc>
+                  <a:txBody>
+                    <a:bodyPr/>
+                    <a:lstStyle/>
+                    <a:p>
+                      <a:pPr algn="ctr"/>
+                      <a:r>
+                        <a:rPr lang="en-US" dirty="0" smtClean="0"/>
+                        <a:t>2.77 (3.22)</a:t>
+                      </a:r>
+                      <a:endParaRPr lang="en-US" dirty="0"/>
+                    </a:p>
+                  </a:txBody>
+                  <a:tcPr anchor="ctr"/>
+                </a:tc>
+                <a:tc>
+                  <a:txBody>
+                    <a:bodyPr/>
+                    <a:lstStyle/>
+                    <a:p>
+                      <a:pPr algn="ctr"/>
+                      <a:r>
+                        <a:rPr lang="en-US" dirty="0" smtClean="0"/>
+                        <a:t>15.2</a:t>
+                      </a:r>
+                      <a:endParaRPr lang="en-US" dirty="0"/>
+                    </a:p>
+                  </a:txBody>
+                  <a:tcPr anchor="ctr"/>
+                </a:tc>
+                <a:tc>
+                  <a:txBody>
+                    <a:bodyPr/>
+                    <a:lstStyle/>
+                    <a:p>
+                      <a:pPr algn="ctr"/>
+                      <a:r>
+                        <a:rPr lang="en-US" dirty="0" smtClean="0"/>
+                        <a:t>12.3</a:t>
+                      </a:r>
+                      <a:endParaRPr lang="en-US" dirty="0"/>
+                    </a:p>
+                  </a:txBody>
+                  <a:tcPr anchor="ctr"/>
+                </a:tc>
+              </a:tr>
+              <a:tr h="370840">
+                <a:tc>
+                  <a:txBody>
+                    <a:bodyPr/>
+                    <a:lstStyle/>
+                    <a:p>
+                      <a:pPr algn="ctr"/>
+                      <a:r>
+                        <a:rPr lang="en-US" b="1" dirty="0" err="1" smtClean="0"/>
+                        <a:t>AlienBee</a:t>
+                      </a:r>
+                      <a:r>
+                        <a:rPr lang="en-US" b="1" baseline="0" dirty="0" smtClean="0"/>
+                        <a:t> w/ RGBD</a:t>
+                      </a:r>
+                      <a:endParaRPr lang="en-US" b="1" dirty="0"/>
+                    </a:p>
+                  </a:txBody>
+                  <a:tcPr anchor="ctr"/>
+                </a:tc>
+                <a:tc>
+                  <a:txBody>
+                    <a:bodyPr/>
+                    <a:lstStyle/>
+                    <a:p>
+                      <a:pPr algn="ctr"/>
+                      <a:r>
+                        <a:rPr lang="en-US" dirty="0" smtClean="0"/>
+                        <a:t>1.91</a:t>
+                      </a:r>
+                      <a:r>
+                        <a:rPr lang="en-US" baseline="0" dirty="0" smtClean="0"/>
+                        <a:t> (2.36)</a:t>
+                      </a:r>
+                      <a:endParaRPr lang="en-US" dirty="0"/>
+                    </a:p>
+                  </a:txBody>
+                  <a:tcPr anchor="ctr"/>
+                </a:tc>
+                <a:tc>
+                  <a:txBody>
+                    <a:bodyPr/>
+                    <a:lstStyle/>
+                    <a:p>
+                      <a:pPr algn="ctr"/>
+                      <a:r>
+                        <a:rPr lang="en-US" dirty="0" smtClean="0"/>
+                        <a:t>12.4</a:t>
+                      </a:r>
+                      <a:endParaRPr lang="en-US" dirty="0"/>
+                    </a:p>
+                  </a:txBody>
+                  <a:tcPr anchor="ctr"/>
+                </a:tc>
+                <a:tc>
+                  <a:txBody>
+                    <a:bodyPr/>
+                    <a:lstStyle/>
+                    <a:p>
+                      <a:pPr algn="ctr"/>
+                      <a:r>
+                        <a:rPr lang="en-US" dirty="0" smtClean="0"/>
+                        <a:t>9.3</a:t>
+                      </a:r>
+                      <a:endParaRPr lang="en-US" dirty="0"/>
+                    </a:p>
+                  </a:txBody>
+                  <a:tcPr anchor="ctr"/>
+                </a:tc>
+              </a:tr>
+              <a:tr h="370840">
+                <a:tc>
+                  <a:txBody>
+                    <a:bodyPr/>
+                    <a:lstStyle/>
+                    <a:p>
+                      <a:pPr algn="ctr"/>
+                      <a:r>
+                        <a:rPr lang="en-US" b="1" dirty="0" err="1" smtClean="0"/>
+                        <a:t>AlienBee</a:t>
+                      </a:r>
+                      <a:r>
+                        <a:rPr lang="en-US" b="1" dirty="0" smtClean="0"/>
+                        <a:t> w/ Guidance</a:t>
+                      </a:r>
+                      <a:endParaRPr lang="en-US" b="1" dirty="0"/>
+                    </a:p>
+                  </a:txBody>
+                  <a:tcPr anchor="ctr"/>
+                </a:tc>
+                <a:tc>
+                  <a:txBody>
+                    <a:bodyPr/>
+                    <a:lstStyle/>
+                    <a:p>
+                      <a:pPr algn="ctr"/>
+                      <a:r>
+                        <a:rPr lang="en-US" dirty="0" smtClean="0"/>
+                        <a:t>1.93</a:t>
+                      </a:r>
+                      <a:r>
+                        <a:rPr lang="en-US" baseline="0" dirty="0" smtClean="0"/>
+                        <a:t> (2.38)</a:t>
+                      </a:r>
+                      <a:endParaRPr lang="en-US" dirty="0"/>
+                    </a:p>
+                  </a:txBody>
+                  <a:tcPr anchor="ctr"/>
+                </a:tc>
+                <a:tc>
+                  <a:txBody>
+                    <a:bodyPr/>
+                    <a:lstStyle/>
+                    <a:p>
+                      <a:pPr algn="ctr"/>
+                      <a:r>
+                        <a:rPr lang="en-US" dirty="0" smtClean="0"/>
+                        <a:t>12.6</a:t>
+                      </a:r>
+                      <a:endParaRPr lang="en-US" dirty="0"/>
+                    </a:p>
+                  </a:txBody>
+                  <a:tcPr anchor="ctr"/>
+                </a:tc>
+                <a:tc>
+                  <a:txBody>
+                    <a:bodyPr/>
+                    <a:lstStyle/>
+                    <a:p>
+                      <a:pPr algn="ctr"/>
+                      <a:r>
+                        <a:rPr lang="en-US" dirty="0" smtClean="0"/>
+                        <a:t>9.4</a:t>
+                      </a:r>
+                      <a:endParaRPr lang="en-US" dirty="0"/>
+                    </a:p>
+                  </a:txBody>
+                  <a:tcPr anchor="ctr"/>
+                </a:tc>
+              </a:tr>
+            </a:tbl>
+          </a:graphicData>
+        </a:graphic>
+      </p:graphicFrame>
     </p:spTree>
     <p:extLst>
       <p:ext uri="{BB962C8B-B14F-4D97-AF65-F5344CB8AC3E}">
-        <p14:creationId xmlns:p14="http://schemas.microsoft.com/office/powerpoint/2010/main" val="3263740133"/>
+        <p14:creationId xmlns:p14="http://schemas.microsoft.com/office/powerpoint/2010/main" val="4104887601"/>
       </p:ext>
     </p:extLst>
   </p:cSld>
   <p:clrMapOvr>
     <a:masterClrMapping/>
   </p:clrMapOvr>
+  <p:timing>
+    <p:tnLst>
+      <p:par>
+        <p:cTn id="1" dur="indefinite" restart="never" nodeType="tmRoot"/>
+      </p:par>
+    </p:tnLst>
+  </p:timing>
+</p:sld>
+</file>
+
+<file path=ppt/slides/slide5.xml><?xml version="1.0" encoding="utf-8"?>
+<p:sld xmlns:a="http://schemas.openxmlformats.org/drawingml/2006/main" xmlns:r="http://schemas.openxmlformats.org/officeDocument/2006/relationships" xmlns:p="http://schemas.openxmlformats.org/presentationml/2006/main">
+  <p:cSld>
+    <p:spTree>
+      <p:nvGrpSpPr>
+        <p:cNvPr id="1" name=""/>
+        <p:cNvGrpSpPr/>
+        <p:nvPr/>
+      </p:nvGrpSpPr>
+      <p:grpSpPr>
+        <a:xfrm>
+          <a:off x="0" y="0"/>
+          <a:ext cx="0" cy="0"/>
+          <a:chOff x="0" y="0"/>
+          <a:chExt cx="0" cy="0"/>
+        </a:xfrm>
+      </p:grpSpPr>
+      <p:grpSp>
+        <p:nvGrpSpPr>
+          <p:cNvPr id="4" name="Group 3"/>
+          <p:cNvGrpSpPr/>
+          <p:nvPr/>
+        </p:nvGrpSpPr>
+        <p:grpSpPr>
+          <a:xfrm>
+            <a:off x="0" y="1"/>
+            <a:ext cx="9144000" cy="844012"/>
+            <a:chOff x="0" y="1"/>
+            <a:chExt cx="9144000" cy="844012"/>
+          </a:xfrm>
+        </p:grpSpPr>
+        <p:cxnSp>
+          <p:nvCxnSpPr>
+            <p:cNvPr id="5" name="Straight Connector 4"/>
+            <p:cNvCxnSpPr/>
+            <p:nvPr/>
+          </p:nvCxnSpPr>
+          <p:spPr>
+            <a:xfrm>
+              <a:off x="0" y="844013"/>
+              <a:ext cx="9144000" cy="0"/>
+            </a:xfrm>
+            <a:prstGeom prst="line">
+              <a:avLst/>
+            </a:prstGeom>
+            <a:ln>
+              <a:solidFill>
+                <a:schemeClr val="tx1"/>
+              </a:solidFill>
+            </a:ln>
+            <a:effectLst/>
+          </p:spPr>
+          <p:style>
+            <a:lnRef idx="2">
+              <a:schemeClr val="accent1"/>
+            </a:lnRef>
+            <a:fillRef idx="0">
+              <a:schemeClr val="accent1"/>
+            </a:fillRef>
+            <a:effectRef idx="1">
+              <a:schemeClr val="accent1"/>
+            </a:effectRef>
+            <a:fontRef idx="minor">
+              <a:schemeClr val="tx1"/>
+            </a:fontRef>
+          </p:style>
+        </p:cxnSp>
+        <p:pic>
+          <p:nvPicPr>
+            <p:cNvPr id="6" name="Picture 5" descr="Screen Shot 2015-10-11 at 11.16.20 AM.png"/>
+            <p:cNvPicPr>
+              <a:picLocks noChangeAspect="1"/>
+            </p:cNvPicPr>
+            <p:nvPr/>
+          </p:nvPicPr>
+          <p:blipFill>
+            <a:blip r:embed="rId2">
+              <a:extLst>
+                <a:ext uri="{28A0092B-C50C-407E-A947-70E740481C1C}">
+                  <a14:useLocalDpi xmlns:a14="http://schemas.microsoft.com/office/drawing/2010/main" val="0"/>
+                </a:ext>
+              </a:extLst>
+            </a:blip>
+            <a:stretch>
+              <a:fillRect/>
+            </a:stretch>
+          </p:blipFill>
+          <p:spPr>
+            <a:xfrm>
+              <a:off x="0" y="1"/>
+              <a:ext cx="1151748" cy="844012"/>
+            </a:xfrm>
+            <a:prstGeom prst="rect">
+              <a:avLst/>
+            </a:prstGeom>
+          </p:spPr>
+        </p:pic>
+        <p:sp>
+          <p:nvSpPr>
+            <p:cNvPr id="7" name="Rectangle 6"/>
+            <p:cNvSpPr/>
+            <p:nvPr/>
+          </p:nvSpPr>
+          <p:spPr>
+            <a:xfrm>
+              <a:off x="1151748" y="2283"/>
+              <a:ext cx="7992252" cy="832104"/>
+            </a:xfrm>
+            <a:prstGeom prst="rect">
+              <a:avLst/>
+            </a:prstGeom>
+            <a:solidFill>
+              <a:schemeClr val="tx1"/>
+            </a:solidFill>
+            <a:ln>
+              <a:solidFill>
+                <a:schemeClr val="tx1"/>
+              </a:solidFill>
+            </a:ln>
+            <a:effectLst/>
+          </p:spPr>
+          <p:style>
+            <a:lnRef idx="1">
+              <a:schemeClr val="accent1"/>
+            </a:lnRef>
+            <a:fillRef idx="3">
+              <a:schemeClr val="accent1"/>
+            </a:fillRef>
+            <a:effectRef idx="2">
+              <a:schemeClr val="accent1"/>
+            </a:effectRef>
+            <a:fontRef idx="minor">
+              <a:schemeClr val="lt1"/>
+            </a:fontRef>
+          </p:style>
+          <p:txBody>
+            <a:bodyPr rtlCol="0" anchor="ctr"/>
+            <a:lstStyle/>
+            <a:p>
+              <a:pPr algn="ctr"/>
+              <a:endParaRPr lang="en-US"/>
+            </a:p>
+          </p:txBody>
+        </p:sp>
+        <p:pic>
+          <p:nvPicPr>
+            <p:cNvPr id="8" name="Picture 7"/>
+            <p:cNvPicPr>
+              <a:picLocks noChangeAspect="1"/>
+            </p:cNvPicPr>
+            <p:nvPr/>
+          </p:nvPicPr>
+          <p:blipFill>
+            <a:blip r:embed="rId3"/>
+            <a:stretch>
+              <a:fillRect/>
+            </a:stretch>
+          </p:blipFill>
+          <p:spPr>
+            <a:xfrm>
+              <a:off x="8311013" y="2283"/>
+              <a:ext cx="832987" cy="832987"/>
+            </a:xfrm>
+            <a:prstGeom prst="rect">
+              <a:avLst/>
+            </a:prstGeom>
+          </p:spPr>
+        </p:pic>
+        <p:sp>
+          <p:nvSpPr>
+            <p:cNvPr id="9" name="TextBox 8"/>
+            <p:cNvSpPr txBox="1"/>
+            <p:nvPr/>
+          </p:nvSpPr>
+          <p:spPr>
+            <a:xfrm>
+              <a:off x="1202040" y="188621"/>
+              <a:ext cx="6983237" cy="461665"/>
+            </a:xfrm>
+            <a:prstGeom prst="rect">
+              <a:avLst/>
+            </a:prstGeom>
+            <a:noFill/>
+          </p:spPr>
+          <p:txBody>
+            <a:bodyPr wrap="square" rtlCol="0">
+              <a:spAutoFit/>
+            </a:bodyPr>
+            <a:lstStyle/>
+            <a:p>
+              <a:pPr algn="ctr"/>
+              <a:r>
+                <a:rPr lang="en-US" sz="2400" dirty="0" err="1" smtClean="0">
+                  <a:solidFill>
+                    <a:srgbClr val="FFFFFF"/>
+                  </a:solidFill>
+                  <a:latin typeface="Candara"/>
+                  <a:cs typeface="Candara"/>
+                </a:rPr>
+                <a:t>Matrice</a:t>
+              </a:r>
+              <a:r>
+                <a:rPr lang="en-US" sz="2400" dirty="0" smtClean="0">
+                  <a:solidFill>
+                    <a:srgbClr val="FFFFFF"/>
+                  </a:solidFill>
+                  <a:latin typeface="Candara"/>
+                  <a:cs typeface="Candara"/>
+                </a:rPr>
+                <a:t> 100 Mass Budget</a:t>
+              </a:r>
+              <a:endParaRPr lang="en-US" sz="2400" dirty="0">
+                <a:solidFill>
+                  <a:srgbClr val="FFFFFF"/>
+                </a:solidFill>
+                <a:latin typeface="Candara"/>
+                <a:cs typeface="Candara"/>
+              </a:endParaRPr>
+            </a:p>
+          </p:txBody>
+        </p:sp>
+      </p:grpSp>
+      <p:graphicFrame>
+        <p:nvGraphicFramePr>
+          <p:cNvPr id="2" name="Table 1"/>
+          <p:cNvGraphicFramePr>
+            <a:graphicFrameLocks noGrp="1"/>
+          </p:cNvGraphicFramePr>
+          <p:nvPr>
+            <p:extLst>
+              <p:ext uri="{D42A27DB-BD31-4B8C-83A1-F6EECF244321}">
+                <p14:modId xmlns:p14="http://schemas.microsoft.com/office/powerpoint/2010/main" val="4117295954"/>
+              </p:ext>
+            </p:extLst>
+          </p:nvPr>
+        </p:nvGraphicFramePr>
+        <p:xfrm>
+          <a:off x="1882160" y="1657350"/>
+          <a:ext cx="5379680" cy="3252106"/>
+        </p:xfrm>
+        <a:graphic>
+          <a:graphicData uri="http://schemas.openxmlformats.org/drawingml/2006/table">
+            <a:tbl>
+              <a:tblPr>
+                <a:tableStyleId>{5C22544A-7EE6-4342-B048-85BDC9FD1C3A}</a:tableStyleId>
+              </a:tblPr>
+              <a:tblGrid>
+                <a:gridCol w="3372102"/>
+                <a:gridCol w="1003789"/>
+                <a:gridCol w="1003789"/>
+              </a:tblGrid>
+              <a:tr h="295646">
+                <a:tc>
+                  <a:txBody>
+                    <a:bodyPr/>
+                    <a:lstStyle/>
+                    <a:p>
+                      <a:pPr algn="ctr" fontAlgn="b"/>
+                      <a:r>
+                        <a:rPr lang="en-US" sz="1400" b="1" i="0" u="none" strike="noStrike" dirty="0" smtClean="0">
+                          <a:solidFill>
+                            <a:srgbClr val="000000"/>
+                          </a:solidFill>
+                          <a:effectLst/>
+                          <a:latin typeface="Calibri"/>
+                        </a:rPr>
+                        <a:t>Item</a:t>
+                      </a:r>
+                      <a:endParaRPr lang="en-US" sz="1400" b="1" i="0" u="none" strike="noStrike" dirty="0">
+                        <a:solidFill>
+                          <a:srgbClr val="000000"/>
+                        </a:solidFill>
+                        <a:effectLst/>
+                        <a:latin typeface="Calibri"/>
+                      </a:endParaRPr>
+                    </a:p>
+                  </a:txBody>
+                  <a:tcPr marL="9525" marR="9525" marT="9525" marB="0" anchor="ctr"/>
+                </a:tc>
+                <a:tc>
+                  <a:txBody>
+                    <a:bodyPr/>
+                    <a:lstStyle/>
+                    <a:p>
+                      <a:pPr algn="ctr" fontAlgn="b"/>
+                      <a:r>
+                        <a:rPr lang="en-US" sz="1400" b="1" i="0" u="none" strike="noStrike" dirty="0" smtClean="0">
+                          <a:solidFill>
+                            <a:srgbClr val="000000"/>
+                          </a:solidFill>
+                          <a:effectLst/>
+                          <a:latin typeface="Calibri"/>
+                        </a:rPr>
+                        <a:t>QTY</a:t>
+                      </a:r>
+                      <a:endParaRPr lang="en-US" sz="1400" b="1" i="0" u="none" strike="noStrike" dirty="0">
+                        <a:solidFill>
+                          <a:srgbClr val="000000"/>
+                        </a:solidFill>
+                        <a:effectLst/>
+                        <a:latin typeface="Calibri"/>
+                      </a:endParaRPr>
+                    </a:p>
+                  </a:txBody>
+                  <a:tcPr marL="9525" marR="9525" marT="9525" marB="0" anchor="ctr"/>
+                </a:tc>
+                <a:tc>
+                  <a:txBody>
+                    <a:bodyPr/>
+                    <a:lstStyle/>
+                    <a:p>
+                      <a:pPr algn="ctr" fontAlgn="b"/>
+                      <a:r>
+                        <a:rPr lang="en-US" sz="1400" b="1" i="0" u="none" strike="noStrike" dirty="0" smtClean="0">
+                          <a:solidFill>
+                            <a:srgbClr val="000000"/>
+                          </a:solidFill>
+                          <a:effectLst/>
+                          <a:latin typeface="Calibri"/>
+                        </a:rPr>
+                        <a:t>Mass</a:t>
+                      </a:r>
+                      <a:r>
+                        <a:rPr lang="en-US" sz="1400" b="1" i="0" u="none" strike="noStrike" baseline="0" dirty="0" smtClean="0">
+                          <a:solidFill>
+                            <a:srgbClr val="000000"/>
+                          </a:solidFill>
+                          <a:effectLst/>
+                          <a:latin typeface="Calibri"/>
+                        </a:rPr>
+                        <a:t> [g]</a:t>
+                      </a:r>
+                      <a:endParaRPr lang="en-US" sz="1400" b="1" i="0" u="none" strike="noStrike" dirty="0">
+                        <a:solidFill>
+                          <a:srgbClr val="000000"/>
+                        </a:solidFill>
+                        <a:effectLst/>
+                        <a:latin typeface="Calibri"/>
+                      </a:endParaRPr>
+                    </a:p>
+                  </a:txBody>
+                  <a:tcPr marL="9525" marR="9525" marT="9525" marB="0" anchor="ctr"/>
+                </a:tc>
+              </a:tr>
+              <a:tr h="295646">
+                <a:tc>
+                  <a:txBody>
+                    <a:bodyPr/>
+                    <a:lstStyle/>
+                    <a:p>
+                      <a:pPr algn="l" fontAlgn="b"/>
+                      <a:r>
+                        <a:rPr lang="en-US" sz="1100" u="none" strike="noStrike" dirty="0">
+                          <a:effectLst/>
+                        </a:rPr>
+                        <a:t>Intelligent Flight Battery TB47D</a:t>
+                      </a:r>
+                      <a:endParaRPr lang="en-US" sz="1100" b="0" i="0" u="none" strike="noStrike" dirty="0">
+                        <a:solidFill>
+                          <a:srgbClr val="000000"/>
+                        </a:solidFill>
+                        <a:effectLst/>
+                        <a:latin typeface="Calibri"/>
+                      </a:endParaRPr>
+                    </a:p>
+                  </a:txBody>
+                  <a:tcPr marL="9525" marR="9525" marT="9525" marB="0" anchor="ctr"/>
+                </a:tc>
+                <a:tc>
+                  <a:txBody>
+                    <a:bodyPr/>
+                    <a:lstStyle/>
+                    <a:p>
+                      <a:pPr algn="ctr" fontAlgn="b"/>
+                      <a:r>
+                        <a:rPr lang="en-US" sz="1100" u="none" strike="noStrike">
+                          <a:effectLst/>
+                        </a:rPr>
+                        <a:t>1</a:t>
+                      </a:r>
+                      <a:endParaRPr lang="en-US" sz="1100" b="0" i="0" u="none" strike="noStrike">
+                        <a:solidFill>
+                          <a:srgbClr val="000000"/>
+                        </a:solidFill>
+                        <a:effectLst/>
+                        <a:latin typeface="Calibri"/>
+                      </a:endParaRPr>
+                    </a:p>
+                  </a:txBody>
+                  <a:tcPr marL="9525" marR="9525" marT="9525" marB="0" anchor="ctr"/>
+                </a:tc>
+                <a:tc>
+                  <a:txBody>
+                    <a:bodyPr/>
+                    <a:lstStyle/>
+                    <a:p>
+                      <a:pPr algn="ctr" fontAlgn="b"/>
+                      <a:r>
+                        <a:rPr lang="en-US" sz="1100" u="none" strike="noStrike" dirty="0" smtClean="0">
+                          <a:effectLst/>
+                        </a:rPr>
+                        <a:t>600</a:t>
+                      </a:r>
+                      <a:endParaRPr lang="en-US" sz="1100" b="0" i="0" u="none" strike="noStrike" dirty="0">
+                        <a:solidFill>
+                          <a:srgbClr val="000000"/>
+                        </a:solidFill>
+                        <a:effectLst/>
+                        <a:latin typeface="Calibri"/>
+                      </a:endParaRPr>
+                    </a:p>
+                  </a:txBody>
+                  <a:tcPr marL="9525" marR="9525" marT="9525" marB="0" anchor="ctr"/>
+                </a:tc>
+              </a:tr>
+              <a:tr h="295646">
+                <a:tc>
+                  <a:txBody>
+                    <a:bodyPr/>
+                    <a:lstStyle/>
+                    <a:p>
+                      <a:pPr algn="l" fontAlgn="b"/>
+                      <a:r>
+                        <a:rPr lang="en-US" sz="1100" b="0" i="0" u="none" strike="noStrike" dirty="0" err="1">
+                          <a:solidFill>
+                            <a:srgbClr val="000000"/>
+                          </a:solidFill>
+                          <a:effectLst/>
+                          <a:latin typeface="Calibri"/>
+                        </a:rPr>
+                        <a:t>Odroid</a:t>
+                      </a:r>
+                      <a:r>
+                        <a:rPr lang="en-US" sz="1100" b="0" i="0" u="none" strike="noStrike" dirty="0">
+                          <a:solidFill>
+                            <a:srgbClr val="000000"/>
+                          </a:solidFill>
+                          <a:effectLst/>
+                          <a:latin typeface="Calibri"/>
+                        </a:rPr>
+                        <a:t> XU4</a:t>
+                      </a:r>
+                    </a:p>
+                  </a:txBody>
+                  <a:tcPr marL="9525" marR="9525" marT="9525" marB="0" anchor="ctr"/>
+                </a:tc>
+                <a:tc>
+                  <a:txBody>
+                    <a:bodyPr/>
+                    <a:lstStyle/>
+                    <a:p>
+                      <a:pPr algn="ctr" fontAlgn="b"/>
+                      <a:r>
+                        <a:rPr lang="en-US" sz="1100" b="0" i="0" u="none" strike="noStrike" dirty="0">
+                          <a:solidFill>
+                            <a:srgbClr val="000000"/>
+                          </a:solidFill>
+                          <a:effectLst/>
+                          <a:latin typeface="Calibri"/>
+                        </a:rPr>
+                        <a:t>1</a:t>
+                      </a:r>
+                    </a:p>
+                  </a:txBody>
+                  <a:tcPr marL="9525" marR="9525" marT="9525" marB="0" anchor="ctr"/>
+                </a:tc>
+                <a:tc>
+                  <a:txBody>
+                    <a:bodyPr/>
+                    <a:lstStyle/>
+                    <a:p>
+                      <a:pPr algn="ctr" fontAlgn="b"/>
+                      <a:r>
+                        <a:rPr lang="en-US" sz="1100" b="0" i="0" u="none" strike="noStrike" dirty="0">
+                          <a:solidFill>
+                            <a:srgbClr val="000000"/>
+                          </a:solidFill>
+                          <a:effectLst/>
+                          <a:latin typeface="Calibri"/>
+                        </a:rPr>
+                        <a:t>64.2</a:t>
+                      </a:r>
+                    </a:p>
+                  </a:txBody>
+                  <a:tcPr marL="9525" marR="9525" marT="9525" marB="0" anchor="ctr"/>
+                </a:tc>
+              </a:tr>
+              <a:tr h="295646">
+                <a:tc>
+                  <a:txBody>
+                    <a:bodyPr/>
+                    <a:lstStyle/>
+                    <a:p>
+                      <a:pPr algn="l" fontAlgn="b"/>
+                      <a:r>
+                        <a:rPr lang="en-US" sz="1100" b="0" i="0" u="none" strike="noStrike">
+                          <a:solidFill>
+                            <a:srgbClr val="000000"/>
+                          </a:solidFill>
+                          <a:effectLst/>
+                          <a:latin typeface="Calibri"/>
+                        </a:rPr>
+                        <a:t>FLIR Lepton LWIR Camera</a:t>
+                      </a:r>
+                    </a:p>
+                  </a:txBody>
+                  <a:tcPr marL="9525" marR="9525" marT="9525" marB="0" anchor="ctr"/>
+                </a:tc>
+                <a:tc>
+                  <a:txBody>
+                    <a:bodyPr/>
+                    <a:lstStyle/>
+                    <a:p>
+                      <a:pPr algn="ctr" fontAlgn="b"/>
+                      <a:r>
+                        <a:rPr lang="en-US" sz="1100" b="0" i="0" u="none" strike="noStrike">
+                          <a:solidFill>
+                            <a:srgbClr val="000000"/>
+                          </a:solidFill>
+                          <a:effectLst/>
+                          <a:latin typeface="Calibri"/>
+                        </a:rPr>
+                        <a:t>1</a:t>
+                      </a:r>
+                    </a:p>
+                  </a:txBody>
+                  <a:tcPr marL="9525" marR="9525" marT="9525" marB="0" anchor="ctr"/>
+                </a:tc>
+                <a:tc>
+                  <a:txBody>
+                    <a:bodyPr/>
+                    <a:lstStyle/>
+                    <a:p>
+                      <a:pPr algn="ctr" fontAlgn="b"/>
+                      <a:r>
+                        <a:rPr lang="en-US" sz="1100" b="0" i="0" u="none" strike="noStrike" dirty="0">
+                          <a:solidFill>
+                            <a:srgbClr val="000000"/>
+                          </a:solidFill>
+                          <a:effectLst/>
+                          <a:latin typeface="Calibri"/>
+                        </a:rPr>
+                        <a:t>0.55</a:t>
+                      </a:r>
+                    </a:p>
+                  </a:txBody>
+                  <a:tcPr marL="9525" marR="9525" marT="9525" marB="0" anchor="ctr"/>
+                </a:tc>
+              </a:tr>
+              <a:tr h="295646">
+                <a:tc>
+                  <a:txBody>
+                    <a:bodyPr/>
+                    <a:lstStyle/>
+                    <a:p>
+                      <a:pPr algn="l" fontAlgn="b"/>
+                      <a:r>
+                        <a:rPr lang="en-US" sz="1100" b="0" i="0" u="none" strike="noStrike">
+                          <a:solidFill>
+                            <a:srgbClr val="000000"/>
+                          </a:solidFill>
+                          <a:effectLst/>
+                          <a:latin typeface="Calibri"/>
+                        </a:rPr>
+                        <a:t>Guidance</a:t>
+                      </a:r>
+                    </a:p>
+                  </a:txBody>
+                  <a:tcPr marL="9525" marR="9525" marT="9525" marB="0" anchor="ctr"/>
+                </a:tc>
+                <a:tc>
+                  <a:txBody>
+                    <a:bodyPr/>
+                    <a:lstStyle/>
+                    <a:p>
+                      <a:pPr algn="ctr" fontAlgn="b"/>
+                      <a:r>
+                        <a:rPr lang="en-US" sz="1100" b="0" i="0" u="none" strike="noStrike">
+                          <a:solidFill>
+                            <a:srgbClr val="000000"/>
+                          </a:solidFill>
+                          <a:effectLst/>
+                          <a:latin typeface="Calibri"/>
+                        </a:rPr>
+                        <a:t>1</a:t>
+                      </a:r>
+                    </a:p>
+                  </a:txBody>
+                  <a:tcPr marL="9525" marR="9525" marT="9525" marB="0" anchor="ctr"/>
+                </a:tc>
+                <a:tc>
+                  <a:txBody>
+                    <a:bodyPr/>
+                    <a:lstStyle/>
+                    <a:p>
+                      <a:pPr algn="ctr" fontAlgn="b"/>
+                      <a:r>
+                        <a:rPr lang="en-US" sz="1100" b="0" i="0" u="none" strike="noStrike" dirty="0">
+                          <a:solidFill>
+                            <a:srgbClr val="000000"/>
+                          </a:solidFill>
+                          <a:effectLst/>
+                          <a:latin typeface="Calibri"/>
+                        </a:rPr>
+                        <a:t>291</a:t>
+                      </a:r>
+                    </a:p>
+                  </a:txBody>
+                  <a:tcPr marL="9525" marR="9525" marT="9525" marB="0" anchor="ctr"/>
+                </a:tc>
+              </a:tr>
+              <a:tr h="295646">
+                <a:tc>
+                  <a:txBody>
+                    <a:bodyPr/>
+                    <a:lstStyle/>
+                    <a:p>
+                      <a:pPr algn="l" fontAlgn="b"/>
+                      <a:r>
+                        <a:rPr lang="en-US" sz="1100" b="0" i="0" u="none" strike="noStrike" dirty="0">
+                          <a:solidFill>
+                            <a:srgbClr val="000000"/>
+                          </a:solidFill>
+                          <a:effectLst/>
+                          <a:latin typeface="Calibri"/>
+                        </a:rPr>
+                        <a:t>DJI </a:t>
+                      </a:r>
+                      <a:r>
+                        <a:rPr lang="en-US" sz="1100" b="0" i="0" u="none" strike="noStrike" dirty="0" err="1">
+                          <a:solidFill>
+                            <a:srgbClr val="000000"/>
+                          </a:solidFill>
+                          <a:effectLst/>
+                          <a:latin typeface="Calibri"/>
+                        </a:rPr>
+                        <a:t>Matrice</a:t>
+                      </a:r>
+                      <a:r>
+                        <a:rPr lang="en-US" sz="1100" b="0" i="0" u="none" strike="noStrike" dirty="0">
+                          <a:solidFill>
+                            <a:srgbClr val="000000"/>
+                          </a:solidFill>
+                          <a:effectLst/>
+                          <a:latin typeface="Calibri"/>
+                        </a:rPr>
+                        <a:t> 100</a:t>
+                      </a:r>
+                    </a:p>
+                  </a:txBody>
+                  <a:tcPr marL="9525" marR="9525" marT="9525" marB="0" anchor="ctr"/>
+                </a:tc>
+                <a:tc>
+                  <a:txBody>
+                    <a:bodyPr/>
+                    <a:lstStyle/>
+                    <a:p>
+                      <a:pPr algn="ctr" fontAlgn="b"/>
+                      <a:r>
+                        <a:rPr lang="en-US" sz="1100" b="0" i="0" u="none" strike="noStrike">
+                          <a:solidFill>
+                            <a:srgbClr val="000000"/>
+                          </a:solidFill>
+                          <a:effectLst/>
+                          <a:latin typeface="Calibri"/>
+                        </a:rPr>
+                        <a:t>1</a:t>
+                      </a:r>
+                    </a:p>
+                  </a:txBody>
+                  <a:tcPr marL="9525" marR="9525" marT="9525" marB="0" anchor="ctr"/>
+                </a:tc>
+                <a:tc>
+                  <a:txBody>
+                    <a:bodyPr/>
+                    <a:lstStyle/>
+                    <a:p>
+                      <a:pPr algn="ctr" fontAlgn="b"/>
+                      <a:r>
+                        <a:rPr lang="en-US" sz="1100" b="0" i="0" u="none" strike="noStrike" dirty="0">
+                          <a:solidFill>
+                            <a:srgbClr val="000000"/>
+                          </a:solidFill>
+                          <a:effectLst/>
+                          <a:latin typeface="Calibri"/>
+                        </a:rPr>
+                        <a:t>1083</a:t>
+                      </a:r>
+                    </a:p>
+                  </a:txBody>
+                  <a:tcPr marL="9525" marR="9525" marT="9525" marB="0" anchor="ctr"/>
+                </a:tc>
+              </a:tr>
+              <a:tr h="295646">
+                <a:tc>
+                  <a:txBody>
+                    <a:bodyPr/>
+                    <a:lstStyle/>
+                    <a:p>
+                      <a:pPr algn="l" fontAlgn="b"/>
+                      <a:r>
+                        <a:rPr lang="en-US" sz="1100" b="0" i="0" u="none" strike="noStrike" dirty="0">
+                          <a:solidFill>
+                            <a:srgbClr val="000000"/>
+                          </a:solidFill>
+                          <a:effectLst/>
+                          <a:latin typeface="Calibri"/>
+                        </a:rPr>
+                        <a:t>Customer Payload (1lb)</a:t>
+                      </a:r>
+                    </a:p>
+                  </a:txBody>
+                  <a:tcPr marL="9525" marR="9525" marT="9525" marB="0" anchor="ctr"/>
+                </a:tc>
+                <a:tc>
+                  <a:txBody>
+                    <a:bodyPr/>
+                    <a:lstStyle/>
+                    <a:p>
+                      <a:pPr algn="ctr" fontAlgn="b"/>
+                      <a:r>
+                        <a:rPr lang="en-US" sz="1100" b="0" i="0" u="none" strike="noStrike">
+                          <a:solidFill>
+                            <a:srgbClr val="000000"/>
+                          </a:solidFill>
+                          <a:effectLst/>
+                          <a:latin typeface="Calibri"/>
+                        </a:rPr>
+                        <a:t>1</a:t>
+                      </a:r>
+                    </a:p>
+                  </a:txBody>
+                  <a:tcPr marL="9525" marR="9525" marT="9525" marB="0" anchor="ctr"/>
+                </a:tc>
+                <a:tc>
+                  <a:txBody>
+                    <a:bodyPr/>
+                    <a:lstStyle/>
+                    <a:p>
+                      <a:pPr algn="ctr" fontAlgn="b"/>
+                      <a:r>
+                        <a:rPr lang="en-US" sz="1100" b="0" i="0" u="none" strike="noStrike" dirty="0">
+                          <a:solidFill>
+                            <a:srgbClr val="000000"/>
+                          </a:solidFill>
+                          <a:effectLst/>
+                          <a:latin typeface="Calibri"/>
+                        </a:rPr>
+                        <a:t>453.59</a:t>
+                      </a:r>
+                    </a:p>
+                  </a:txBody>
+                  <a:tcPr marL="9525" marR="9525" marT="9525" marB="0" anchor="ctr"/>
+                </a:tc>
+              </a:tr>
+              <a:tr h="295646">
+                <a:tc>
+                  <a:txBody>
+                    <a:bodyPr/>
+                    <a:lstStyle/>
+                    <a:p>
+                      <a:pPr algn="l" fontAlgn="b"/>
+                      <a:r>
+                        <a:rPr lang="en-US" sz="1100" b="0" i="0" u="none" strike="noStrike" dirty="0">
+                          <a:solidFill>
+                            <a:srgbClr val="000000"/>
+                          </a:solidFill>
+                          <a:effectLst/>
+                          <a:latin typeface="Calibri"/>
+                        </a:rPr>
+                        <a:t>DJI E 620D ESC (E800)</a:t>
+                      </a:r>
+                    </a:p>
+                  </a:txBody>
+                  <a:tcPr marL="9525" marR="9525" marT="9525" marB="0" anchor="ctr"/>
+                </a:tc>
+                <a:tc>
+                  <a:txBody>
+                    <a:bodyPr/>
+                    <a:lstStyle/>
+                    <a:p>
+                      <a:pPr algn="ctr" fontAlgn="ctr"/>
+                      <a:r>
+                        <a:rPr lang="en-US" sz="1100" b="0" i="0" u="none" strike="noStrike">
+                          <a:solidFill>
+                            <a:srgbClr val="000000"/>
+                          </a:solidFill>
+                          <a:effectLst/>
+                          <a:latin typeface="Calibri"/>
+                        </a:rPr>
+                        <a:t>4</a:t>
+                      </a:r>
+                    </a:p>
+                  </a:txBody>
+                  <a:tcPr marL="9525" marR="9525" marT="9525" marB="0" anchor="ctr"/>
+                </a:tc>
+                <a:tc>
+                  <a:txBody>
+                    <a:bodyPr/>
+                    <a:lstStyle/>
+                    <a:p>
+                      <a:pPr algn="ctr" fontAlgn="ctr"/>
+                      <a:r>
+                        <a:rPr lang="en-US" sz="1100" b="0" i="0" u="none" strike="noStrike" dirty="0">
+                          <a:solidFill>
+                            <a:srgbClr val="000000"/>
+                          </a:solidFill>
+                          <a:effectLst/>
+                          <a:latin typeface="Calibri"/>
+                        </a:rPr>
+                        <a:t>43</a:t>
+                      </a:r>
+                    </a:p>
+                  </a:txBody>
+                  <a:tcPr marL="9525" marR="9525" marT="9525" marB="0" anchor="ctr"/>
+                </a:tc>
+              </a:tr>
+              <a:tr h="295646">
+                <a:tc>
+                  <a:txBody>
+                    <a:bodyPr/>
+                    <a:lstStyle/>
+                    <a:p>
+                      <a:pPr algn="l" fontAlgn="b"/>
+                      <a:r>
+                        <a:rPr lang="en-US" sz="1100" b="0" i="0" u="none" strike="noStrike">
+                          <a:solidFill>
+                            <a:srgbClr val="000000"/>
+                          </a:solidFill>
+                          <a:effectLst/>
+                          <a:latin typeface="Calibri"/>
+                        </a:rPr>
+                        <a:t>DJI 1345s Propellor (E800)</a:t>
+                      </a:r>
+                    </a:p>
+                  </a:txBody>
+                  <a:tcPr marL="9525" marR="9525" marT="9525" marB="0" anchor="ctr"/>
+                </a:tc>
+                <a:tc>
+                  <a:txBody>
+                    <a:bodyPr/>
+                    <a:lstStyle/>
+                    <a:p>
+                      <a:pPr algn="ctr" fontAlgn="ctr"/>
+                      <a:r>
+                        <a:rPr lang="en-US" sz="1100" b="0" i="0" u="none" strike="noStrike">
+                          <a:solidFill>
+                            <a:srgbClr val="000000"/>
+                          </a:solidFill>
+                          <a:effectLst/>
+                          <a:latin typeface="Calibri"/>
+                        </a:rPr>
+                        <a:t>4</a:t>
+                      </a:r>
+                    </a:p>
+                  </a:txBody>
+                  <a:tcPr marL="9525" marR="9525" marT="9525" marB="0" anchor="ctr"/>
+                </a:tc>
+                <a:tc>
+                  <a:txBody>
+                    <a:bodyPr/>
+                    <a:lstStyle/>
+                    <a:p>
+                      <a:pPr algn="ctr" fontAlgn="ctr"/>
+                      <a:r>
+                        <a:rPr lang="en-US" sz="1100" b="0" i="0" u="none" strike="noStrike" dirty="0">
+                          <a:solidFill>
+                            <a:srgbClr val="000000"/>
+                          </a:solidFill>
+                          <a:effectLst/>
+                          <a:latin typeface="Calibri"/>
+                        </a:rPr>
+                        <a:t>19</a:t>
+                      </a:r>
+                    </a:p>
+                  </a:txBody>
+                  <a:tcPr marL="9525" marR="9525" marT="9525" marB="0" anchor="ctr"/>
+                </a:tc>
+              </a:tr>
+              <a:tr h="295646">
+                <a:tc>
+                  <a:txBody>
+                    <a:bodyPr/>
+                    <a:lstStyle/>
+                    <a:p>
+                      <a:pPr algn="l" fontAlgn="b"/>
+                      <a:r>
+                        <a:rPr lang="en-US" sz="1100" b="0" i="0" u="none" strike="noStrike">
+                          <a:solidFill>
+                            <a:srgbClr val="000000"/>
+                          </a:solidFill>
+                          <a:effectLst/>
+                          <a:latin typeface="Calibri"/>
+                        </a:rPr>
+                        <a:t>DJI 3510 Motor  (E800)</a:t>
+                      </a:r>
+                    </a:p>
+                  </a:txBody>
+                  <a:tcPr marL="9525" marR="9525" marT="9525" marB="0" anchor="ctr"/>
+                </a:tc>
+                <a:tc>
+                  <a:txBody>
+                    <a:bodyPr/>
+                    <a:lstStyle/>
+                    <a:p>
+                      <a:pPr algn="ctr" fontAlgn="ctr"/>
+                      <a:r>
+                        <a:rPr lang="en-US" sz="1100" b="0" i="0" u="none" strike="noStrike" dirty="0">
+                          <a:solidFill>
+                            <a:srgbClr val="000000"/>
+                          </a:solidFill>
+                          <a:effectLst/>
+                          <a:latin typeface="Calibri"/>
+                        </a:rPr>
+                        <a:t>4</a:t>
+                      </a:r>
+                    </a:p>
+                  </a:txBody>
+                  <a:tcPr marL="9525" marR="9525" marT="9525" marB="0" anchor="ctr"/>
+                </a:tc>
+                <a:tc>
+                  <a:txBody>
+                    <a:bodyPr/>
+                    <a:lstStyle/>
+                    <a:p>
+                      <a:pPr algn="ctr" fontAlgn="ctr"/>
+                      <a:r>
+                        <a:rPr lang="en-US" sz="1100" b="0" i="0" u="none" strike="noStrike" dirty="0">
+                          <a:solidFill>
+                            <a:srgbClr val="000000"/>
+                          </a:solidFill>
+                          <a:effectLst/>
+                          <a:latin typeface="Calibri"/>
+                        </a:rPr>
+                        <a:t>106</a:t>
+                      </a:r>
+                    </a:p>
+                  </a:txBody>
+                  <a:tcPr marL="9525" marR="9525" marT="9525" marB="0" anchor="ctr"/>
+                </a:tc>
+              </a:tr>
+              <a:tr h="295646">
+                <a:tc>
+                  <a:txBody>
+                    <a:bodyPr/>
+                    <a:lstStyle/>
+                    <a:p>
+                      <a:pPr algn="ctr" fontAlgn="b"/>
+                      <a:r>
+                        <a:rPr lang="en-US" sz="1400" b="1" i="0" u="none" strike="noStrike" dirty="0" smtClean="0">
+                          <a:solidFill>
+                            <a:srgbClr val="000000"/>
+                          </a:solidFill>
+                          <a:effectLst/>
+                          <a:latin typeface="Calibri"/>
+                        </a:rPr>
+                        <a:t>TOTAL</a:t>
+                      </a:r>
+                      <a:endParaRPr lang="en-US" sz="1400" b="1" i="0" u="none" strike="noStrike" dirty="0">
+                        <a:solidFill>
+                          <a:srgbClr val="000000"/>
+                        </a:solidFill>
+                        <a:effectLst/>
+                        <a:latin typeface="Calibri"/>
+                      </a:endParaRPr>
+                    </a:p>
+                  </a:txBody>
+                  <a:tcPr marL="9525" marR="9525" marT="9525" marB="0" anchor="ctr"/>
+                </a:tc>
+                <a:tc>
+                  <a:txBody>
+                    <a:bodyPr/>
+                    <a:lstStyle/>
+                    <a:p>
+                      <a:pPr algn="ctr" fontAlgn="ctr"/>
+                      <a:endParaRPr lang="en-US" sz="1400" b="1" i="0" u="none" strike="noStrike" dirty="0">
+                        <a:solidFill>
+                          <a:srgbClr val="000000"/>
+                        </a:solidFill>
+                        <a:effectLst/>
+                        <a:latin typeface="Calibri"/>
+                      </a:endParaRPr>
+                    </a:p>
+                  </a:txBody>
+                  <a:tcPr marL="9525" marR="9525" marT="9525" marB="0" anchor="ctr"/>
+                </a:tc>
+                <a:tc>
+                  <a:txBody>
+                    <a:bodyPr/>
+                    <a:lstStyle/>
+                    <a:p>
+                      <a:pPr algn="ctr" fontAlgn="ctr"/>
+                      <a:r>
+                        <a:rPr lang="en-US" sz="1400" b="1" i="0" u="none" strike="noStrike" dirty="0" smtClean="0">
+                          <a:solidFill>
+                            <a:srgbClr val="000000"/>
+                          </a:solidFill>
+                          <a:effectLst/>
+                          <a:latin typeface="Calibri"/>
+                        </a:rPr>
+                        <a:t>3220</a:t>
+                      </a:r>
+                      <a:endParaRPr lang="en-US" sz="1400" b="1" i="0" u="none" strike="noStrike" dirty="0">
+                        <a:solidFill>
+                          <a:srgbClr val="000000"/>
+                        </a:solidFill>
+                        <a:effectLst/>
+                        <a:latin typeface="Calibri"/>
+                      </a:endParaRPr>
+                    </a:p>
+                  </a:txBody>
+                  <a:tcPr marL="9525" marR="9525" marT="9525" marB="0" anchor="ctr"/>
+                </a:tc>
+              </a:tr>
+            </a:tbl>
+          </a:graphicData>
+        </a:graphic>
+      </p:graphicFrame>
+    </p:spTree>
+    <p:extLst>
+      <p:ext uri="{BB962C8B-B14F-4D97-AF65-F5344CB8AC3E}">
+        <p14:creationId xmlns:p14="http://schemas.microsoft.com/office/powerpoint/2010/main" val="2966071929"/>
+      </p:ext>
+    </p:extLst>
+  </p:cSld>
+  <p:clrMapOvr>
+    <a:masterClrMapping/>
+  </p:clrMapOvr>
+  <p:timing>
+    <p:tnLst>
+      <p:par>
+        <p:cTn id="1" dur="indefinite" restart="never" nodeType="tmRoot"/>
+      </p:par>
+    </p:tnLst>
+  </p:timing>
 </p:sld>
 </file>
 
@@ -4517,4 +8635,289 @@
   </a:objectDefaults>
   <a:extraClrSchemeLst/>
 </a:theme>
+</file>
+
+<file path=ppt/theme/theme2.xml><?xml version="1.0" encoding="utf-8"?>
+<a:theme xmlns:a="http://schemas.openxmlformats.org/drawingml/2006/main" name="Office Theme">
+  <a:themeElements>
+    <a:clrScheme name="Office">
+      <a:dk1>
+        <a:sysClr val="windowText" lastClr="000000"/>
+      </a:dk1>
+      <a:lt1>
+        <a:sysClr val="window" lastClr="FFFFFF"/>
+      </a:lt1>
+      <a:dk2>
+        <a:srgbClr val="1F497D"/>
+      </a:dk2>
+      <a:lt2>
+        <a:srgbClr val="EEECE1"/>
+      </a:lt2>
+      <a:accent1>
+        <a:srgbClr val="4F81BD"/>
+      </a:accent1>
+      <a:accent2>
+        <a:srgbClr val="C0504D"/>
+      </a:accent2>
+      <a:accent3>
+        <a:srgbClr val="9BBB59"/>
+      </a:accent3>
+      <a:accent4>
+        <a:srgbClr val="8064A2"/>
+      </a:accent4>
+      <a:accent5>
+        <a:srgbClr val="4BACC6"/>
+      </a:accent5>
+      <a:accent6>
+        <a:srgbClr val="F79646"/>
+      </a:accent6>
+      <a:hlink>
+        <a:srgbClr val="0000FF"/>
+      </a:hlink>
+      <a:folHlink>
+        <a:srgbClr val="800080"/>
+      </a:folHlink>
+    </a:clrScheme>
+    <a:fontScheme name="Office">
+      <a:majorFont>
+        <a:latin typeface="Calibri"/>
+        <a:ea typeface=""/>
+        <a:cs typeface=""/>
+        <a:font script="Jpan" typeface="ＭＳ Ｐゴシック"/>
+        <a:font script="Hang" typeface="맑은 고딕"/>
+        <a:font script="Hans" typeface="宋体"/>
+        <a:font script="Hant" typeface="新細明體"/>
+        <a:font script="Arab" typeface="Times New Roman"/>
+        <a:font script="Hebr" typeface="Times New Roman"/>
+        <a:font script="Thai" typeface="Angsana New"/>
+        <a:font script="Ethi" typeface="Nyala"/>
+        <a:font script="Beng" typeface="Vrinda"/>
+        <a:font script="Gujr" typeface="Shruti"/>
+        <a:font script="Khmr" typeface="MoolBoran"/>
+        <a:font script="Knda" typeface="Tunga"/>
+        <a:font script="Guru" typeface="Raavi"/>
+        <a:font script="Cans" typeface="Euphemia"/>
+        <a:font script="Cher" typeface="Plantagenet Cherokee"/>
+        <a:font script="Yiii" typeface="Microsoft Yi Baiti"/>
+        <a:font script="Tibt" typeface="Microsoft Himalaya"/>
+        <a:font script="Thaa" typeface="MV Boli"/>
+        <a:font script="Deva" typeface="Mangal"/>
+        <a:font script="Telu" typeface="Gautami"/>
+        <a:font script="Taml" typeface="Latha"/>
+        <a:font script="Syrc" typeface="Estrangelo Edessa"/>
+        <a:font script="Orya" typeface="Kalinga"/>
+        <a:font script="Mlym" typeface="Kartika"/>
+        <a:font script="Laoo" typeface="DokChampa"/>
+        <a:font script="Sinh" typeface="Iskoola Pota"/>
+        <a:font script="Mong" typeface="Mongolian Baiti"/>
+        <a:font script="Viet" typeface="Times New Roman"/>
+        <a:font script="Uigh" typeface="Microsoft Uighur"/>
+        <a:font script="Geor" typeface="Sylfaen"/>
+      </a:majorFont>
+      <a:minorFont>
+        <a:latin typeface="Calibri"/>
+        <a:ea typeface=""/>
+        <a:cs typeface=""/>
+        <a:font script="Jpan" typeface="ＭＳ Ｐゴシック"/>
+        <a:font script="Hang" typeface="맑은 고딕"/>
+        <a:font script="Hans" typeface="宋体"/>
+        <a:font script="Hant" typeface="新細明體"/>
+        <a:font script="Arab" typeface="Arial"/>
+        <a:font script="Hebr" typeface="Arial"/>
+        <a:font script="Thai" typeface="Cordia New"/>
+        <a:font script="Ethi" typeface="Nyala"/>
+        <a:font script="Beng" typeface="Vrinda"/>
+        <a:font script="Gujr" typeface="Shruti"/>
+        <a:font script="Khmr" typeface="DaunPenh"/>
+        <a:font script="Knda" typeface="Tunga"/>
+        <a:font script="Guru" typeface="Raavi"/>
+        <a:font script="Cans" typeface="Euphemia"/>
+        <a:font script="Cher" typeface="Plantagenet Cherokee"/>
+        <a:font script="Yiii" typeface="Microsoft Yi Baiti"/>
+        <a:font script="Tibt" typeface="Microsoft Himalaya"/>
+        <a:font script="Thaa" typeface="MV Boli"/>
+        <a:font script="Deva" typeface="Mangal"/>
+        <a:font script="Telu" typeface="Gautami"/>
+        <a:font script="Taml" typeface="Latha"/>
+        <a:font script="Syrc" typeface="Estrangelo Edessa"/>
+        <a:font script="Orya" typeface="Kalinga"/>
+        <a:font script="Mlym" typeface="Kartika"/>
+        <a:font script="Laoo" typeface="DokChampa"/>
+        <a:font script="Sinh" typeface="Iskoola Pota"/>
+        <a:font script="Mong" typeface="Mongolian Baiti"/>
+        <a:font script="Viet" typeface="Arial"/>
+        <a:font script="Uigh" typeface="Microsoft Uighur"/>
+        <a:font script="Geor" typeface="Sylfaen"/>
+      </a:minorFont>
+    </a:fontScheme>
+    <a:fmtScheme name="Office">
+      <a:fillStyleLst>
+        <a:solidFill>
+          <a:schemeClr val="phClr"/>
+        </a:solidFill>
+        <a:gradFill rotWithShape="1">
+          <a:gsLst>
+            <a:gs pos="0">
+              <a:schemeClr val="phClr">
+                <a:tint val="50000"/>
+                <a:satMod val="300000"/>
+              </a:schemeClr>
+            </a:gs>
+            <a:gs pos="35000">
+              <a:schemeClr val="phClr">
+                <a:tint val="37000"/>
+                <a:satMod val="300000"/>
+              </a:schemeClr>
+            </a:gs>
+            <a:gs pos="100000">
+              <a:schemeClr val="phClr">
+                <a:tint val="15000"/>
+                <a:satMod val="350000"/>
+              </a:schemeClr>
+            </a:gs>
+          </a:gsLst>
+          <a:lin ang="16200000" scaled="1"/>
+        </a:gradFill>
+        <a:gradFill rotWithShape="1">
+          <a:gsLst>
+            <a:gs pos="0">
+              <a:schemeClr val="phClr">
+                <a:shade val="51000"/>
+                <a:satMod val="130000"/>
+              </a:schemeClr>
+            </a:gs>
+            <a:gs pos="80000">
+              <a:schemeClr val="phClr">
+                <a:shade val="93000"/>
+                <a:satMod val="130000"/>
+              </a:schemeClr>
+            </a:gs>
+            <a:gs pos="100000">
+              <a:schemeClr val="phClr">
+                <a:shade val="94000"/>
+                <a:satMod val="135000"/>
+              </a:schemeClr>
+            </a:gs>
+          </a:gsLst>
+          <a:lin ang="16200000" scaled="0"/>
+        </a:gradFill>
+      </a:fillStyleLst>
+      <a:lnStyleLst>
+        <a:ln w="9525" cap="flat" cmpd="sng" algn="ctr">
+          <a:solidFill>
+            <a:schemeClr val="phClr">
+              <a:shade val="95000"/>
+              <a:satMod val="105000"/>
+            </a:schemeClr>
+          </a:solidFill>
+          <a:prstDash val="solid"/>
+        </a:ln>
+        <a:ln w="25400" cap="flat" cmpd="sng" algn="ctr">
+          <a:solidFill>
+            <a:schemeClr val="phClr"/>
+          </a:solidFill>
+          <a:prstDash val="solid"/>
+        </a:ln>
+        <a:ln w="38100" cap="flat" cmpd="sng" algn="ctr">
+          <a:solidFill>
+            <a:schemeClr val="phClr"/>
+          </a:solidFill>
+          <a:prstDash val="solid"/>
+        </a:ln>
+      </a:lnStyleLst>
+      <a:effectStyleLst>
+        <a:effectStyle>
+          <a:effectLst>
+            <a:outerShdw blurRad="40000" dist="20000" dir="5400000" rotWithShape="0">
+              <a:srgbClr val="000000">
+                <a:alpha val="38000"/>
+              </a:srgbClr>
+            </a:outerShdw>
+          </a:effectLst>
+        </a:effectStyle>
+        <a:effectStyle>
+          <a:effectLst>
+            <a:outerShdw blurRad="40000" dist="23000" dir="5400000" rotWithShape="0">
+              <a:srgbClr val="000000">
+                <a:alpha val="35000"/>
+              </a:srgbClr>
+            </a:outerShdw>
+          </a:effectLst>
+        </a:effectStyle>
+        <a:effectStyle>
+          <a:effectLst>
+            <a:outerShdw blurRad="40000" dist="23000" dir="5400000" rotWithShape="0">
+              <a:srgbClr val="000000">
+                <a:alpha val="35000"/>
+              </a:srgbClr>
+            </a:outerShdw>
+          </a:effectLst>
+          <a:scene3d>
+            <a:camera prst="orthographicFront">
+              <a:rot lat="0" lon="0" rev="0"/>
+            </a:camera>
+            <a:lightRig rig="threePt" dir="t">
+              <a:rot lat="0" lon="0" rev="1200000"/>
+            </a:lightRig>
+          </a:scene3d>
+          <a:sp3d>
+            <a:bevelT w="63500" h="25400"/>
+          </a:sp3d>
+        </a:effectStyle>
+      </a:effectStyleLst>
+      <a:bgFillStyleLst>
+        <a:solidFill>
+          <a:schemeClr val="phClr"/>
+        </a:solidFill>
+        <a:gradFill rotWithShape="1">
+          <a:gsLst>
+            <a:gs pos="0">
+              <a:schemeClr val="phClr">
+                <a:tint val="40000"/>
+                <a:satMod val="350000"/>
+              </a:schemeClr>
+            </a:gs>
+            <a:gs pos="40000">
+              <a:schemeClr val="phClr">
+                <a:tint val="45000"/>
+                <a:shade val="99000"/>
+                <a:satMod val="350000"/>
+              </a:schemeClr>
+            </a:gs>
+            <a:gs pos="100000">
+              <a:schemeClr val="phClr">
+                <a:shade val="20000"/>
+                <a:satMod val="255000"/>
+              </a:schemeClr>
+            </a:gs>
+          </a:gsLst>
+          <a:path path="circle">
+            <a:fillToRect l="50000" t="-80000" r="50000" b="180000"/>
+          </a:path>
+        </a:gradFill>
+        <a:gradFill rotWithShape="1">
+          <a:gsLst>
+            <a:gs pos="0">
+              <a:schemeClr val="phClr">
+                <a:tint val="80000"/>
+                <a:satMod val="300000"/>
+              </a:schemeClr>
+            </a:gs>
+            <a:gs pos="100000">
+              <a:schemeClr val="phClr">
+                <a:shade val="30000"/>
+                <a:satMod val="200000"/>
+              </a:schemeClr>
+            </a:gs>
+          </a:gsLst>
+          <a:path path="circle">
+            <a:fillToRect l="50000" t="50000" r="50000" b="50000"/>
+          </a:path>
+        </a:gradFill>
+      </a:bgFillStyleLst>
+    </a:fmtScheme>
+  </a:themeElements>
+  <a:objectDefaults/>
+  <a:extraClrSchemeLst/>
+</a:theme>
 </file>
--- a/Presentations/Mid Semester Review/Individual_Slides/Tyler/Slide template.pptx
+++ b/Presentations/Mid Semester Review/Individual_Slides/Tyler/Slide template.pptx
@@ -5,7 +5,7 @@
     <p:sldMasterId id="2147483648" r:id="rId1"/>
   </p:sldMasterIdLst>
   <p:notesMasterIdLst>
-    <p:notesMasterId r:id="rId7"/>
+    <p:notesMasterId r:id="rId8"/>
   </p:notesMasterIdLst>
   <p:sldIdLst>
     <p:sldId id="260" r:id="rId2"/>
@@ -13,6 +13,7 @@
     <p:sldId id="258" r:id="rId4"/>
     <p:sldId id="256" r:id="rId5"/>
     <p:sldId id="259" r:id="rId6"/>
+    <p:sldId id="261" r:id="rId7"/>
   </p:sldIdLst>
   <p:sldSz cx="9144000" cy="6858000" type="screen4x3"/>
   <p:notesSz cx="6858000" cy="9144000"/>
@@ -196,7 +197,7 @@
           <a:p>
             <a:fld id="{51E4185F-0EA7-4BA8-A08E-5754056CFC72}" type="datetimeFigureOut">
               <a:rPr lang="en-US" smtClean="0"/>
-              <a:t>10/14/2015</a:t>
+              <a:t>10/19/2015</a:t>
             </a:fld>
             <a:endParaRPr lang="en-US"/>
           </a:p>
@@ -729,7 +730,7 @@
           <a:p>
             <a:fld id="{A8193F1D-56DB-E44D-9849-55B52730CCEA}" type="datetimeFigureOut">
               <a:rPr lang="en-US" smtClean="0"/>
-              <a:t>10/14/2015</a:t>
+              <a:t>10/19/2015</a:t>
             </a:fld>
             <a:endParaRPr lang="en-US"/>
           </a:p>
@@ -899,7 +900,7 @@
           <a:p>
             <a:fld id="{A8193F1D-56DB-E44D-9849-55B52730CCEA}" type="datetimeFigureOut">
               <a:rPr lang="en-US" smtClean="0"/>
-              <a:t>10/14/2015</a:t>
+              <a:t>10/19/2015</a:t>
             </a:fld>
             <a:endParaRPr lang="en-US"/>
           </a:p>
@@ -1079,7 +1080,7 @@
           <a:p>
             <a:fld id="{A8193F1D-56DB-E44D-9849-55B52730CCEA}" type="datetimeFigureOut">
               <a:rPr lang="en-US" smtClean="0"/>
-              <a:t>10/14/2015</a:t>
+              <a:t>10/19/2015</a:t>
             </a:fld>
             <a:endParaRPr lang="en-US"/>
           </a:p>
@@ -1249,7 +1250,7 @@
           <a:p>
             <a:fld id="{A8193F1D-56DB-E44D-9849-55B52730CCEA}" type="datetimeFigureOut">
               <a:rPr lang="en-US" smtClean="0"/>
-              <a:t>10/14/2015</a:t>
+              <a:t>10/19/2015</a:t>
             </a:fld>
             <a:endParaRPr lang="en-US"/>
           </a:p>
@@ -1495,7 +1496,7 @@
           <a:p>
             <a:fld id="{A8193F1D-56DB-E44D-9849-55B52730CCEA}" type="datetimeFigureOut">
               <a:rPr lang="en-US" smtClean="0"/>
-              <a:t>10/14/2015</a:t>
+              <a:t>10/19/2015</a:t>
             </a:fld>
             <a:endParaRPr lang="en-US"/>
           </a:p>
@@ -1783,7 +1784,7 @@
           <a:p>
             <a:fld id="{A8193F1D-56DB-E44D-9849-55B52730CCEA}" type="datetimeFigureOut">
               <a:rPr lang="en-US" smtClean="0"/>
-              <a:t>10/14/2015</a:t>
+              <a:t>10/19/2015</a:t>
             </a:fld>
             <a:endParaRPr lang="en-US"/>
           </a:p>
@@ -2205,7 +2206,7 @@
           <a:p>
             <a:fld id="{A8193F1D-56DB-E44D-9849-55B52730CCEA}" type="datetimeFigureOut">
               <a:rPr lang="en-US" smtClean="0"/>
-              <a:t>10/14/2015</a:t>
+              <a:t>10/19/2015</a:t>
             </a:fld>
             <a:endParaRPr lang="en-US"/>
           </a:p>
@@ -2323,7 +2324,7 @@
           <a:p>
             <a:fld id="{A8193F1D-56DB-E44D-9849-55B52730CCEA}" type="datetimeFigureOut">
               <a:rPr lang="en-US" smtClean="0"/>
-              <a:t>10/14/2015</a:t>
+              <a:t>10/19/2015</a:t>
             </a:fld>
             <a:endParaRPr lang="en-US"/>
           </a:p>
@@ -2418,7 +2419,7 @@
           <a:p>
             <a:fld id="{A8193F1D-56DB-E44D-9849-55B52730CCEA}" type="datetimeFigureOut">
               <a:rPr lang="en-US" smtClean="0"/>
-              <a:t>10/14/2015</a:t>
+              <a:t>10/19/2015</a:t>
             </a:fld>
             <a:endParaRPr lang="en-US"/>
           </a:p>
@@ -2695,7 +2696,7 @@
           <a:p>
             <a:fld id="{A8193F1D-56DB-E44D-9849-55B52730CCEA}" type="datetimeFigureOut">
               <a:rPr lang="en-US" smtClean="0"/>
-              <a:t>10/14/2015</a:t>
+              <a:t>10/19/2015</a:t>
             </a:fld>
             <a:endParaRPr lang="en-US"/>
           </a:p>
@@ -2948,7 +2949,7 @@
           <a:p>
             <a:fld id="{A8193F1D-56DB-E44D-9849-55B52730CCEA}" type="datetimeFigureOut">
               <a:rPr lang="en-US" smtClean="0"/>
-              <a:t>10/14/2015</a:t>
+              <a:t>10/19/2015</a:t>
             </a:fld>
             <a:endParaRPr lang="en-US"/>
           </a:p>
@@ -3161,7 +3162,7 @@
           <a:p>
             <a:fld id="{A8193F1D-56DB-E44D-9849-55B52730CCEA}" type="datetimeFigureOut">
               <a:rPr lang="en-US" smtClean="0"/>
-              <a:t>10/14/2015</a:t>
+              <a:t>10/19/2015</a:t>
             </a:fld>
             <a:endParaRPr lang="en-US"/>
           </a:p>
@@ -6343,7 +6344,7 @@
       </p:grpSp>
       <p:pic>
         <p:nvPicPr>
-          <p:cNvPr id="2" name="Picture 1"/>
+          <p:cNvPr id="3" name="Picture 2"/>
           <p:cNvPicPr>
             <a:picLocks noChangeAspect="1"/>
           </p:cNvPicPr>
@@ -6363,8 +6364,8 @@
         </p:blipFill>
         <p:spPr>
           <a:xfrm>
-            <a:off x="891265" y="986786"/>
-            <a:ext cx="7604786" cy="5492345"/>
+            <a:off x="1019619" y="1256648"/>
+            <a:ext cx="7104762" cy="5514286"/>
           </a:xfrm>
           <a:prstGeom prst="rect">
             <a:avLst/>
@@ -6615,7 +6616,7 @@
       </p:grpSp>
       <p:pic>
         <p:nvPicPr>
-          <p:cNvPr id="10" name="Picture 9"/>
+          <p:cNvPr id="3" name="Picture 2"/>
           <p:cNvPicPr>
             <a:picLocks noChangeAspect="1"/>
           </p:cNvPicPr>
@@ -6635,38 +6636,8 @@
         </p:blipFill>
         <p:spPr>
           <a:xfrm>
-            <a:off x="1434822" y="1021190"/>
-            <a:ext cx="6876191" cy="5333334"/>
-          </a:xfrm>
-          <a:prstGeom prst="rect">
-            <a:avLst/>
-          </a:prstGeom>
-        </p:spPr>
-      </p:pic>
-      <p:pic>
-        <p:nvPicPr>
-          <p:cNvPr id="2" name="Picture 1"/>
-          <p:cNvPicPr>
-            <a:picLocks noChangeAspect="1"/>
-          </p:cNvPicPr>
-          <p:nvPr/>
-        </p:nvPicPr>
-        <p:blipFill>
-          <a:blip r:embed="rId5">
-            <a:extLst>
-              <a:ext uri="{28A0092B-C50C-407E-A947-70E740481C1C}">
-                <a14:useLocalDpi xmlns:a14="http://schemas.microsoft.com/office/drawing/2010/main" val="0"/>
-              </a:ext>
-            </a:extLst>
-          </a:blip>
-          <a:stretch>
-            <a:fillRect/>
-          </a:stretch>
-        </p:blipFill>
-        <p:spPr>
-          <a:xfrm>
-            <a:off x="1043056" y="1021190"/>
-            <a:ext cx="7301204" cy="5536374"/>
+            <a:off x="1205333" y="1136563"/>
+            <a:ext cx="6733334" cy="5095238"/>
           </a:xfrm>
           <a:prstGeom prst="rect">
             <a:avLst/>
@@ -6944,7 +6915,7 @@
           <p:nvPr>
             <p:extLst>
               <p:ext uri="{D42A27DB-BD31-4B8C-83A1-F6EECF244321}">
-                <p14:modId xmlns:p14="http://schemas.microsoft.com/office/powerpoint/2010/main" val="1522211517"/>
+                <p14:modId xmlns:p14="http://schemas.microsoft.com/office/powerpoint/2010/main" val="3168648641"/>
               </p:ext>
             </p:extLst>
           </p:nvPr>
@@ -7003,11 +6974,7 @@
                       <a:pPr algn="ctr"/>
                       <a:r>
                         <a:rPr lang="en-US" dirty="0" smtClean="0"/>
-                        <a:t> </a:t>
-                      </a:r>
-                      <a:r>
-                        <a:rPr lang="en-US" dirty="0" smtClean="0"/>
-                        <a:t>[kg]</a:t>
+                        <a:t> [kg]</a:t>
                       </a:r>
                       <a:endParaRPr lang="en-US" dirty="0"/>
                     </a:p>
@@ -7041,11 +7008,7 @@
                       <a:pPr algn="ctr"/>
                       <a:r>
                         <a:rPr lang="en-US" baseline="0" dirty="0" smtClean="0"/>
-                        <a:t>Endurance w/ 1lb PL </a:t>
-                      </a:r>
-                      <a:r>
-                        <a:rPr lang="en-US" baseline="0" dirty="0" smtClean="0"/>
-                        <a:t>[min]</a:t>
+                        <a:t>Endurance w/ 1lb PL [min]</a:t>
                       </a:r>
                       <a:endParaRPr lang="en-US" dirty="0"/>
                     </a:p>
@@ -7092,7 +7055,7 @@
                       <a:pPr algn="ctr"/>
                       <a:r>
                         <a:rPr lang="en-US" dirty="0" smtClean="0"/>
-                        <a:t>15.2</a:t>
+                        <a:t>13.7</a:t>
                       </a:r>
                       <a:endParaRPr lang="en-US" dirty="0"/>
                     </a:p>
@@ -7107,7 +7070,7 @@
                       <a:pPr algn="ctr"/>
                       <a:r>
                         <a:rPr lang="en-US" dirty="0" smtClean="0"/>
-                        <a:t>12.3</a:t>
+                        <a:t>11.1</a:t>
                       </a:r>
                       <a:endParaRPr lang="en-US" dirty="0"/>
                     </a:p>
@@ -7162,7 +7125,7 @@
                       <a:pPr algn="ctr"/>
                       <a:r>
                         <a:rPr lang="en-US" dirty="0" smtClean="0"/>
-                        <a:t>12.4</a:t>
+                        <a:t>11.3</a:t>
                       </a:r>
                       <a:endParaRPr lang="en-US" dirty="0"/>
                     </a:p>
@@ -7177,7 +7140,7 @@
                       <a:pPr algn="ctr"/>
                       <a:r>
                         <a:rPr lang="en-US" dirty="0" smtClean="0"/>
-                        <a:t>9.3</a:t>
+                        <a:t>8.4</a:t>
                       </a:r>
                       <a:endParaRPr lang="en-US" dirty="0"/>
                     </a:p>
@@ -7232,7 +7195,7 @@
                       <a:pPr algn="ctr"/>
                       <a:r>
                         <a:rPr lang="en-US" dirty="0" smtClean="0"/>
-                        <a:t>12.6</a:t>
+                        <a:t>11.4</a:t>
                       </a:r>
                       <a:endParaRPr lang="en-US" dirty="0"/>
                     </a:p>
@@ -7247,7 +7210,7 @@
                       <a:pPr algn="ctr"/>
                       <a:r>
                         <a:rPr lang="en-US" dirty="0" smtClean="0"/>
-                        <a:t>9.4</a:t>
+                        <a:t>8.5</a:t>
                       </a:r>
                       <a:endParaRPr lang="en-US" dirty="0"/>
                     </a:p>
@@ -8313,6 +8276,1423 @@
         <p:cTn id="1" dur="indefinite" restart="never" nodeType="tmRoot"/>
       </p:par>
     </p:tnLst>
+  </p:timing>
+</p:sld>
+</file>
+
+<file path=ppt/slides/slide6.xml><?xml version="1.0" encoding="utf-8"?>
+<p:sld xmlns:a="http://schemas.openxmlformats.org/drawingml/2006/main" xmlns:r="http://schemas.openxmlformats.org/officeDocument/2006/relationships" xmlns:p="http://schemas.openxmlformats.org/presentationml/2006/main">
+  <p:cSld>
+    <p:spTree>
+      <p:nvGrpSpPr>
+        <p:cNvPr id="1" name=""/>
+        <p:cNvGrpSpPr/>
+        <p:nvPr/>
+      </p:nvGrpSpPr>
+      <p:grpSpPr>
+        <a:xfrm>
+          <a:off x="0" y="0"/>
+          <a:ext cx="0" cy="0"/>
+          <a:chOff x="0" y="0"/>
+          <a:chExt cx="0" cy="0"/>
+        </a:xfrm>
+      </p:grpSpPr>
+      <p:grpSp>
+        <p:nvGrpSpPr>
+          <p:cNvPr id="4" name="Group 3"/>
+          <p:cNvGrpSpPr/>
+          <p:nvPr/>
+        </p:nvGrpSpPr>
+        <p:grpSpPr>
+          <a:xfrm>
+            <a:off x="0" y="1"/>
+            <a:ext cx="9144000" cy="844012"/>
+            <a:chOff x="0" y="1"/>
+            <a:chExt cx="9144000" cy="844012"/>
+          </a:xfrm>
+        </p:grpSpPr>
+        <p:cxnSp>
+          <p:nvCxnSpPr>
+            <p:cNvPr id="5" name="Straight Connector 4"/>
+            <p:cNvCxnSpPr/>
+            <p:nvPr/>
+          </p:nvCxnSpPr>
+          <p:spPr>
+            <a:xfrm>
+              <a:off x="0" y="844013"/>
+              <a:ext cx="9144000" cy="0"/>
+            </a:xfrm>
+            <a:prstGeom prst="line">
+              <a:avLst/>
+            </a:prstGeom>
+            <a:ln>
+              <a:solidFill>
+                <a:schemeClr val="tx1"/>
+              </a:solidFill>
+            </a:ln>
+            <a:effectLst/>
+          </p:spPr>
+          <p:style>
+            <a:lnRef idx="2">
+              <a:schemeClr val="accent1"/>
+            </a:lnRef>
+            <a:fillRef idx="0">
+              <a:schemeClr val="accent1"/>
+            </a:fillRef>
+            <a:effectRef idx="1">
+              <a:schemeClr val="accent1"/>
+            </a:effectRef>
+            <a:fontRef idx="minor">
+              <a:schemeClr val="tx1"/>
+            </a:fontRef>
+          </p:style>
+        </p:cxnSp>
+        <p:pic>
+          <p:nvPicPr>
+            <p:cNvPr id="6" name="Picture 5" descr="Screen Shot 2015-10-11 at 11.16.20 AM.png"/>
+            <p:cNvPicPr>
+              <a:picLocks noChangeAspect="1"/>
+            </p:cNvPicPr>
+            <p:nvPr/>
+          </p:nvPicPr>
+          <p:blipFill>
+            <a:blip r:embed="rId2">
+              <a:extLst>
+                <a:ext uri="{28A0092B-C50C-407E-A947-70E740481C1C}">
+                  <a14:useLocalDpi xmlns:a14="http://schemas.microsoft.com/office/drawing/2010/main" val="0"/>
+                </a:ext>
+              </a:extLst>
+            </a:blip>
+            <a:stretch>
+              <a:fillRect/>
+            </a:stretch>
+          </p:blipFill>
+          <p:spPr>
+            <a:xfrm>
+              <a:off x="0" y="1"/>
+              <a:ext cx="1151748" cy="844012"/>
+            </a:xfrm>
+            <a:prstGeom prst="rect">
+              <a:avLst/>
+            </a:prstGeom>
+          </p:spPr>
+        </p:pic>
+        <p:sp>
+          <p:nvSpPr>
+            <p:cNvPr id="7" name="Rectangle 6"/>
+            <p:cNvSpPr/>
+            <p:nvPr/>
+          </p:nvSpPr>
+          <p:spPr>
+            <a:xfrm>
+              <a:off x="1151748" y="2283"/>
+              <a:ext cx="7992252" cy="832104"/>
+            </a:xfrm>
+            <a:prstGeom prst="rect">
+              <a:avLst/>
+            </a:prstGeom>
+            <a:solidFill>
+              <a:schemeClr val="tx1"/>
+            </a:solidFill>
+            <a:ln>
+              <a:solidFill>
+                <a:schemeClr val="tx1"/>
+              </a:solidFill>
+            </a:ln>
+            <a:effectLst/>
+          </p:spPr>
+          <p:style>
+            <a:lnRef idx="1">
+              <a:schemeClr val="accent1"/>
+            </a:lnRef>
+            <a:fillRef idx="3">
+              <a:schemeClr val="accent1"/>
+            </a:fillRef>
+            <a:effectRef idx="2">
+              <a:schemeClr val="accent1"/>
+            </a:effectRef>
+            <a:fontRef idx="minor">
+              <a:schemeClr val="lt1"/>
+            </a:fontRef>
+          </p:style>
+          <p:txBody>
+            <a:bodyPr rtlCol="0" anchor="ctr"/>
+            <a:lstStyle/>
+            <a:p>
+              <a:pPr algn="ctr"/>
+              <a:endParaRPr lang="en-US"/>
+            </a:p>
+          </p:txBody>
+        </p:sp>
+        <p:pic>
+          <p:nvPicPr>
+            <p:cNvPr id="8" name="Picture 7"/>
+            <p:cNvPicPr>
+              <a:picLocks noChangeAspect="1"/>
+            </p:cNvPicPr>
+            <p:nvPr/>
+          </p:nvPicPr>
+          <p:blipFill>
+            <a:blip r:embed="rId3"/>
+            <a:stretch>
+              <a:fillRect/>
+            </a:stretch>
+          </p:blipFill>
+          <p:spPr>
+            <a:xfrm>
+              <a:off x="8311013" y="2283"/>
+              <a:ext cx="832987" cy="832987"/>
+            </a:xfrm>
+            <a:prstGeom prst="rect">
+              <a:avLst/>
+            </a:prstGeom>
+          </p:spPr>
+        </p:pic>
+        <p:sp>
+          <p:nvSpPr>
+            <p:cNvPr id="9" name="TextBox 8"/>
+            <p:cNvSpPr txBox="1"/>
+            <p:nvPr/>
+          </p:nvSpPr>
+          <p:spPr>
+            <a:xfrm>
+              <a:off x="1202040" y="188621"/>
+              <a:ext cx="6983237" cy="461665"/>
+            </a:xfrm>
+            <a:prstGeom prst="rect">
+              <a:avLst/>
+            </a:prstGeom>
+            <a:noFill/>
+          </p:spPr>
+          <p:txBody>
+            <a:bodyPr wrap="square" rtlCol="0">
+              <a:spAutoFit/>
+            </a:bodyPr>
+            <a:lstStyle/>
+            <a:p>
+              <a:pPr algn="ctr"/>
+              <a:r>
+                <a:rPr lang="en-US" sz="2400" dirty="0" smtClean="0">
+                  <a:solidFill>
+                    <a:srgbClr val="FFFFFF"/>
+                  </a:solidFill>
+                  <a:latin typeface="Candara"/>
+                  <a:cs typeface="Candara"/>
+                </a:rPr>
+                <a:t>Motor Current Draw</a:t>
+              </a:r>
+              <a:endParaRPr lang="en-US" sz="2400" dirty="0">
+                <a:solidFill>
+                  <a:srgbClr val="FFFFFF"/>
+                </a:solidFill>
+                <a:latin typeface="Candara"/>
+                <a:cs typeface="Candara"/>
+              </a:endParaRPr>
+            </a:p>
+          </p:txBody>
+        </p:sp>
+      </p:grpSp>
+      <mc:AlternateContent xmlns:mc="http://schemas.openxmlformats.org/markup-compatibility/2006">
+        <mc:Choice xmlns:a14="http://schemas.microsoft.com/office/drawing/2010/main" Requires="a14">
+          <p:sp>
+            <p:nvSpPr>
+              <p:cNvPr id="3" name="TextBox 2"/>
+              <p:cNvSpPr txBox="1"/>
+              <p:nvPr/>
+            </p:nvSpPr>
+            <p:spPr>
+              <a:xfrm>
+                <a:off x="669851" y="1483955"/>
+                <a:ext cx="2902689" cy="4363952"/>
+              </a:xfrm>
+              <a:prstGeom prst="rect">
+                <a:avLst/>
+              </a:prstGeom>
+              <a:noFill/>
+            </p:spPr>
+            <p:txBody>
+              <a:bodyPr wrap="square" rtlCol="0">
+                <a:spAutoFit/>
+              </a:bodyPr>
+              <a:lstStyle/>
+              <a:p>
+                <a:pPr algn="ctr"/>
+                <a:r>
+                  <a:rPr lang="en-US" dirty="0"/>
+                  <a:t>Thrust per motor:</a:t>
+                </a:r>
+              </a:p>
+              <a:p>
+                <a:pPr algn="ctr"/>
+                <a:endParaRPr lang="en-US" b="0" dirty="0" smtClean="0">
+                  <a:latin typeface="Cambria Math"/>
+                </a:endParaRPr>
+              </a:p>
+              <a:p>
+                <a:pPr algn="ctr"/>
+                <a14:m>
+                  <m:oMathPara xmlns:m="http://schemas.openxmlformats.org/officeDocument/2006/math">
+                    <m:oMathParaPr>
+                      <m:jc m:val="centerGroup"/>
+                    </m:oMathParaPr>
+                    <m:oMath xmlns:m="http://schemas.openxmlformats.org/officeDocument/2006/math">
+                      <m:r>
+                        <a:rPr lang="en-US" b="0" i="1" smtClean="0">
+                          <a:latin typeface="Cambria Math"/>
+                        </a:rPr>
+                        <m:t>𝑇</m:t>
+                      </m:r>
+                      <m:r>
+                        <a:rPr lang="en-US" b="0" i="1" smtClean="0">
+                          <a:latin typeface="Cambria Math"/>
+                        </a:rPr>
+                        <m:t>=0.5 </m:t>
+                      </m:r>
+                      <m:r>
+                        <a:rPr lang="en-US" b="0" i="1" smtClean="0">
+                          <a:latin typeface="Cambria Math"/>
+                          <a:ea typeface="Cambria Math"/>
+                        </a:rPr>
+                        <m:t>𝜌</m:t>
+                      </m:r>
+                      <m:r>
+                        <a:rPr lang="en-US" b="0" i="1" smtClean="0">
+                          <a:latin typeface="Cambria Math"/>
+                          <a:ea typeface="Cambria Math"/>
+                        </a:rPr>
+                        <m:t>𝐴</m:t>
+                      </m:r>
+                      <m:sSup>
+                        <m:sSupPr>
+                          <m:ctrlPr>
+                            <a:rPr lang="en-US" b="0" i="1" smtClean="0">
+                              <a:latin typeface="Cambria Math"/>
+                              <a:ea typeface="Cambria Math"/>
+                            </a:rPr>
+                          </m:ctrlPr>
+                        </m:sSupPr>
+                        <m:e>
+                          <m:r>
+                            <a:rPr lang="en-US" b="0" i="1" smtClean="0">
+                              <a:latin typeface="Cambria Math"/>
+                              <a:ea typeface="Cambria Math"/>
+                            </a:rPr>
+                            <m:t>𝑣</m:t>
+                          </m:r>
+                        </m:e>
+                        <m:sup>
+                          <m:r>
+                            <a:rPr lang="en-US" b="0" i="1" smtClean="0">
+                              <a:latin typeface="Cambria Math"/>
+                              <a:ea typeface="Cambria Math"/>
+                            </a:rPr>
+                            <m:t>2</m:t>
+                          </m:r>
+                        </m:sup>
+                      </m:sSup>
+                    </m:oMath>
+                  </m:oMathPara>
+                </a14:m>
+                <a:endParaRPr lang="en-US" b="0" dirty="0" smtClean="0">
+                  <a:ea typeface="Cambria Math"/>
+                </a:endParaRPr>
+              </a:p>
+              <a:p>
+                <a:pPr algn="ctr"/>
+                <a:endParaRPr lang="en-US" dirty="0" smtClean="0"/>
+              </a:p>
+              <a:p>
+                <a:pPr algn="ctr"/>
+                <a:r>
+                  <a:rPr lang="en-US" dirty="0" smtClean="0"/>
+                  <a:t>For Hover:  Thrust = Weight</a:t>
+                </a:r>
+              </a:p>
+              <a:p>
+                <a:pPr algn="ctr"/>
+                <a:endParaRPr lang="en-US" dirty="0"/>
+              </a:p>
+              <a:p>
+                <a:pPr algn="ctr"/>
+                <a14:m>
+                  <m:oMathPara xmlns:m="http://schemas.openxmlformats.org/officeDocument/2006/math">
+                    <m:oMathParaPr>
+                      <m:jc m:val="centerGroup"/>
+                    </m:oMathParaPr>
+                    <m:oMath xmlns:m="http://schemas.openxmlformats.org/officeDocument/2006/math">
+                      <m:sSub>
+                        <m:sSubPr>
+                          <m:ctrlPr>
+                            <a:rPr lang="en-US" b="0" i="1" smtClean="0">
+                              <a:latin typeface="Cambria Math"/>
+                            </a:rPr>
+                          </m:ctrlPr>
+                        </m:sSubPr>
+                        <m:e>
+                          <m:r>
+                            <a:rPr lang="en-US" b="0" i="1" smtClean="0">
+                              <a:latin typeface="Cambria Math"/>
+                            </a:rPr>
+                            <m:t>𝑣</m:t>
+                          </m:r>
+                        </m:e>
+                        <m:sub>
+                          <m:r>
+                            <a:rPr lang="en-US" b="0" i="1" smtClean="0">
+                              <a:latin typeface="Cambria Math"/>
+                            </a:rPr>
+                            <m:t>h𝑜𝑣</m:t>
+                          </m:r>
+                        </m:sub>
+                      </m:sSub>
+                      <m:r>
+                        <a:rPr lang="en-US" b="0" i="1" smtClean="0">
+                          <a:latin typeface="Cambria Math"/>
+                        </a:rPr>
+                        <m:t>= </m:t>
+                      </m:r>
+                      <m:rad>
+                        <m:radPr>
+                          <m:degHide m:val="on"/>
+                          <m:ctrlPr>
+                            <a:rPr lang="en-US" i="1" smtClean="0">
+                              <a:latin typeface="Cambria Math"/>
+                            </a:rPr>
+                          </m:ctrlPr>
+                        </m:radPr>
+                        <m:deg/>
+                        <m:e>
+                          <m:f>
+                            <m:fPr>
+                              <m:ctrlPr>
+                                <a:rPr lang="en-US" i="1" smtClean="0">
+                                  <a:latin typeface="Cambria Math"/>
+                                </a:rPr>
+                              </m:ctrlPr>
+                            </m:fPr>
+                            <m:num>
+                              <m:r>
+                                <a:rPr lang="en-US" b="0" i="1" smtClean="0">
+                                  <a:latin typeface="Cambria Math"/>
+                                </a:rPr>
+                                <m:t>𝑚𝑔</m:t>
+                              </m:r>
+                            </m:num>
+                            <m:den>
+                              <m:r>
+                                <a:rPr lang="en-US" b="0" i="1" smtClean="0">
+                                  <a:latin typeface="Cambria Math"/>
+                                </a:rPr>
+                                <m:t>2</m:t>
+                              </m:r>
+                              <m:r>
+                                <a:rPr lang="en-US" b="0" i="1" smtClean="0">
+                                  <a:latin typeface="Cambria Math"/>
+                                  <a:ea typeface="Cambria Math"/>
+                                </a:rPr>
+                                <m:t>𝜌𝜋</m:t>
+                              </m:r>
+                              <m:sSup>
+                                <m:sSupPr>
+                                  <m:ctrlPr>
+                                    <a:rPr lang="en-US" b="0" i="1" smtClean="0">
+                                      <a:latin typeface="Cambria Math"/>
+                                      <a:ea typeface="Cambria Math"/>
+                                    </a:rPr>
+                                  </m:ctrlPr>
+                                </m:sSupPr>
+                                <m:e>
+                                  <m:r>
+                                    <a:rPr lang="en-US" b="0" i="1" smtClean="0">
+                                      <a:latin typeface="Cambria Math"/>
+                                      <a:ea typeface="Cambria Math"/>
+                                    </a:rPr>
+                                    <m:t>𝑟</m:t>
+                                  </m:r>
+                                </m:e>
+                                <m:sup>
+                                  <m:r>
+                                    <a:rPr lang="en-US" b="0" i="1" smtClean="0">
+                                      <a:latin typeface="Cambria Math"/>
+                                      <a:ea typeface="Cambria Math"/>
+                                    </a:rPr>
+                                    <m:t>2</m:t>
+                                  </m:r>
+                                </m:sup>
+                              </m:sSup>
+                            </m:den>
+                          </m:f>
+                        </m:e>
+                      </m:rad>
+                    </m:oMath>
+                  </m:oMathPara>
+                </a14:m>
+                <a:endParaRPr lang="en-US" dirty="0" smtClean="0"/>
+              </a:p>
+              <a:p>
+                <a:pPr algn="ctr"/>
+                <a:endParaRPr lang="en-US" dirty="0"/>
+              </a:p>
+              <a:p>
+                <a:pPr algn="ctr"/>
+                <a:r>
+                  <a:rPr lang="en-US" dirty="0" smtClean="0"/>
+                  <a:t>Relating Power</a:t>
+                </a:r>
+              </a:p>
+              <a:p>
+                <a:pPr algn="ctr"/>
+                <a14:m>
+                  <m:oMathPara xmlns:m="http://schemas.openxmlformats.org/officeDocument/2006/math">
+                    <m:oMathParaPr>
+                      <m:jc m:val="centerGroup"/>
+                    </m:oMathParaPr>
+                    <m:oMath xmlns:m="http://schemas.openxmlformats.org/officeDocument/2006/math">
+                      <m:r>
+                        <a:rPr lang="en-US" i="1">
+                          <a:latin typeface="Cambria Math"/>
+                        </a:rPr>
+                        <m:t>𝑃</m:t>
+                      </m:r>
+                      <m:r>
+                        <a:rPr lang="en-US" i="1">
+                          <a:latin typeface="Cambria Math"/>
+                        </a:rPr>
+                        <m:t>=</m:t>
+                      </m:r>
+                      <m:r>
+                        <a:rPr lang="en-US" i="1">
+                          <a:latin typeface="Cambria Math"/>
+                        </a:rPr>
+                        <m:t>𝑇𝑣</m:t>
+                      </m:r>
+                      <m:r>
+                        <a:rPr lang="en-US">
+                          <a:latin typeface="Cambria Math"/>
+                        </a:rPr>
+                        <m:t>=</m:t>
+                      </m:r>
+                      <m:r>
+                        <m:rPr>
+                          <m:sty m:val="p"/>
+                        </m:rPr>
+                        <a:rPr lang="en-US">
+                          <a:latin typeface="Cambria Math"/>
+                        </a:rPr>
+                        <m:t>IV</m:t>
+                      </m:r>
+                    </m:oMath>
+                  </m:oMathPara>
+                </a14:m>
+                <a:endParaRPr lang="en-US" dirty="0" smtClean="0"/>
+              </a:p>
+              <a:p>
+                <a:pPr algn="ctr"/>
+                <a:endParaRPr lang="en-US" dirty="0"/>
+              </a:p>
+              <a:p>
+                <a:pPr algn="ctr"/>
+                <a14:m>
+                  <m:oMathPara xmlns:m="http://schemas.openxmlformats.org/officeDocument/2006/math">
+                    <m:oMathParaPr>
+                      <m:jc m:val="centerGroup"/>
+                    </m:oMathParaPr>
+                    <m:oMath xmlns:m="http://schemas.openxmlformats.org/officeDocument/2006/math">
+                      <m:r>
+                        <a:rPr lang="en-US" b="0" i="1" smtClean="0">
+                          <a:latin typeface="Cambria Math"/>
+                        </a:rPr>
+                        <m:t>𝐼</m:t>
+                      </m:r>
+                      <m:r>
+                        <a:rPr lang="en-US" b="0" i="1" smtClean="0">
+                          <a:latin typeface="Cambria Math"/>
+                        </a:rPr>
+                        <m:t>= </m:t>
+                      </m:r>
+                      <m:f>
+                        <m:fPr>
+                          <m:ctrlPr>
+                            <a:rPr lang="en-US" b="0" i="1" smtClean="0">
+                              <a:latin typeface="Cambria Math"/>
+                            </a:rPr>
+                          </m:ctrlPr>
+                        </m:fPr>
+                        <m:num>
+                          <m:sSup>
+                            <m:sSupPr>
+                              <m:ctrlPr>
+                                <a:rPr lang="en-US" b="0" i="1" smtClean="0">
+                                  <a:latin typeface="Cambria Math"/>
+                                </a:rPr>
+                              </m:ctrlPr>
+                            </m:sSupPr>
+                            <m:e>
+                              <m:d>
+                                <m:dPr>
+                                  <m:ctrlPr>
+                                    <a:rPr lang="en-US" b="0" i="1" smtClean="0">
+                                      <a:latin typeface="Cambria Math"/>
+                                    </a:rPr>
+                                  </m:ctrlPr>
+                                </m:dPr>
+                                <m:e>
+                                  <m:r>
+                                    <a:rPr lang="en-US" b="0" i="1" smtClean="0">
+                                      <a:latin typeface="Cambria Math"/>
+                                    </a:rPr>
+                                    <m:t>𝑚𝑔</m:t>
+                                  </m:r>
+                                </m:e>
+                              </m:d>
+                            </m:e>
+                            <m:sup>
+                              <m:r>
+                                <a:rPr lang="en-US" b="0" i="1" smtClean="0">
+                                  <a:latin typeface="Cambria Math"/>
+                                </a:rPr>
+                                <m:t>3/2</m:t>
+                              </m:r>
+                            </m:sup>
+                          </m:sSup>
+                        </m:num>
+                        <m:den>
+                          <m:r>
+                            <m:rPr>
+                              <m:sty m:val="p"/>
+                            </m:rPr>
+                            <a:rPr lang="el-GR" b="0" i="1" smtClean="0">
+                              <a:latin typeface="Cambria Math"/>
+                            </a:rPr>
+                            <m:t>η</m:t>
+                          </m:r>
+                          <m:r>
+                            <a:rPr lang="en-US" b="0" i="1" smtClean="0">
+                              <a:latin typeface="Cambria Math"/>
+                            </a:rPr>
+                            <m:t>4</m:t>
+                          </m:r>
+                          <m:r>
+                            <a:rPr lang="en-US" b="0" i="1" smtClean="0">
+                              <a:latin typeface="Cambria Math"/>
+                            </a:rPr>
+                            <m:t>𝑟</m:t>
+                          </m:r>
+                          <m:r>
+                            <m:rPr>
+                              <m:sty m:val="p"/>
+                            </m:rPr>
+                            <a:rPr lang="en-US" b="0" i="0" smtClean="0">
+                              <a:latin typeface="Cambria Math"/>
+                            </a:rPr>
+                            <m:t>V</m:t>
+                          </m:r>
+                          <m:rad>
+                            <m:radPr>
+                              <m:degHide m:val="on"/>
+                              <m:ctrlPr>
+                                <a:rPr lang="en-US" b="0" i="1" smtClean="0">
+                                  <a:latin typeface="Cambria Math"/>
+                                </a:rPr>
+                              </m:ctrlPr>
+                            </m:radPr>
+                            <m:deg/>
+                            <m:e>
+                              <m:r>
+                                <a:rPr lang="en-US" b="0" i="1" smtClean="0">
+                                  <a:latin typeface="Cambria Math"/>
+                                </a:rPr>
+                                <m:t>2</m:t>
+                              </m:r>
+                              <m:r>
+                                <a:rPr lang="en-US" b="0" i="1" smtClean="0">
+                                  <a:latin typeface="Cambria Math"/>
+                                  <a:ea typeface="Cambria Math"/>
+                                </a:rPr>
+                                <m:t>𝜋𝜌</m:t>
+                              </m:r>
+                            </m:e>
+                          </m:rad>
+                        </m:den>
+                      </m:f>
+                    </m:oMath>
+                  </m:oMathPara>
+                </a14:m>
+                <a:endParaRPr lang="en-US" dirty="0"/>
+              </a:p>
+            </p:txBody>
+          </p:sp>
+        </mc:Choice>
+        <mc:Fallback>
+          <p:sp>
+            <p:nvSpPr>
+              <p:cNvPr id="3" name="TextBox 2"/>
+              <p:cNvSpPr txBox="1">
+                <a:spLocks noRot="1" noChangeAspect="1" noMove="1" noResize="1" noEditPoints="1" noAdjustHandles="1" noChangeArrowheads="1" noChangeShapeType="1" noTextEdit="1"/>
+              </p:cNvSpPr>
+              <p:nvPr/>
+            </p:nvSpPr>
+            <p:spPr>
+              <a:xfrm>
+                <a:off x="669851" y="1483955"/>
+                <a:ext cx="2902689" cy="4363952"/>
+              </a:xfrm>
+              <a:prstGeom prst="rect">
+                <a:avLst/>
+              </a:prstGeom>
+              <a:blipFill rotWithShape="1">
+                <a:blip r:embed="rId4"/>
+                <a:stretch>
+                  <a:fillRect t="-698"/>
+                </a:stretch>
+              </a:blipFill>
+            </p:spPr>
+            <p:txBody>
+              <a:bodyPr/>
+              <a:lstStyle/>
+              <a:p>
+                <a:r>
+                  <a:rPr lang="en-US">
+                    <a:noFill/>
+                  </a:rPr>
+                  <a:t> </a:t>
+                </a:r>
+              </a:p>
+            </p:txBody>
+          </p:sp>
+        </mc:Fallback>
+      </mc:AlternateContent>
+      <p:sp>
+        <p:nvSpPr>
+          <p:cNvPr id="10" name="Rectangle 9"/>
+          <p:cNvSpPr/>
+          <p:nvPr/>
+        </p:nvSpPr>
+        <p:spPr>
+          <a:xfrm>
+            <a:off x="1000078" y="5003332"/>
+            <a:ext cx="2232837" cy="935665"/>
+          </a:xfrm>
+          <a:prstGeom prst="rect">
+            <a:avLst/>
+          </a:prstGeom>
+          <a:noFill/>
+          <a:ln w="28575">
+            <a:solidFill>
+              <a:srgbClr val="FF0000"/>
+            </a:solidFill>
+          </a:ln>
+        </p:spPr>
+        <p:style>
+          <a:lnRef idx="1">
+            <a:schemeClr val="accent1"/>
+          </a:lnRef>
+          <a:fillRef idx="3">
+            <a:schemeClr val="accent1"/>
+          </a:fillRef>
+          <a:effectRef idx="2">
+            <a:schemeClr val="accent1"/>
+          </a:effectRef>
+          <a:fontRef idx="minor">
+            <a:schemeClr val="lt1"/>
+          </a:fontRef>
+        </p:style>
+        <p:txBody>
+          <a:bodyPr rtlCol="0" anchor="ctr"/>
+          <a:lstStyle/>
+          <a:p>
+            <a:pPr algn="ctr"/>
+            <a:endParaRPr lang="en-US"/>
+          </a:p>
+        </p:txBody>
+      </p:sp>
+      <p:sp>
+        <p:nvSpPr>
+          <p:cNvPr id="12" name="Isosceles Triangle 11"/>
+          <p:cNvSpPr/>
+          <p:nvPr/>
+        </p:nvSpPr>
+        <p:spPr>
+          <a:xfrm>
+            <a:off x="6701170" y="1722474"/>
+            <a:ext cx="271129" cy="372140"/>
+          </a:xfrm>
+          <a:prstGeom prst="triangle">
+            <a:avLst/>
+          </a:prstGeom>
+          <a:solidFill>
+            <a:schemeClr val="bg1">
+              <a:lumMod val="75000"/>
+            </a:schemeClr>
+          </a:solidFill>
+          <a:ln>
+            <a:solidFill>
+              <a:schemeClr val="bg1">
+                <a:lumMod val="75000"/>
+              </a:schemeClr>
+            </a:solidFill>
+          </a:ln>
+        </p:spPr>
+        <p:style>
+          <a:lnRef idx="1">
+            <a:schemeClr val="accent1"/>
+          </a:lnRef>
+          <a:fillRef idx="3">
+            <a:schemeClr val="accent1"/>
+          </a:fillRef>
+          <a:effectRef idx="2">
+            <a:schemeClr val="accent1"/>
+          </a:effectRef>
+          <a:fontRef idx="minor">
+            <a:schemeClr val="lt1"/>
+          </a:fontRef>
+        </p:style>
+        <p:txBody>
+          <a:bodyPr rtlCol="0" anchor="ctr"/>
+          <a:lstStyle/>
+          <a:p>
+            <a:pPr algn="ctr"/>
+            <a:endParaRPr lang="en-US"/>
+          </a:p>
+        </p:txBody>
+      </p:sp>
+      <p:sp>
+        <p:nvSpPr>
+          <p:cNvPr id="13" name="Rectangle 12"/>
+          <p:cNvSpPr/>
+          <p:nvPr/>
+        </p:nvSpPr>
+        <p:spPr>
+          <a:xfrm>
+            <a:off x="6767623" y="2094614"/>
+            <a:ext cx="138223" cy="212651"/>
+          </a:xfrm>
+          <a:prstGeom prst="rect">
+            <a:avLst/>
+          </a:prstGeom>
+          <a:solidFill>
+            <a:schemeClr val="bg1">
+              <a:lumMod val="75000"/>
+            </a:schemeClr>
+          </a:solidFill>
+          <a:ln>
+            <a:solidFill>
+              <a:schemeClr val="bg1">
+                <a:lumMod val="75000"/>
+              </a:schemeClr>
+            </a:solidFill>
+          </a:ln>
+        </p:spPr>
+        <p:style>
+          <a:lnRef idx="1">
+            <a:schemeClr val="accent1"/>
+          </a:lnRef>
+          <a:fillRef idx="3">
+            <a:schemeClr val="accent1"/>
+          </a:fillRef>
+          <a:effectRef idx="2">
+            <a:schemeClr val="accent1"/>
+          </a:effectRef>
+          <a:fontRef idx="minor">
+            <a:schemeClr val="lt1"/>
+          </a:fontRef>
+        </p:style>
+        <p:txBody>
+          <a:bodyPr rtlCol="0" anchor="ctr"/>
+          <a:lstStyle/>
+          <a:p>
+            <a:pPr algn="ctr"/>
+            <a:endParaRPr lang="en-US"/>
+          </a:p>
+        </p:txBody>
+      </p:sp>
+      <p:sp>
+        <p:nvSpPr>
+          <p:cNvPr id="14" name="Oval 13"/>
+          <p:cNvSpPr/>
+          <p:nvPr/>
+        </p:nvSpPr>
+        <p:spPr>
+          <a:xfrm>
+            <a:off x="4944997" y="2094614"/>
+            <a:ext cx="3783475" cy="122987"/>
+          </a:xfrm>
+          <a:prstGeom prst="ellipse">
+            <a:avLst/>
+          </a:prstGeom>
+        </p:spPr>
+        <p:style>
+          <a:lnRef idx="1">
+            <a:schemeClr val="accent1"/>
+          </a:lnRef>
+          <a:fillRef idx="3">
+            <a:schemeClr val="accent1"/>
+          </a:fillRef>
+          <a:effectRef idx="2">
+            <a:schemeClr val="accent1"/>
+          </a:effectRef>
+          <a:fontRef idx="minor">
+            <a:schemeClr val="lt1"/>
+          </a:fontRef>
+        </p:style>
+        <p:txBody>
+          <a:bodyPr rtlCol="0" anchor="ctr"/>
+          <a:lstStyle/>
+          <a:p>
+            <a:pPr algn="ctr"/>
+            <a:endParaRPr lang="en-US"/>
+          </a:p>
+        </p:txBody>
+      </p:sp>
+      <p:sp>
+        <p:nvSpPr>
+          <p:cNvPr id="11" name="Rounded Rectangle 10"/>
+          <p:cNvSpPr/>
+          <p:nvPr/>
+        </p:nvSpPr>
+        <p:spPr>
+          <a:xfrm>
+            <a:off x="6406115" y="2307265"/>
+            <a:ext cx="861237" cy="914400"/>
+          </a:xfrm>
+          <a:prstGeom prst="roundRect">
+            <a:avLst/>
+          </a:prstGeom>
+          <a:solidFill>
+            <a:schemeClr val="bg1">
+              <a:lumMod val="75000"/>
+            </a:schemeClr>
+          </a:solidFill>
+          <a:ln>
+            <a:solidFill>
+              <a:schemeClr val="bg1">
+                <a:lumMod val="75000"/>
+              </a:schemeClr>
+            </a:solidFill>
+          </a:ln>
+        </p:spPr>
+        <p:style>
+          <a:lnRef idx="1">
+            <a:schemeClr val="accent1"/>
+          </a:lnRef>
+          <a:fillRef idx="3">
+            <a:schemeClr val="accent1"/>
+          </a:fillRef>
+          <a:effectRef idx="2">
+            <a:schemeClr val="accent1"/>
+          </a:effectRef>
+          <a:fontRef idx="minor">
+            <a:schemeClr val="lt1"/>
+          </a:fontRef>
+        </p:style>
+        <p:txBody>
+          <a:bodyPr rtlCol="0" anchor="ctr"/>
+          <a:lstStyle/>
+          <a:p>
+            <a:pPr algn="ctr"/>
+            <a:endParaRPr lang="en-US"/>
+          </a:p>
+        </p:txBody>
+      </p:sp>
+      <p:cxnSp>
+        <p:nvCxnSpPr>
+          <p:cNvPr id="16" name="Straight Connector 15"/>
+          <p:cNvCxnSpPr/>
+          <p:nvPr/>
+        </p:nvCxnSpPr>
+        <p:spPr>
+          <a:xfrm>
+            <a:off x="6677249" y="3224681"/>
+            <a:ext cx="10633" cy="967563"/>
+          </a:xfrm>
+          <a:prstGeom prst="line">
+            <a:avLst/>
+          </a:prstGeom>
+          <a:ln w="38100">
+            <a:solidFill>
+              <a:srgbClr val="FF0000"/>
+            </a:solidFill>
+          </a:ln>
+        </p:spPr>
+        <p:style>
+          <a:lnRef idx="2">
+            <a:schemeClr val="accent1"/>
+          </a:lnRef>
+          <a:fillRef idx="0">
+            <a:schemeClr val="accent1"/>
+          </a:fillRef>
+          <a:effectRef idx="1">
+            <a:schemeClr val="accent1"/>
+          </a:effectRef>
+          <a:fontRef idx="minor">
+            <a:schemeClr val="tx1"/>
+          </a:fontRef>
+        </p:style>
+      </p:cxnSp>
+      <p:cxnSp>
+        <p:nvCxnSpPr>
+          <p:cNvPr id="17" name="Straight Connector 16"/>
+          <p:cNvCxnSpPr/>
+          <p:nvPr/>
+        </p:nvCxnSpPr>
+        <p:spPr>
+          <a:xfrm>
+            <a:off x="6975409" y="3217064"/>
+            <a:ext cx="11067" cy="1007079"/>
+          </a:xfrm>
+          <a:prstGeom prst="line">
+            <a:avLst/>
+          </a:prstGeom>
+          <a:ln w="38100">
+            <a:solidFill>
+              <a:schemeClr val="tx1"/>
+            </a:solidFill>
+          </a:ln>
+        </p:spPr>
+        <p:style>
+          <a:lnRef idx="2">
+            <a:schemeClr val="accent1"/>
+          </a:lnRef>
+          <a:fillRef idx="0">
+            <a:schemeClr val="accent1"/>
+          </a:fillRef>
+          <a:effectRef idx="1">
+            <a:schemeClr val="accent1"/>
+          </a:effectRef>
+          <a:fontRef idx="minor">
+            <a:schemeClr val="tx1"/>
+          </a:fontRef>
+        </p:style>
+      </p:cxnSp>
+      <p:sp>
+        <p:nvSpPr>
+          <p:cNvPr id="19" name="TextBox 18"/>
+          <p:cNvSpPr txBox="1"/>
+          <p:nvPr/>
+        </p:nvSpPr>
+        <p:spPr>
+          <a:xfrm>
+            <a:off x="5765194" y="1386552"/>
+            <a:ext cx="251339" cy="369332"/>
+          </a:xfrm>
+          <a:prstGeom prst="rect">
+            <a:avLst/>
+          </a:prstGeom>
+          <a:noFill/>
+        </p:spPr>
+        <p:txBody>
+          <a:bodyPr wrap="square" rtlCol="0">
+            <a:spAutoFit/>
+          </a:bodyPr>
+          <a:lstStyle/>
+          <a:p>
+            <a:r>
+              <a:rPr lang="en-US" dirty="0"/>
+              <a:t>r</a:t>
+            </a:r>
+          </a:p>
+        </p:txBody>
+      </p:sp>
+      <p:sp>
+        <p:nvSpPr>
+          <p:cNvPr id="20" name="TextBox 19"/>
+          <p:cNvSpPr txBox="1"/>
+          <p:nvPr/>
+        </p:nvSpPr>
+        <p:spPr>
+          <a:xfrm>
+            <a:off x="6586412" y="4220277"/>
+            <a:ext cx="480854" cy="369332"/>
+          </a:xfrm>
+          <a:prstGeom prst="rect">
+            <a:avLst/>
+          </a:prstGeom>
+          <a:noFill/>
+        </p:spPr>
+        <p:txBody>
+          <a:bodyPr wrap="square" rtlCol="0">
+            <a:spAutoFit/>
+          </a:bodyPr>
+          <a:lstStyle/>
+          <a:p>
+            <a:r>
+              <a:rPr lang="en-US" dirty="0" smtClean="0"/>
+              <a:t>I,V</a:t>
+            </a:r>
+            <a:endParaRPr lang="en-US" dirty="0"/>
+          </a:p>
+        </p:txBody>
+      </p:sp>
+      <p:sp>
+        <p:nvSpPr>
+          <p:cNvPr id="21" name="TextBox 20"/>
+          <p:cNvSpPr txBox="1"/>
+          <p:nvPr/>
+        </p:nvSpPr>
+        <p:spPr>
+          <a:xfrm>
+            <a:off x="6701170" y="2579799"/>
+            <a:ext cx="251339" cy="369332"/>
+          </a:xfrm>
+          <a:prstGeom prst="rect">
+            <a:avLst/>
+          </a:prstGeom>
+          <a:noFill/>
+        </p:spPr>
+        <p:txBody>
+          <a:bodyPr wrap="square" rtlCol="0">
+            <a:spAutoFit/>
+          </a:bodyPr>
+          <a:lstStyle/>
+          <a:p>
+            <a:r>
+              <a:rPr lang="el-GR" dirty="0" smtClean="0"/>
+              <a:t>η</a:t>
+            </a:r>
+            <a:endParaRPr lang="en-US" dirty="0"/>
+          </a:p>
+        </p:txBody>
+      </p:sp>
+      <p:sp>
+        <p:nvSpPr>
+          <p:cNvPr id="22" name="Left Brace 21"/>
+          <p:cNvSpPr/>
+          <p:nvPr/>
+        </p:nvSpPr>
+        <p:spPr>
+          <a:xfrm rot="5400000">
+            <a:off x="5673044" y="992418"/>
+            <a:ext cx="435641" cy="1891737"/>
+          </a:xfrm>
+          <a:prstGeom prst="leftBrace">
+            <a:avLst/>
+          </a:prstGeom>
+        </p:spPr>
+        <p:style>
+          <a:lnRef idx="2">
+            <a:schemeClr val="accent1"/>
+          </a:lnRef>
+          <a:fillRef idx="0">
+            <a:schemeClr val="accent1"/>
+          </a:fillRef>
+          <a:effectRef idx="1">
+            <a:schemeClr val="accent1"/>
+          </a:effectRef>
+          <a:fontRef idx="minor">
+            <a:schemeClr val="tx1"/>
+          </a:fontRef>
+        </p:style>
+        <p:txBody>
+          <a:bodyPr rtlCol="0" anchor="ctr"/>
+          <a:lstStyle/>
+          <a:p>
+            <a:pPr algn="ctr"/>
+            <a:endParaRPr lang="en-US"/>
+          </a:p>
+        </p:txBody>
+      </p:sp>
+      <p:cxnSp>
+        <p:nvCxnSpPr>
+          <p:cNvPr id="24" name="Straight Arrow Connector 23"/>
+          <p:cNvCxnSpPr/>
+          <p:nvPr/>
+        </p:nvCxnSpPr>
+        <p:spPr>
+          <a:xfrm>
+            <a:off x="5241851" y="2307264"/>
+            <a:ext cx="0" cy="909799"/>
+          </a:xfrm>
+          <a:prstGeom prst="straightConnector1">
+            <a:avLst/>
+          </a:prstGeom>
+          <a:ln>
+            <a:tailEnd type="arrow"/>
+          </a:ln>
+        </p:spPr>
+        <p:style>
+          <a:lnRef idx="2">
+            <a:schemeClr val="accent1"/>
+          </a:lnRef>
+          <a:fillRef idx="0">
+            <a:schemeClr val="accent1"/>
+          </a:fillRef>
+          <a:effectRef idx="1">
+            <a:schemeClr val="accent1"/>
+          </a:effectRef>
+          <a:fontRef idx="minor">
+            <a:schemeClr val="tx1"/>
+          </a:fontRef>
+        </p:style>
+      </p:cxnSp>
+      <p:cxnSp>
+        <p:nvCxnSpPr>
+          <p:cNvPr id="25" name="Straight Arrow Connector 24"/>
+          <p:cNvCxnSpPr/>
+          <p:nvPr/>
+        </p:nvCxnSpPr>
+        <p:spPr>
+          <a:xfrm>
+            <a:off x="5890863" y="2314882"/>
+            <a:ext cx="0" cy="909799"/>
+          </a:xfrm>
+          <a:prstGeom prst="straightConnector1">
+            <a:avLst/>
+          </a:prstGeom>
+          <a:ln>
+            <a:tailEnd type="arrow"/>
+          </a:ln>
+        </p:spPr>
+        <p:style>
+          <a:lnRef idx="2">
+            <a:schemeClr val="accent1"/>
+          </a:lnRef>
+          <a:fillRef idx="0">
+            <a:schemeClr val="accent1"/>
+          </a:fillRef>
+          <a:effectRef idx="1">
+            <a:schemeClr val="accent1"/>
+          </a:effectRef>
+          <a:fontRef idx="minor">
+            <a:schemeClr val="tx1"/>
+          </a:fontRef>
+        </p:style>
+      </p:cxnSp>
+      <p:cxnSp>
+        <p:nvCxnSpPr>
+          <p:cNvPr id="26" name="Straight Arrow Connector 25"/>
+          <p:cNvCxnSpPr/>
+          <p:nvPr/>
+        </p:nvCxnSpPr>
+        <p:spPr>
+          <a:xfrm>
+            <a:off x="7630632" y="2314882"/>
+            <a:ext cx="0" cy="909799"/>
+          </a:xfrm>
+          <a:prstGeom prst="straightConnector1">
+            <a:avLst/>
+          </a:prstGeom>
+          <a:ln>
+            <a:tailEnd type="arrow"/>
+          </a:ln>
+        </p:spPr>
+        <p:style>
+          <a:lnRef idx="2">
+            <a:schemeClr val="accent1"/>
+          </a:lnRef>
+          <a:fillRef idx="0">
+            <a:schemeClr val="accent1"/>
+          </a:fillRef>
+          <a:effectRef idx="1">
+            <a:schemeClr val="accent1"/>
+          </a:effectRef>
+          <a:fontRef idx="minor">
+            <a:schemeClr val="tx1"/>
+          </a:fontRef>
+        </p:style>
+      </p:cxnSp>
+      <p:cxnSp>
+        <p:nvCxnSpPr>
+          <p:cNvPr id="27" name="Straight Arrow Connector 26"/>
+          <p:cNvCxnSpPr/>
+          <p:nvPr/>
+        </p:nvCxnSpPr>
+        <p:spPr>
+          <a:xfrm>
+            <a:off x="8185277" y="2314882"/>
+            <a:ext cx="0" cy="909799"/>
+          </a:xfrm>
+          <a:prstGeom prst="straightConnector1">
+            <a:avLst/>
+          </a:prstGeom>
+          <a:ln>
+            <a:tailEnd type="arrow"/>
+          </a:ln>
+        </p:spPr>
+        <p:style>
+          <a:lnRef idx="2">
+            <a:schemeClr val="accent1"/>
+          </a:lnRef>
+          <a:fillRef idx="0">
+            <a:schemeClr val="accent1"/>
+          </a:fillRef>
+          <a:effectRef idx="1">
+            <a:schemeClr val="accent1"/>
+          </a:effectRef>
+          <a:fontRef idx="minor">
+            <a:schemeClr val="tx1"/>
+          </a:fontRef>
+        </p:style>
+      </p:cxnSp>
+      <mc:AlternateContent xmlns:mc="http://schemas.openxmlformats.org/markup-compatibility/2006">
+        <mc:Choice xmlns:a14="http://schemas.microsoft.com/office/drawing/2010/main" Requires="a14">
+          <p:sp>
+            <p:nvSpPr>
+              <p:cNvPr id="28" name="TextBox 27"/>
+              <p:cNvSpPr txBox="1"/>
+              <p:nvPr/>
+            </p:nvSpPr>
+            <p:spPr>
+              <a:xfrm>
+                <a:off x="7767659" y="2577497"/>
+                <a:ext cx="251339" cy="369332"/>
+              </a:xfrm>
+              <a:prstGeom prst="rect">
+                <a:avLst/>
+              </a:prstGeom>
+              <a:noFill/>
+            </p:spPr>
+            <p:txBody>
+              <a:bodyPr wrap="square" rtlCol="0">
+                <a:spAutoFit/>
+              </a:bodyPr>
+              <a:lstStyle/>
+              <a:p>
+                <a14:m>
+                  <m:oMathPara xmlns:m="http://schemas.openxmlformats.org/officeDocument/2006/math">
+                    <m:oMathParaPr>
+                      <m:jc m:val="centerGroup"/>
+                    </m:oMathParaPr>
+                    <m:oMath xmlns:m="http://schemas.openxmlformats.org/officeDocument/2006/math">
+                      <m:r>
+                        <a:rPr lang="en-US" b="0" i="1" smtClean="0">
+                          <a:latin typeface="Cambria Math"/>
+                        </a:rPr>
+                        <m:t>𝑣</m:t>
+                      </m:r>
+                    </m:oMath>
+                  </m:oMathPara>
+                </a14:m>
+                <a:endParaRPr lang="en-US" i="1" dirty="0"/>
+              </a:p>
+            </p:txBody>
+          </p:sp>
+        </mc:Choice>
+        <mc:Fallback>
+          <p:sp>
+            <p:nvSpPr>
+              <p:cNvPr id="28" name="TextBox 27"/>
+              <p:cNvSpPr txBox="1">
+                <a:spLocks noRot="1" noChangeAspect="1" noMove="1" noResize="1" noEditPoints="1" noAdjustHandles="1" noChangeArrowheads="1" noChangeShapeType="1" noTextEdit="1"/>
+              </p:cNvSpPr>
+              <p:nvPr/>
+            </p:nvSpPr>
+            <p:spPr>
+              <a:xfrm>
+                <a:off x="7767659" y="2577497"/>
+                <a:ext cx="251339" cy="369332"/>
+              </a:xfrm>
+              <a:prstGeom prst="rect">
+                <a:avLst/>
+              </a:prstGeom>
+              <a:blipFill rotWithShape="1">
+                <a:blip r:embed="rId5"/>
+                <a:stretch>
+                  <a:fillRect r="-14634"/>
+                </a:stretch>
+              </a:blipFill>
+            </p:spPr>
+            <p:txBody>
+              <a:bodyPr/>
+              <a:lstStyle/>
+              <a:p>
+                <a:r>
+                  <a:rPr lang="en-US">
+                    <a:noFill/>
+                  </a:rPr>
+                  <a:t> </a:t>
+                </a:r>
+              </a:p>
+            </p:txBody>
+          </p:sp>
+        </mc:Fallback>
+      </mc:AlternateContent>
+    </p:spTree>
+    <p:extLst>
+      <p:ext uri="{BB962C8B-B14F-4D97-AF65-F5344CB8AC3E}">
+        <p14:creationId xmlns:p14="http://schemas.microsoft.com/office/powerpoint/2010/main" val="1583129321"/>
+      </p:ext>
+    </p:extLst>
+  </p:cSld>
+  <p:clrMapOvr>
+    <a:masterClrMapping/>
+  </p:clrMapOvr>
+  <p:timing>
+    <p:tnLst>
+      <p:par>
+        <p:cTn id="1" dur="indefinite" restart="never" nodeType="tmRoot">
+          <p:childTnLst>
+            <p:seq concurrent="1" nextAc="seek">
+              <p:cTn id="2" dur="indefinite" nodeType="mainSeq">
+                <p:childTnLst>
+                  <p:par>
+                    <p:cTn id="3" fill="hold">
+                      <p:stCondLst>
+                        <p:cond delay="indefinite"/>
+                      </p:stCondLst>
+                      <p:childTnLst>
+                        <p:par>
+                          <p:cTn id="4" fill="hold">
+                            <p:stCondLst>
+                              <p:cond delay="0"/>
+                            </p:stCondLst>
+                            <p:childTnLst>
+                              <p:par>
+                                <p:cTn id="5" presetID="1" presetClass="entr" presetSubtype="0" fill="hold" grpId="0" nodeType="clickEffect">
+                                  <p:stCondLst>
+                                    <p:cond delay="0"/>
+                                  </p:stCondLst>
+                                  <p:childTnLst>
+                                    <p:set>
+                                      <p:cBhvr>
+                                        <p:cTn id="6" dur="1" fill="hold">
+                                          <p:stCondLst>
+                                            <p:cond delay="0"/>
+                                          </p:stCondLst>
+                                        </p:cTn>
+                                        <p:tgtEl>
+                                          <p:spTgt spid="10"/>
+                                        </p:tgtEl>
+                                        <p:attrNameLst>
+                                          <p:attrName>style.visibility</p:attrName>
+                                        </p:attrNameLst>
+                                      </p:cBhvr>
+                                      <p:to>
+                                        <p:strVal val="visible"/>
+                                      </p:to>
+                                    </p:set>
+                                  </p:childTnLst>
+                                </p:cTn>
+                              </p:par>
+                            </p:childTnLst>
+                          </p:cTn>
+                        </p:par>
+                      </p:childTnLst>
+                    </p:cTn>
+                  </p:par>
+                </p:childTnLst>
+              </p:cTn>
+              <p:prevCondLst>
+                <p:cond evt="onPrev" delay="0">
+                  <p:tgtEl>
+                    <p:sldTgt/>
+                  </p:tgtEl>
+                </p:cond>
+              </p:prevCondLst>
+              <p:nextCondLst>
+                <p:cond evt="onNext" delay="0">
+                  <p:tgtEl>
+                    <p:sldTgt/>
+                  </p:tgtEl>
+                </p:cond>
+              </p:nextCondLst>
+            </p:seq>
+          </p:childTnLst>
+        </p:cTn>
+      </p:par>
+    </p:tnLst>
+    <p:bldLst>
+      <p:bldP spid="10" grpId="0" animBg="1"/>
+    </p:bldLst>
   </p:timing>
 </p:sld>
 </file>

--- a/Presentations/Mid Semester Review/Individual_Slides/Tyler/Slide template.pptx
+++ b/Presentations/Mid Semester Review/Individual_Slides/Tyler/Slide template.pptx
@@ -5,15 +5,16 @@
     <p:sldMasterId id="2147483648" r:id="rId1"/>
   </p:sldMasterIdLst>
   <p:notesMasterIdLst>
-    <p:notesMasterId r:id="rId8"/>
+    <p:notesMasterId r:id="rId9"/>
   </p:notesMasterIdLst>
   <p:sldIdLst>
     <p:sldId id="260" r:id="rId2"/>
     <p:sldId id="257" r:id="rId3"/>
     <p:sldId id="258" r:id="rId4"/>
-    <p:sldId id="256" r:id="rId5"/>
-    <p:sldId id="259" r:id="rId6"/>
-    <p:sldId id="261" r:id="rId7"/>
+    <p:sldId id="262" r:id="rId5"/>
+    <p:sldId id="256" r:id="rId6"/>
+    <p:sldId id="259" r:id="rId7"/>
+    <p:sldId id="261" r:id="rId8"/>
   </p:sldIdLst>
   <p:sldSz cx="9144000" cy="6858000" type="screen4x3"/>
   <p:notesSz cx="6858000" cy="9144000"/>
@@ -197,7 +198,7 @@
           <a:p>
             <a:fld id="{51E4185F-0EA7-4BA8-A08E-5754056CFC72}" type="datetimeFigureOut">
               <a:rPr lang="en-US" smtClean="0"/>
-              <a:t>10/19/2015</a:t>
+              <a:t>10/20/2015</a:t>
             </a:fld>
             <a:endParaRPr lang="en-US"/>
           </a:p>
@@ -530,7 +531,7 @@
           <a:p>
             <a:fld id="{CC3B56EF-EB95-49F2-A5A6-537DEE8FE14C}" type="slidenum">
               <a:rPr lang="en-US" smtClean="0"/>
-              <a:t>4</a:t>
+              <a:t>5</a:t>
             </a:fld>
             <a:endParaRPr lang="en-US"/>
           </a:p>
@@ -730,7 +731,7 @@
           <a:p>
             <a:fld id="{A8193F1D-56DB-E44D-9849-55B52730CCEA}" type="datetimeFigureOut">
               <a:rPr lang="en-US" smtClean="0"/>
-              <a:t>10/19/2015</a:t>
+              <a:t>10/20/2015</a:t>
             </a:fld>
             <a:endParaRPr lang="en-US"/>
           </a:p>
@@ -900,7 +901,7 @@
           <a:p>
             <a:fld id="{A8193F1D-56DB-E44D-9849-55B52730CCEA}" type="datetimeFigureOut">
               <a:rPr lang="en-US" smtClean="0"/>
-              <a:t>10/19/2015</a:t>
+              <a:t>10/20/2015</a:t>
             </a:fld>
             <a:endParaRPr lang="en-US"/>
           </a:p>
@@ -1080,7 +1081,7 @@
           <a:p>
             <a:fld id="{A8193F1D-56DB-E44D-9849-55B52730CCEA}" type="datetimeFigureOut">
               <a:rPr lang="en-US" smtClean="0"/>
-              <a:t>10/19/2015</a:t>
+              <a:t>10/20/2015</a:t>
             </a:fld>
             <a:endParaRPr lang="en-US"/>
           </a:p>
@@ -1250,7 +1251,7 @@
           <a:p>
             <a:fld id="{A8193F1D-56DB-E44D-9849-55B52730CCEA}" type="datetimeFigureOut">
               <a:rPr lang="en-US" smtClean="0"/>
-              <a:t>10/19/2015</a:t>
+              <a:t>10/20/2015</a:t>
             </a:fld>
             <a:endParaRPr lang="en-US"/>
           </a:p>
@@ -1496,7 +1497,7 @@
           <a:p>
             <a:fld id="{A8193F1D-56DB-E44D-9849-55B52730CCEA}" type="datetimeFigureOut">
               <a:rPr lang="en-US" smtClean="0"/>
-              <a:t>10/19/2015</a:t>
+              <a:t>10/20/2015</a:t>
             </a:fld>
             <a:endParaRPr lang="en-US"/>
           </a:p>
@@ -1784,7 +1785,7 @@
           <a:p>
             <a:fld id="{A8193F1D-56DB-E44D-9849-55B52730CCEA}" type="datetimeFigureOut">
               <a:rPr lang="en-US" smtClean="0"/>
-              <a:t>10/19/2015</a:t>
+              <a:t>10/20/2015</a:t>
             </a:fld>
             <a:endParaRPr lang="en-US"/>
           </a:p>
@@ -2206,7 +2207,7 @@
           <a:p>
             <a:fld id="{A8193F1D-56DB-E44D-9849-55B52730CCEA}" type="datetimeFigureOut">
               <a:rPr lang="en-US" smtClean="0"/>
-              <a:t>10/19/2015</a:t>
+              <a:t>10/20/2015</a:t>
             </a:fld>
             <a:endParaRPr lang="en-US"/>
           </a:p>
@@ -2324,7 +2325,7 @@
           <a:p>
             <a:fld id="{A8193F1D-56DB-E44D-9849-55B52730CCEA}" type="datetimeFigureOut">
               <a:rPr lang="en-US" smtClean="0"/>
-              <a:t>10/19/2015</a:t>
+              <a:t>10/20/2015</a:t>
             </a:fld>
             <a:endParaRPr lang="en-US"/>
           </a:p>
@@ -2419,7 +2420,7 @@
           <a:p>
             <a:fld id="{A8193F1D-56DB-E44D-9849-55B52730CCEA}" type="datetimeFigureOut">
               <a:rPr lang="en-US" smtClean="0"/>
-              <a:t>10/19/2015</a:t>
+              <a:t>10/20/2015</a:t>
             </a:fld>
             <a:endParaRPr lang="en-US"/>
           </a:p>
@@ -2696,7 +2697,7 @@
           <a:p>
             <a:fld id="{A8193F1D-56DB-E44D-9849-55B52730CCEA}" type="datetimeFigureOut">
               <a:rPr lang="en-US" smtClean="0"/>
-              <a:t>10/19/2015</a:t>
+              <a:t>10/20/2015</a:t>
             </a:fld>
             <a:endParaRPr lang="en-US"/>
           </a:p>
@@ -2949,7 +2950,7 @@
           <a:p>
             <a:fld id="{A8193F1D-56DB-E44D-9849-55B52730CCEA}" type="datetimeFigureOut">
               <a:rPr lang="en-US" smtClean="0"/>
-              <a:t>10/19/2015</a:t>
+              <a:t>10/20/2015</a:t>
             </a:fld>
             <a:endParaRPr lang="en-US"/>
           </a:p>
@@ -3162,7 +3163,7 @@
           <a:p>
             <a:fld id="{A8193F1D-56DB-E44D-9849-55B52730CCEA}" type="datetimeFigureOut">
               <a:rPr lang="en-US" smtClean="0"/>
-              <a:t>10/19/2015</a:t>
+              <a:t>10/20/2015</a:t>
             </a:fld>
             <a:endParaRPr lang="en-US"/>
           </a:p>
@@ -6740,6 +6741,526 @@
             <p:nvPr/>
           </p:nvPicPr>
           <p:blipFill>
+            <a:blip r:embed="rId2">
+              <a:extLst>
+                <a:ext uri="{28A0092B-C50C-407E-A947-70E740481C1C}">
+                  <a14:useLocalDpi xmlns:a14="http://schemas.microsoft.com/office/drawing/2010/main" val="0"/>
+                </a:ext>
+              </a:extLst>
+            </a:blip>
+            <a:stretch>
+              <a:fillRect/>
+            </a:stretch>
+          </p:blipFill>
+          <p:spPr>
+            <a:xfrm>
+              <a:off x="0" y="1"/>
+              <a:ext cx="1151748" cy="844012"/>
+            </a:xfrm>
+            <a:prstGeom prst="rect">
+              <a:avLst/>
+            </a:prstGeom>
+          </p:spPr>
+        </p:pic>
+        <p:sp>
+          <p:nvSpPr>
+            <p:cNvPr id="7" name="Rectangle 6"/>
+            <p:cNvSpPr/>
+            <p:nvPr/>
+          </p:nvSpPr>
+          <p:spPr>
+            <a:xfrm>
+              <a:off x="1151748" y="2283"/>
+              <a:ext cx="7992252" cy="832104"/>
+            </a:xfrm>
+            <a:prstGeom prst="rect">
+              <a:avLst/>
+            </a:prstGeom>
+            <a:solidFill>
+              <a:schemeClr val="tx1"/>
+            </a:solidFill>
+            <a:ln>
+              <a:solidFill>
+                <a:schemeClr val="tx1"/>
+              </a:solidFill>
+            </a:ln>
+            <a:effectLst/>
+          </p:spPr>
+          <p:style>
+            <a:lnRef idx="1">
+              <a:schemeClr val="accent1"/>
+            </a:lnRef>
+            <a:fillRef idx="3">
+              <a:schemeClr val="accent1"/>
+            </a:fillRef>
+            <a:effectRef idx="2">
+              <a:schemeClr val="accent1"/>
+            </a:effectRef>
+            <a:fontRef idx="minor">
+              <a:schemeClr val="lt1"/>
+            </a:fontRef>
+          </p:style>
+          <p:txBody>
+            <a:bodyPr rtlCol="0" anchor="ctr"/>
+            <a:lstStyle/>
+            <a:p>
+              <a:pPr algn="ctr"/>
+              <a:endParaRPr lang="en-US"/>
+            </a:p>
+          </p:txBody>
+        </p:sp>
+        <p:pic>
+          <p:nvPicPr>
+            <p:cNvPr id="8" name="Picture 7"/>
+            <p:cNvPicPr>
+              <a:picLocks noChangeAspect="1"/>
+            </p:cNvPicPr>
+            <p:nvPr/>
+          </p:nvPicPr>
+          <p:blipFill>
+            <a:blip r:embed="rId3"/>
+            <a:stretch>
+              <a:fillRect/>
+            </a:stretch>
+          </p:blipFill>
+          <p:spPr>
+            <a:xfrm>
+              <a:off x="8311013" y="2283"/>
+              <a:ext cx="832987" cy="832987"/>
+            </a:xfrm>
+            <a:prstGeom prst="rect">
+              <a:avLst/>
+            </a:prstGeom>
+          </p:spPr>
+        </p:pic>
+        <p:sp>
+          <p:nvSpPr>
+            <p:cNvPr id="9" name="TextBox 8"/>
+            <p:cNvSpPr txBox="1"/>
+            <p:nvPr/>
+          </p:nvSpPr>
+          <p:spPr>
+            <a:xfrm>
+              <a:off x="1202040" y="188621"/>
+              <a:ext cx="6983237" cy="461665"/>
+            </a:xfrm>
+            <a:prstGeom prst="rect">
+              <a:avLst/>
+            </a:prstGeom>
+            <a:noFill/>
+          </p:spPr>
+          <p:txBody>
+            <a:bodyPr wrap="square" rtlCol="0">
+              <a:spAutoFit/>
+            </a:bodyPr>
+            <a:lstStyle/>
+            <a:p>
+              <a:pPr algn="ctr"/>
+              <a:r>
+                <a:rPr lang="en-US" sz="2400" dirty="0" err="1" smtClean="0">
+                  <a:solidFill>
+                    <a:srgbClr val="FFFFFF"/>
+                  </a:solidFill>
+                  <a:latin typeface="Candara"/>
+                  <a:cs typeface="Candara"/>
+                </a:rPr>
+                <a:t>AlienBee</a:t>
+              </a:r>
+              <a:r>
+                <a:rPr lang="en-US" sz="2400" dirty="0" smtClean="0">
+                  <a:solidFill>
+                    <a:srgbClr val="FFFFFF"/>
+                  </a:solidFill>
+                  <a:latin typeface="Candara"/>
+                  <a:cs typeface="Candara"/>
+                </a:rPr>
+                <a:t> Copter with Custom Modifications</a:t>
+              </a:r>
+              <a:endParaRPr lang="en-US" sz="2400" dirty="0">
+                <a:solidFill>
+                  <a:srgbClr val="FFFFFF"/>
+                </a:solidFill>
+                <a:latin typeface="Candara"/>
+                <a:cs typeface="Candara"/>
+              </a:endParaRPr>
+            </a:p>
+          </p:txBody>
+        </p:sp>
+      </p:grpSp>
+      <p:pic>
+        <p:nvPicPr>
+          <p:cNvPr id="2" name="Picture 1"/>
+          <p:cNvPicPr>
+            <a:picLocks noChangeAspect="1"/>
+          </p:cNvPicPr>
+          <p:nvPr/>
+        </p:nvPicPr>
+        <p:blipFill>
+          <a:blip r:embed="rId4">
+            <a:extLst>
+              <a:ext uri="{28A0092B-C50C-407E-A947-70E740481C1C}">
+                <a14:useLocalDpi xmlns:a14="http://schemas.microsoft.com/office/drawing/2010/main" val="0"/>
+              </a:ext>
+            </a:extLst>
+          </a:blip>
+          <a:stretch>
+            <a:fillRect/>
+          </a:stretch>
+        </p:blipFill>
+        <p:spPr>
+          <a:xfrm rot="16200000">
+            <a:off x="4897267" y="2551385"/>
+            <a:ext cx="2979206" cy="5297962"/>
+          </a:xfrm>
+          <a:prstGeom prst="rect">
+            <a:avLst/>
+          </a:prstGeom>
+        </p:spPr>
+      </p:pic>
+      <p:pic>
+        <p:nvPicPr>
+          <p:cNvPr id="10" name="Picture 9"/>
+          <p:cNvPicPr>
+            <a:picLocks noChangeAspect="1"/>
+          </p:cNvPicPr>
+          <p:nvPr/>
+        </p:nvPicPr>
+        <p:blipFill>
+          <a:blip r:embed="rId5">
+            <a:extLst>
+              <a:ext uri="{28A0092B-C50C-407E-A947-70E740481C1C}">
+                <a14:useLocalDpi xmlns:a14="http://schemas.microsoft.com/office/drawing/2010/main" val="0"/>
+              </a:ext>
+            </a:extLst>
+          </a:blip>
+          <a:stretch>
+            <a:fillRect/>
+          </a:stretch>
+        </p:blipFill>
+        <p:spPr>
+          <a:xfrm>
+            <a:off x="61506" y="991010"/>
+            <a:ext cx="4510494" cy="2536389"/>
+          </a:xfrm>
+          <a:prstGeom prst="rect">
+            <a:avLst/>
+          </a:prstGeom>
+        </p:spPr>
+      </p:pic>
+      <p:cxnSp>
+        <p:nvCxnSpPr>
+          <p:cNvPr id="12" name="Straight Arrow Connector 11"/>
+          <p:cNvCxnSpPr/>
+          <p:nvPr/>
+        </p:nvCxnSpPr>
+        <p:spPr>
+          <a:xfrm flipH="1" flipV="1">
+            <a:off x="2137144" y="2679405"/>
+            <a:ext cx="179609" cy="1315056"/>
+          </a:xfrm>
+          <a:prstGeom prst="straightConnector1">
+            <a:avLst/>
+          </a:prstGeom>
+          <a:ln w="28575">
+            <a:solidFill>
+              <a:srgbClr val="FF0000"/>
+            </a:solidFill>
+            <a:tailEnd type="arrow"/>
+          </a:ln>
+        </p:spPr>
+        <p:style>
+          <a:lnRef idx="2">
+            <a:schemeClr val="accent1"/>
+          </a:lnRef>
+          <a:fillRef idx="0">
+            <a:schemeClr val="accent1"/>
+          </a:fillRef>
+          <a:effectRef idx="1">
+            <a:schemeClr val="accent1"/>
+          </a:effectRef>
+          <a:fontRef idx="minor">
+            <a:schemeClr val="tx1"/>
+          </a:fontRef>
+        </p:style>
+      </p:cxnSp>
+      <p:cxnSp>
+        <p:nvCxnSpPr>
+          <p:cNvPr id="13" name="Straight Arrow Connector 12"/>
+          <p:cNvCxnSpPr/>
+          <p:nvPr/>
+        </p:nvCxnSpPr>
+        <p:spPr>
+          <a:xfrm flipV="1">
+            <a:off x="2524717" y="2679405"/>
+            <a:ext cx="167720" cy="1315056"/>
+          </a:xfrm>
+          <a:prstGeom prst="straightConnector1">
+            <a:avLst/>
+          </a:prstGeom>
+          <a:ln w="28575">
+            <a:solidFill>
+              <a:srgbClr val="FF0000"/>
+            </a:solidFill>
+            <a:tailEnd type="arrow"/>
+          </a:ln>
+        </p:spPr>
+        <p:style>
+          <a:lnRef idx="2">
+            <a:schemeClr val="accent1"/>
+          </a:lnRef>
+          <a:fillRef idx="0">
+            <a:schemeClr val="accent1"/>
+          </a:fillRef>
+          <a:effectRef idx="1">
+            <a:schemeClr val="accent1"/>
+          </a:effectRef>
+          <a:fontRef idx="minor">
+            <a:schemeClr val="tx1"/>
+          </a:fontRef>
+        </p:style>
+      </p:cxnSp>
+      <p:sp>
+        <p:nvSpPr>
+          <p:cNvPr id="15" name="TextBox 14"/>
+          <p:cNvSpPr txBox="1"/>
+          <p:nvPr/>
+        </p:nvSpPr>
+        <p:spPr>
+          <a:xfrm>
+            <a:off x="1605529" y="3965939"/>
+            <a:ext cx="1648047" cy="646331"/>
+          </a:xfrm>
+          <a:prstGeom prst="rect">
+            <a:avLst/>
+          </a:prstGeom>
+          <a:noFill/>
+        </p:spPr>
+        <p:txBody>
+          <a:bodyPr wrap="square" rtlCol="0">
+            <a:spAutoFit/>
+          </a:bodyPr>
+          <a:lstStyle/>
+          <a:p>
+            <a:r>
+              <a:rPr lang="en-US" dirty="0" smtClean="0"/>
+              <a:t>Custom Plastic </a:t>
+            </a:r>
+          </a:p>
+          <a:p>
+            <a:r>
+              <a:rPr lang="en-US" dirty="0" smtClean="0"/>
+              <a:t>Landing Gear</a:t>
+            </a:r>
+            <a:endParaRPr lang="en-US" dirty="0"/>
+          </a:p>
+        </p:txBody>
+      </p:sp>
+      <p:cxnSp>
+        <p:nvCxnSpPr>
+          <p:cNvPr id="16" name="Straight Arrow Connector 15"/>
+          <p:cNvCxnSpPr/>
+          <p:nvPr/>
+        </p:nvCxnSpPr>
+        <p:spPr>
+          <a:xfrm flipH="1" flipV="1">
+            <a:off x="4242394" y="2466753"/>
+            <a:ext cx="1677653" cy="449979"/>
+          </a:xfrm>
+          <a:prstGeom prst="straightConnector1">
+            <a:avLst/>
+          </a:prstGeom>
+          <a:ln w="28575">
+            <a:solidFill>
+              <a:srgbClr val="FF0000"/>
+            </a:solidFill>
+            <a:tailEnd type="arrow"/>
+          </a:ln>
+        </p:spPr>
+        <p:style>
+          <a:lnRef idx="2">
+            <a:schemeClr val="accent1"/>
+          </a:lnRef>
+          <a:fillRef idx="0">
+            <a:schemeClr val="accent1"/>
+          </a:fillRef>
+          <a:effectRef idx="1">
+            <a:schemeClr val="accent1"/>
+          </a:effectRef>
+          <a:fontRef idx="minor">
+            <a:schemeClr val="tx1"/>
+          </a:fontRef>
+        </p:style>
+      </p:cxnSp>
+      <p:cxnSp>
+        <p:nvCxnSpPr>
+          <p:cNvPr id="18" name="Straight Arrow Connector 17"/>
+          <p:cNvCxnSpPr/>
+          <p:nvPr/>
+        </p:nvCxnSpPr>
+        <p:spPr>
+          <a:xfrm flipH="1">
+            <a:off x="5528930" y="2916732"/>
+            <a:ext cx="391117" cy="1077729"/>
+          </a:xfrm>
+          <a:prstGeom prst="straightConnector1">
+            <a:avLst/>
+          </a:prstGeom>
+          <a:ln w="28575">
+            <a:solidFill>
+              <a:srgbClr val="FF0000"/>
+            </a:solidFill>
+            <a:tailEnd type="arrow"/>
+          </a:ln>
+        </p:spPr>
+        <p:style>
+          <a:lnRef idx="2">
+            <a:schemeClr val="accent1"/>
+          </a:lnRef>
+          <a:fillRef idx="0">
+            <a:schemeClr val="accent1"/>
+          </a:fillRef>
+          <a:effectRef idx="1">
+            <a:schemeClr val="accent1"/>
+          </a:effectRef>
+          <a:fontRef idx="minor">
+            <a:schemeClr val="tx1"/>
+          </a:fontRef>
+        </p:style>
+      </p:cxnSp>
+      <p:sp>
+        <p:nvSpPr>
+          <p:cNvPr id="21" name="TextBox 20"/>
+          <p:cNvSpPr txBox="1"/>
+          <p:nvPr/>
+        </p:nvSpPr>
+        <p:spPr>
+          <a:xfrm>
+            <a:off x="5898781" y="2593566"/>
+            <a:ext cx="3052455" cy="646331"/>
+          </a:xfrm>
+          <a:prstGeom prst="rect">
+            <a:avLst/>
+          </a:prstGeom>
+          <a:noFill/>
+        </p:spPr>
+        <p:txBody>
+          <a:bodyPr wrap="square" rtlCol="0">
+            <a:spAutoFit/>
+          </a:bodyPr>
+          <a:lstStyle/>
+          <a:p>
+            <a:r>
+              <a:rPr lang="en-US" dirty="0" smtClean="0"/>
+              <a:t>Custom </a:t>
+            </a:r>
+            <a:r>
+              <a:rPr lang="en-US" dirty="0"/>
+              <a:t>b</a:t>
+            </a:r>
+            <a:r>
+              <a:rPr lang="en-US" dirty="0" smtClean="0"/>
+              <a:t>lade guards created from a Hula Hoop</a:t>
+            </a:r>
+            <a:endParaRPr lang="en-US" dirty="0"/>
+          </a:p>
+        </p:txBody>
+      </p:sp>
+    </p:spTree>
+    <p:extLst>
+      <p:ext uri="{BB962C8B-B14F-4D97-AF65-F5344CB8AC3E}">
+        <p14:creationId xmlns:p14="http://schemas.microsoft.com/office/powerpoint/2010/main" val="871465337"/>
+      </p:ext>
+    </p:extLst>
+  </p:cSld>
+  <p:clrMapOvr>
+    <a:masterClrMapping/>
+  </p:clrMapOvr>
+  <p:timing>
+    <p:tnLst>
+      <p:par>
+        <p:cTn id="1" dur="indefinite" restart="never" nodeType="tmRoot"/>
+      </p:par>
+    </p:tnLst>
+  </p:timing>
+</p:sld>
+</file>
+
+<file path=ppt/slides/slide5.xml><?xml version="1.0" encoding="utf-8"?>
+<p:sld xmlns:a="http://schemas.openxmlformats.org/drawingml/2006/main" xmlns:r="http://schemas.openxmlformats.org/officeDocument/2006/relationships" xmlns:p="http://schemas.openxmlformats.org/presentationml/2006/main">
+  <p:cSld>
+    <p:spTree>
+      <p:nvGrpSpPr>
+        <p:cNvPr id="1" name=""/>
+        <p:cNvGrpSpPr/>
+        <p:nvPr/>
+      </p:nvGrpSpPr>
+      <p:grpSpPr>
+        <a:xfrm>
+          <a:off x="0" y="0"/>
+          <a:ext cx="0" cy="0"/>
+          <a:chOff x="0" y="0"/>
+          <a:chExt cx="0" cy="0"/>
+        </a:xfrm>
+      </p:grpSpPr>
+      <p:grpSp>
+        <p:nvGrpSpPr>
+          <p:cNvPr id="4" name="Group 3"/>
+          <p:cNvGrpSpPr/>
+          <p:nvPr/>
+        </p:nvGrpSpPr>
+        <p:grpSpPr>
+          <a:xfrm>
+            <a:off x="0" y="1"/>
+            <a:ext cx="9144000" cy="844012"/>
+            <a:chOff x="0" y="1"/>
+            <a:chExt cx="9144000" cy="844012"/>
+          </a:xfrm>
+        </p:grpSpPr>
+        <p:cxnSp>
+          <p:nvCxnSpPr>
+            <p:cNvPr id="5" name="Straight Connector 4"/>
+            <p:cNvCxnSpPr/>
+            <p:nvPr/>
+          </p:nvCxnSpPr>
+          <p:spPr>
+            <a:xfrm>
+              <a:off x="0" y="844013"/>
+              <a:ext cx="9144000" cy="0"/>
+            </a:xfrm>
+            <a:prstGeom prst="line">
+              <a:avLst/>
+            </a:prstGeom>
+            <a:ln>
+              <a:solidFill>
+                <a:schemeClr val="tx1"/>
+              </a:solidFill>
+            </a:ln>
+            <a:effectLst/>
+          </p:spPr>
+          <p:style>
+            <a:lnRef idx="2">
+              <a:schemeClr val="accent1"/>
+            </a:lnRef>
+            <a:fillRef idx="0">
+              <a:schemeClr val="accent1"/>
+            </a:fillRef>
+            <a:effectRef idx="1">
+              <a:schemeClr val="accent1"/>
+            </a:effectRef>
+            <a:fontRef idx="minor">
+              <a:schemeClr val="tx1"/>
+            </a:fontRef>
+          </p:style>
+        </p:cxnSp>
+        <p:pic>
+          <p:nvPicPr>
+            <p:cNvPr id="6" name="Picture 5" descr="Screen Shot 2015-10-11 at 11.16.20 AM.png"/>
+            <p:cNvPicPr>
+              <a:picLocks noChangeAspect="1"/>
+            </p:cNvPicPr>
+            <p:nvPr/>
+          </p:nvPicPr>
+          <p:blipFill>
             <a:blip r:embed="rId3">
               <a:extLst>
                 <a:ext uri="{28A0092B-C50C-407E-A947-70E740481C1C}">
@@ -6915,14 +7436,14 @@
           <p:nvPr>
             <p:extLst>
               <p:ext uri="{D42A27DB-BD31-4B8C-83A1-F6EECF244321}">
-                <p14:modId xmlns:p14="http://schemas.microsoft.com/office/powerpoint/2010/main" val="3168648641"/>
+                <p14:modId xmlns:p14="http://schemas.microsoft.com/office/powerpoint/2010/main" val="2114426086"/>
               </p:ext>
             </p:extLst>
           </p:nvPr>
         </p:nvGraphicFramePr>
         <p:xfrm>
-          <a:off x="1151748" y="2040882"/>
-          <a:ext cx="7203512" cy="2565400"/>
+          <a:off x="981765" y="1498622"/>
+          <a:ext cx="7203512" cy="2194560"/>
         </p:xfrm>
         <a:graphic>
           <a:graphicData uri="http://schemas.openxmlformats.org/drawingml/2006/table">
@@ -7024,8 +7545,12 @@
                     <a:p>
                       <a:pPr algn="ctr"/>
                       <a:r>
-                        <a:rPr lang="en-US" b="1" dirty="0" smtClean="0"/>
-                        <a:t>M100</a:t>
+                        <a:rPr lang="en-US" b="1" dirty="0" err="1" smtClean="0"/>
+                        <a:t>AlienBee</a:t>
+                      </a:r>
+                      <a:r>
+                        <a:rPr lang="en-US" b="1" baseline="0" dirty="0" smtClean="0"/>
+                        <a:t> w/ RGBD</a:t>
                       </a:r>
                       <a:endParaRPr lang="en-US" b="1" dirty="0"/>
                     </a:p>
@@ -7040,7 +7565,11 @@
                       <a:pPr algn="ctr"/>
                       <a:r>
                         <a:rPr lang="en-US" dirty="0" smtClean="0"/>
-                        <a:t>2.77 (3.22)</a:t>
+                        <a:t>1.91</a:t>
+                      </a:r>
+                      <a:r>
+                        <a:rPr lang="en-US" baseline="0" dirty="0" smtClean="0"/>
+                        <a:t> (2.36)</a:t>
                       </a:r>
                       <a:endParaRPr lang="en-US" dirty="0"/>
                     </a:p>
@@ -7055,7 +7584,7 @@
                       <a:pPr algn="ctr"/>
                       <a:r>
                         <a:rPr lang="en-US" dirty="0" smtClean="0"/>
-                        <a:t>13.7</a:t>
+                        <a:t>11.3</a:t>
                       </a:r>
                       <a:endParaRPr lang="en-US" dirty="0"/>
                     </a:p>
@@ -7070,7 +7599,7 @@
                       <a:pPr algn="ctr"/>
                       <a:r>
                         <a:rPr lang="en-US" dirty="0" smtClean="0"/>
-                        <a:t>11.1</a:t>
+                        <a:t>8.4</a:t>
                       </a:r>
                       <a:endParaRPr lang="en-US" dirty="0"/>
                     </a:p>
@@ -7090,8 +7619,8 @@
                         <a:t>AlienBee</a:t>
                       </a:r>
                       <a:r>
-                        <a:rPr lang="en-US" b="1" baseline="0" dirty="0" smtClean="0"/>
-                        <a:t> w/ RGBD</a:t>
+                        <a:rPr lang="en-US" b="1" dirty="0" smtClean="0"/>
+                        <a:t> w/ Guidance</a:t>
                       </a:r>
                       <a:endParaRPr lang="en-US" b="1" dirty="0"/>
                     </a:p>
@@ -7106,11 +7635,11 @@
                       <a:pPr algn="ctr"/>
                       <a:r>
                         <a:rPr lang="en-US" dirty="0" smtClean="0"/>
-                        <a:t>1.91</a:t>
+                        <a:t>1.93</a:t>
                       </a:r>
                       <a:r>
                         <a:rPr lang="en-US" baseline="0" dirty="0" smtClean="0"/>
-                        <a:t> (2.36)</a:t>
+                        <a:t> (2.38)</a:t>
                       </a:r>
                       <a:endParaRPr lang="en-US" dirty="0"/>
                     </a:p>
@@ -7125,7 +7654,7 @@
                       <a:pPr algn="ctr"/>
                       <a:r>
                         <a:rPr lang="en-US" dirty="0" smtClean="0"/>
-                        <a:t>11.3</a:t>
+                        <a:t>11.4</a:t>
                       </a:r>
                       <a:endParaRPr lang="en-US" dirty="0"/>
                     </a:p>
@@ -7140,7 +7669,107 @@
                       <a:pPr algn="ctr"/>
                       <a:r>
                         <a:rPr lang="en-US" dirty="0" smtClean="0"/>
-                        <a:t>8.4</a:t>
+                        <a:t>8.5</a:t>
+                      </a:r>
+                      <a:endParaRPr lang="en-US" dirty="0"/>
+                    </a:p>
+                  </a:txBody>
+                  <a:tcPr anchor="ctr"/>
+                </a:tc>
+              </a:tr>
+            </a:tbl>
+          </a:graphicData>
+        </a:graphic>
+      </p:graphicFrame>
+      <p:graphicFrame>
+        <p:nvGraphicFramePr>
+          <p:cNvPr id="10" name="Table 9"/>
+          <p:cNvGraphicFramePr>
+            <a:graphicFrameLocks noGrp="1"/>
+          </p:cNvGraphicFramePr>
+          <p:nvPr>
+            <p:extLst>
+              <p:ext uri="{D42A27DB-BD31-4B8C-83A1-F6EECF244321}">
+                <p14:modId xmlns:p14="http://schemas.microsoft.com/office/powerpoint/2010/main" val="3351763019"/>
+              </p:ext>
+            </p:extLst>
+          </p:nvPr>
+        </p:nvGraphicFramePr>
+        <p:xfrm>
+          <a:off x="1091902" y="4316390"/>
+          <a:ext cx="7203512" cy="1010920"/>
+        </p:xfrm>
+        <a:graphic>
+          <a:graphicData uri="http://schemas.openxmlformats.org/drawingml/2006/table">
+            <a:tbl>
+              <a:tblPr firstRow="1" bandRow="1">
+                <a:tableStyleId>{5C22544A-7EE6-4342-B048-85BDC9FD1C3A}</a:tableStyleId>
+              </a:tblPr>
+              <a:tblGrid>
+                <a:gridCol w="1456640"/>
+                <a:gridCol w="1885278"/>
+                <a:gridCol w="1709057"/>
+                <a:gridCol w="2152537"/>
+              </a:tblGrid>
+              <a:tr h="370840">
+                <a:tc>
+                  <a:txBody>
+                    <a:bodyPr/>
+                    <a:lstStyle/>
+                    <a:p>
+                      <a:pPr algn="ctr"/>
+                      <a:r>
+                        <a:rPr lang="en-US" dirty="0" smtClean="0"/>
+                        <a:t>Time</a:t>
+                      </a:r>
+                      <a:r>
+                        <a:rPr lang="en-US" baseline="0" dirty="0" smtClean="0"/>
+                        <a:t> [min]</a:t>
+                      </a:r>
+                      <a:endParaRPr lang="en-US" dirty="0"/>
+                    </a:p>
+                  </a:txBody>
+                  <a:tcPr anchor="ctr"/>
+                </a:tc>
+                <a:tc>
+                  <a:txBody>
+                    <a:bodyPr/>
+                    <a:lstStyle/>
+                    <a:p>
+                      <a:pPr algn="ctr"/>
+                      <a:r>
+                        <a:rPr lang="en-US" dirty="0" smtClean="0"/>
+                        <a:t>8</a:t>
+                      </a:r>
+                      <a:endParaRPr lang="en-US" dirty="0"/>
+                    </a:p>
+                  </a:txBody>
+                  <a:tcPr anchor="ctr"/>
+                </a:tc>
+                <a:tc>
+                  <a:txBody>
+                    <a:bodyPr/>
+                    <a:lstStyle/>
+                    <a:p>
+                      <a:pPr algn="ctr"/>
+                      <a:r>
+                        <a:rPr lang="en-US" dirty="0" smtClean="0"/>
+                        <a:t>10</a:t>
+                      </a:r>
+                      <a:endParaRPr lang="en-US" dirty="0"/>
+                    </a:p>
+                  </a:txBody>
+                  <a:tcPr anchor="ctr"/>
+                </a:tc>
+                <a:tc>
+                  <a:txBody>
+                    <a:bodyPr/>
+                    <a:lstStyle/>
+                    <a:p>
+                      <a:pPr algn="ctr"/>
+                      <a:r>
+                        <a:rPr lang="en-US" baseline="0" dirty="0" smtClean="0"/>
+                        <a:t>11</a:t>
                       </a:r>
                       <a:endParaRPr lang="en-US" dirty="0"/>
                     </a:p>
@@ -7156,12 +7785,12 @@
                     <a:p>
                       <a:pPr algn="ctr"/>
                       <a:r>
-                        <a:rPr lang="en-US" b="1" dirty="0" err="1" smtClean="0"/>
-                        <a:t>AlienBee</a:t>
-                      </a:r>
-                      <a:r>
                         <a:rPr lang="en-US" b="1" dirty="0" smtClean="0"/>
-                        <a:t> w/ Guidance</a:t>
+                        <a:t>Min</a:t>
+                      </a:r>
+                      <a:r>
+                        <a:rPr lang="en-US" b="1" baseline="0" dirty="0" smtClean="0"/>
+                        <a:t> Speed [m/s]</a:t>
                       </a:r>
                       <a:endParaRPr lang="en-US" b="1" dirty="0"/>
                     </a:p>
@@ -7176,11 +7805,7 @@
                       <a:pPr algn="ctr"/>
                       <a:r>
                         <a:rPr lang="en-US" dirty="0" smtClean="0"/>
-                        <a:t>1.93</a:t>
-                      </a:r>
-                      <a:r>
-                        <a:rPr lang="en-US" baseline="0" dirty="0" smtClean="0"/>
-                        <a:t> (2.38)</a:t>
+                        <a:t>2.31</a:t>
                       </a:r>
                       <a:endParaRPr lang="en-US" dirty="0"/>
                     </a:p>
@@ -7195,7 +7820,7 @@
                       <a:pPr algn="ctr"/>
                       <a:r>
                         <a:rPr lang="en-US" dirty="0" smtClean="0"/>
-                        <a:t>11.4</a:t>
+                        <a:t>1.85</a:t>
                       </a:r>
                       <a:endParaRPr lang="en-US" dirty="0"/>
                     </a:p>
@@ -7210,7 +7835,7 @@
                       <a:pPr algn="ctr"/>
                       <a:r>
                         <a:rPr lang="en-US" dirty="0" smtClean="0"/>
-                        <a:t>8.5</a:t>
+                        <a:t>1.67</a:t>
                       </a:r>
                       <a:endParaRPr lang="en-US" dirty="0"/>
                     </a:p>
@@ -7242,7 +7867,7 @@
 </p:sld>
 </file>
 
-<file path=ppt/slides/slide5.xml><?xml version="1.0" encoding="utf-8"?>
+<file path=ppt/slides/slide6.xml><?xml version="1.0" encoding="utf-8"?>
 <p:sld xmlns:a="http://schemas.openxmlformats.org/drawingml/2006/main" xmlns:r="http://schemas.openxmlformats.org/officeDocument/2006/relationships" xmlns:p="http://schemas.openxmlformats.org/presentationml/2006/main">
   <p:cSld>
     <p:spTree>
@@ -8280,7 +8905,7 @@
 </p:sld>
 </file>
 
-<file path=ppt/slides/slide6.xml><?xml version="1.0" encoding="utf-8"?>
+<file path=ppt/slides/slide7.xml><?xml version="1.0" encoding="utf-8"?>
 <p:sld xmlns:a="http://schemas.openxmlformats.org/drawingml/2006/main" xmlns:r="http://schemas.openxmlformats.org/officeDocument/2006/relationships" xmlns:p="http://schemas.openxmlformats.org/presentationml/2006/main">
   <p:cSld>
     <p:spTree>
@@ -8492,8 +9117,8 @@
           </p:txBody>
         </p:sp>
       </p:grpSp>
-      <mc:AlternateContent xmlns:mc="http://schemas.openxmlformats.org/markup-compatibility/2006">
-        <mc:Choice xmlns:a14="http://schemas.microsoft.com/office/drawing/2010/main" Requires="a14">
+      <mc:AlternateContent xmlns:mc="http://schemas.openxmlformats.org/markup-compatibility/2006" xmlns:a14="http://schemas.microsoft.com/office/drawing/2010/main">
+        <mc:Choice Requires="a14">
           <p:sp>
             <p:nvSpPr>
               <p:cNvPr id="3" name="TextBox 2"/>
@@ -8923,7 +9548,7 @@
             </p:txBody>
           </p:sp>
         </mc:Choice>
-        <mc:Fallback>
+        <mc:Fallback xmlns="">
           <p:sp>
             <p:nvSpPr>
               <p:cNvPr id="3" name="TextBox 2"/>
@@ -9523,8 +10148,8 @@
           </a:fontRef>
         </p:style>
       </p:cxnSp>
-      <mc:AlternateContent xmlns:mc="http://schemas.openxmlformats.org/markup-compatibility/2006">
-        <mc:Choice xmlns:a14="http://schemas.microsoft.com/office/drawing/2010/main" Requires="a14">
+      <mc:AlternateContent xmlns:mc="http://schemas.openxmlformats.org/markup-compatibility/2006" xmlns:a14="http://schemas.microsoft.com/office/drawing/2010/main">
+        <mc:Choice Requires="a14">
           <p:sp>
             <p:nvSpPr>
               <p:cNvPr id="28" name="TextBox 27"/>
@@ -9547,6 +10172,7 @@
               </a:bodyPr>
               <a:lstStyle/>
               <a:p>
+                <a:pPr/>
                 <a14:m>
                   <m:oMathPara xmlns:m="http://schemas.openxmlformats.org/officeDocument/2006/math">
                     <m:oMathParaPr>
@@ -9567,7 +10193,7 @@
             </p:txBody>
           </p:sp>
         </mc:Choice>
-        <mc:Fallback>
+        <mc:Fallback xmlns="">
           <p:sp>
             <p:nvSpPr>
               <p:cNvPr id="28" name="TextBox 27"/>
